--- a/Depth Map Generation.pptx
+++ b/Depth Map Generation.pptx
@@ -34,7 +34,7 @@
     <p:sldId id="281" r:id="rId29"/>
   </p:sldIdLst>
   <p:sldSz cx="9144000" cy="5143500"/>
-  <p:notesSz cx="6858000" cy="9144000"/>
+  <p:notesSz cx="7559675" cy="10691812"/>
 </p:presentation>
 </file>
 
@@ -79,7 +79,7 @@
       </p:grpSpPr>
       <p:sp>
         <p:nvSpPr>
-          <p:cNvPr id="24" name="PlaceHolder 1"/>
+          <p:cNvPr id="23" name="PlaceHolder 1"/>
           <p:cNvSpPr>
             <a:spLocks noGrp="1"/>
           </p:cNvSpPr>
@@ -89,8 +89,8 @@
         </p:nvSpPr>
         <p:spPr>
           <a:xfrm>
-            <a:off x="311760" y="444960"/>
-            <a:ext cx="8520120" cy="572400"/>
+            <a:off x="311760" y="418320"/>
+            <a:ext cx="8519760" cy="625320"/>
           </a:xfrm>
           <a:prstGeom prst="rect">
             <a:avLst/>
@@ -99,7 +99,8 @@
         <p:txBody>
           <a:bodyPr lIns="0" rIns="0" tIns="0" bIns="0" anchor="ctr"/>
           <a:p>
-            <a:endParaRPr b="0" lang="en-IN" sz="1400" spc="-1" strike="noStrike">
+            <a:pPr algn="ctr"/>
+            <a:endParaRPr b="0" lang="en-IN" sz="4400" spc="-1" strike="noStrike">
               <a:solidFill>
                 <a:srgbClr val="000000"/>
               </a:solidFill>
@@ -115,7 +116,7 @@
       </p:sp>
       <p:sp>
         <p:nvSpPr>
-          <p:cNvPr id="25" name="PlaceHolder 2"/>
+          <p:cNvPr id="24" name="PlaceHolder 2"/>
           <p:cNvSpPr>
             <a:spLocks noGrp="1"/>
           </p:cNvSpPr>
@@ -126,7 +127,7 @@
         <p:spPr>
           <a:xfrm>
             <a:off x="311760" y="1152360"/>
-            <a:ext cx="8520120" cy="1629360"/>
+            <a:ext cx="8519760" cy="1629000"/>
           </a:xfrm>
           <a:prstGeom prst="rect">
             <a:avLst/>
@@ -135,7 +136,7 @@
         <p:txBody>
           <a:bodyPr lIns="0" rIns="0" tIns="0" bIns="0"/>
           <a:p>
-            <a:endParaRPr b="0" lang="en-IN" sz="1400" spc="-1" strike="noStrike">
+            <a:endParaRPr b="0" lang="en-IN" sz="3200" spc="-1" strike="noStrike">
               <a:solidFill>
                 <a:srgbClr val="000000"/>
               </a:solidFill>
@@ -151,7 +152,7 @@
       </p:sp>
       <p:sp>
         <p:nvSpPr>
-          <p:cNvPr id="26" name="PlaceHolder 3"/>
+          <p:cNvPr id="25" name="PlaceHolder 3"/>
           <p:cNvSpPr>
             <a:spLocks noGrp="1"/>
           </p:cNvSpPr>
@@ -161,8 +162,8 @@
         </p:nvSpPr>
         <p:spPr>
           <a:xfrm>
-            <a:off x="311760" y="2936880"/>
-            <a:ext cx="8520120" cy="1629360"/>
+            <a:off x="311760" y="2936520"/>
+            <a:ext cx="8519760" cy="1629000"/>
           </a:xfrm>
           <a:prstGeom prst="rect">
             <a:avLst/>
@@ -171,7 +172,7 @@
         <p:txBody>
           <a:bodyPr lIns="0" rIns="0" tIns="0" bIns="0"/>
           <a:p>
-            <a:endParaRPr b="0" lang="en-IN" sz="1400" spc="-1" strike="noStrike">
+            <a:endParaRPr b="0" lang="en-IN" sz="3200" spc="-1" strike="noStrike">
               <a:solidFill>
                 <a:srgbClr val="000000"/>
               </a:solidFill>
@@ -209,7 +210,7 @@
       </p:grpSpPr>
       <p:sp>
         <p:nvSpPr>
-          <p:cNvPr id="27" name="PlaceHolder 1"/>
+          <p:cNvPr id="26" name="PlaceHolder 1"/>
           <p:cNvSpPr>
             <a:spLocks noGrp="1"/>
           </p:cNvSpPr>
@@ -219,8 +220,8 @@
         </p:nvSpPr>
         <p:spPr>
           <a:xfrm>
-            <a:off x="311760" y="444960"/>
-            <a:ext cx="8520120" cy="572400"/>
+            <a:off x="311760" y="418320"/>
+            <a:ext cx="8519760" cy="625320"/>
           </a:xfrm>
           <a:prstGeom prst="rect">
             <a:avLst/>
@@ -229,7 +230,8 @@
         <p:txBody>
           <a:bodyPr lIns="0" rIns="0" tIns="0" bIns="0" anchor="ctr"/>
           <a:p>
-            <a:endParaRPr b="0" lang="en-IN" sz="1400" spc="-1" strike="noStrike">
+            <a:pPr algn="ctr"/>
+            <a:endParaRPr b="0" lang="en-IN" sz="4400" spc="-1" strike="noStrike">
               <a:solidFill>
                 <a:srgbClr val="000000"/>
               </a:solidFill>
@@ -245,7 +247,7 @@
       </p:sp>
       <p:sp>
         <p:nvSpPr>
-          <p:cNvPr id="28" name="PlaceHolder 2"/>
+          <p:cNvPr id="27" name="PlaceHolder 2"/>
           <p:cNvSpPr>
             <a:spLocks noGrp="1"/>
           </p:cNvSpPr>
@@ -256,7 +258,7 @@
         <p:spPr>
           <a:xfrm>
             <a:off x="311760" y="1152360"/>
-            <a:ext cx="4157640" cy="1629360"/>
+            <a:ext cx="4157280" cy="1629000"/>
           </a:xfrm>
           <a:prstGeom prst="rect">
             <a:avLst/>
@@ -265,7 +267,7 @@
         <p:txBody>
           <a:bodyPr lIns="0" rIns="0" tIns="0" bIns="0"/>
           <a:p>
-            <a:endParaRPr b="0" lang="en-IN" sz="1400" spc="-1" strike="noStrike">
+            <a:endParaRPr b="0" lang="en-IN" sz="3200" spc="-1" strike="noStrike">
               <a:solidFill>
                 <a:srgbClr val="000000"/>
               </a:solidFill>
@@ -281,7 +283,7 @@
       </p:sp>
       <p:sp>
         <p:nvSpPr>
-          <p:cNvPr id="29" name="PlaceHolder 3"/>
+          <p:cNvPr id="28" name="PlaceHolder 3"/>
           <p:cNvSpPr>
             <a:spLocks noGrp="1"/>
           </p:cNvSpPr>
@@ -291,8 +293,8 @@
         </p:nvSpPr>
         <p:spPr>
           <a:xfrm>
-            <a:off x="4677840" y="1152360"/>
-            <a:ext cx="4157640" cy="1629360"/>
+            <a:off x="4677120" y="1152360"/>
+            <a:ext cx="4157280" cy="1629000"/>
           </a:xfrm>
           <a:prstGeom prst="rect">
             <a:avLst/>
@@ -301,7 +303,7 @@
         <p:txBody>
           <a:bodyPr lIns="0" rIns="0" tIns="0" bIns="0"/>
           <a:p>
-            <a:endParaRPr b="0" lang="en-IN" sz="1400" spc="-1" strike="noStrike">
+            <a:endParaRPr b="0" lang="en-IN" sz="3200" spc="-1" strike="noStrike">
               <a:solidFill>
                 <a:srgbClr val="000000"/>
               </a:solidFill>
@@ -317,7 +319,7 @@
       </p:sp>
       <p:sp>
         <p:nvSpPr>
-          <p:cNvPr id="30" name="PlaceHolder 4"/>
+          <p:cNvPr id="29" name="PlaceHolder 4"/>
           <p:cNvSpPr>
             <a:spLocks noGrp="1"/>
           </p:cNvSpPr>
@@ -327,8 +329,8 @@
         </p:nvSpPr>
         <p:spPr>
           <a:xfrm>
-            <a:off x="4677840" y="2936880"/>
-            <a:ext cx="4157640" cy="1629360"/>
+            <a:off x="4677120" y="2936520"/>
+            <a:ext cx="4157280" cy="1629000"/>
           </a:xfrm>
           <a:prstGeom prst="rect">
             <a:avLst/>
@@ -337,7 +339,7 @@
         <p:txBody>
           <a:bodyPr lIns="0" rIns="0" tIns="0" bIns="0"/>
           <a:p>
-            <a:endParaRPr b="0" lang="en-IN" sz="1400" spc="-1" strike="noStrike">
+            <a:endParaRPr b="0" lang="en-IN" sz="3200" spc="-1" strike="noStrike">
               <a:solidFill>
                 <a:srgbClr val="000000"/>
               </a:solidFill>
@@ -353,7 +355,7 @@
       </p:sp>
       <p:sp>
         <p:nvSpPr>
-          <p:cNvPr id="31" name="PlaceHolder 5"/>
+          <p:cNvPr id="30" name="PlaceHolder 5"/>
           <p:cNvSpPr>
             <a:spLocks noGrp="1"/>
           </p:cNvSpPr>
@@ -363,8 +365,8 @@
         </p:nvSpPr>
         <p:spPr>
           <a:xfrm>
-            <a:off x="311760" y="2936880"/>
-            <a:ext cx="4157640" cy="1629360"/>
+            <a:off x="311760" y="2936520"/>
+            <a:ext cx="4157280" cy="1629000"/>
           </a:xfrm>
           <a:prstGeom prst="rect">
             <a:avLst/>
@@ -373,7 +375,7 @@
         <p:txBody>
           <a:bodyPr lIns="0" rIns="0" tIns="0" bIns="0"/>
           <a:p>
-            <a:endParaRPr b="0" lang="en-IN" sz="1400" spc="-1" strike="noStrike">
+            <a:endParaRPr b="0" lang="en-IN" sz="3200" spc="-1" strike="noStrike">
               <a:solidFill>
                 <a:srgbClr val="000000"/>
               </a:solidFill>
@@ -411,7 +413,7 @@
       </p:grpSpPr>
       <p:sp>
         <p:nvSpPr>
-          <p:cNvPr id="32" name="PlaceHolder 1"/>
+          <p:cNvPr id="31" name="PlaceHolder 1"/>
           <p:cNvSpPr>
             <a:spLocks noGrp="1"/>
           </p:cNvSpPr>
@@ -421,8 +423,8 @@
         </p:nvSpPr>
         <p:spPr>
           <a:xfrm>
-            <a:off x="311760" y="444960"/>
-            <a:ext cx="8520120" cy="572400"/>
+            <a:off x="311760" y="418320"/>
+            <a:ext cx="8519760" cy="625320"/>
           </a:xfrm>
           <a:prstGeom prst="rect">
             <a:avLst/>
@@ -431,7 +433,8 @@
         <p:txBody>
           <a:bodyPr lIns="0" rIns="0" tIns="0" bIns="0" anchor="ctr"/>
           <a:p>
-            <a:endParaRPr b="0" lang="en-IN" sz="1400" spc="-1" strike="noStrike">
+            <a:pPr algn="ctr"/>
+            <a:endParaRPr b="0" lang="en-IN" sz="4400" spc="-1" strike="noStrike">
               <a:solidFill>
                 <a:srgbClr val="000000"/>
               </a:solidFill>
@@ -447,7 +450,7 @@
       </p:sp>
       <p:sp>
         <p:nvSpPr>
-          <p:cNvPr id="33" name="PlaceHolder 2"/>
+          <p:cNvPr id="32" name="PlaceHolder 2"/>
           <p:cNvSpPr>
             <a:spLocks noGrp="1"/>
           </p:cNvSpPr>
@@ -458,7 +461,7 @@
         <p:spPr>
           <a:xfrm>
             <a:off x="311760" y="1152360"/>
-            <a:ext cx="8520120" cy="3416040"/>
+            <a:ext cx="8519760" cy="3415680"/>
           </a:xfrm>
           <a:prstGeom prst="rect">
             <a:avLst/>
@@ -467,7 +470,7 @@
         <p:txBody>
           <a:bodyPr lIns="0" rIns="0" tIns="0" bIns="0"/>
           <a:p>
-            <a:endParaRPr b="0" lang="en-IN" sz="1400" spc="-1" strike="noStrike">
+            <a:endParaRPr b="0" lang="en-IN" sz="3200" spc="-1" strike="noStrike">
               <a:solidFill>
                 <a:srgbClr val="000000"/>
               </a:solidFill>
@@ -483,7 +486,7 @@
       </p:sp>
       <p:sp>
         <p:nvSpPr>
-          <p:cNvPr id="34" name="PlaceHolder 3"/>
+          <p:cNvPr id="33" name="PlaceHolder 3"/>
           <p:cNvSpPr>
             <a:spLocks noGrp="1"/>
           </p:cNvSpPr>
@@ -494,7 +497,7 @@
         <p:spPr>
           <a:xfrm>
             <a:off x="311760" y="1152360"/>
-            <a:ext cx="8520120" cy="3416040"/>
+            <a:ext cx="8519760" cy="3415680"/>
           </a:xfrm>
           <a:prstGeom prst="rect">
             <a:avLst/>
@@ -503,7 +506,7 @@
         <p:txBody>
           <a:bodyPr lIns="0" rIns="0" tIns="0" bIns="0"/>
           <a:p>
-            <a:endParaRPr b="0" lang="en-IN" sz="1400" spc="-1" strike="noStrike">
+            <a:endParaRPr b="0" lang="en-IN" sz="3200" spc="-1" strike="noStrike">
               <a:solidFill>
                 <a:srgbClr val="000000"/>
               </a:solidFill>
@@ -517,6 +520,29 @@
           </a:p>
         </p:txBody>
       </p:sp>
+      <p:pic>
+        <p:nvPicPr>
+          <p:cNvPr id="34" name="" descr=""/>
+          <p:cNvPicPr/>
+          <p:nvPr/>
+        </p:nvPicPr>
+        <p:blipFill>
+          <a:blip r:embed="rId2"/>
+          <a:stretch/>
+        </p:blipFill>
+        <p:spPr>
+          <a:xfrm>
+            <a:off x="2431080" y="1152360"/>
+            <a:ext cx="4280760" cy="3415680"/>
+          </a:xfrm>
+          <a:prstGeom prst="rect">
+            <a:avLst/>
+          </a:prstGeom>
+          <a:ln>
+            <a:noFill/>
+          </a:ln>
+        </p:spPr>
+      </p:pic>
       <p:pic>
         <p:nvPicPr>
           <p:cNvPr id="35" name="" descr=""/>
@@ -524,36 +550,13 @@
           <p:nvPr/>
         </p:nvPicPr>
         <p:blipFill>
-          <a:blip r:embed="rId2"/>
-          <a:stretch/>
-        </p:blipFill>
-        <p:spPr>
-          <a:xfrm>
-            <a:off x="2430720" y="1152000"/>
-            <a:ext cx="4281480" cy="3416040"/>
-          </a:xfrm>
-          <a:prstGeom prst="rect">
-            <a:avLst/>
-          </a:prstGeom>
-          <a:ln>
-            <a:noFill/>
-          </a:ln>
-        </p:spPr>
-      </p:pic>
-      <p:pic>
-        <p:nvPicPr>
-          <p:cNvPr id="36" name="" descr=""/>
-          <p:cNvPicPr/>
-          <p:nvPr/>
-        </p:nvPicPr>
-        <p:blipFill>
           <a:blip r:embed="rId3"/>
           <a:stretch/>
         </p:blipFill>
         <p:spPr>
           <a:xfrm>
-            <a:off x="2430720" y="1152000"/>
-            <a:ext cx="4281480" cy="3416040"/>
+            <a:off x="2431080" y="1152360"/>
+            <a:ext cx="4280760" cy="3415680"/>
           </a:xfrm>
           <a:prstGeom prst="rect">
             <a:avLst/>
@@ -609,7 +612,7 @@
       </p:grpSpPr>
       <p:sp>
         <p:nvSpPr>
-          <p:cNvPr id="40" name="PlaceHolder 1"/>
+          <p:cNvPr id="38" name="PlaceHolder 1"/>
           <p:cNvSpPr>
             <a:spLocks noGrp="1"/>
           </p:cNvSpPr>
@@ -619,8 +622,8 @@
         </p:nvSpPr>
         <p:spPr>
           <a:xfrm>
-            <a:off x="311760" y="444960"/>
-            <a:ext cx="8520120" cy="572400"/>
+            <a:off x="311760" y="418320"/>
+            <a:ext cx="8519760" cy="625320"/>
           </a:xfrm>
           <a:prstGeom prst="rect">
             <a:avLst/>
@@ -629,7 +632,8 @@
         <p:txBody>
           <a:bodyPr lIns="0" rIns="0" tIns="0" bIns="0" anchor="ctr"/>
           <a:p>
-            <a:endParaRPr b="0" lang="en-IN" sz="1400" spc="-1" strike="noStrike">
+            <a:pPr algn="ctr"/>
+            <a:endParaRPr b="0" lang="en-IN" sz="4400" spc="-1" strike="noStrike">
               <a:solidFill>
                 <a:srgbClr val="000000"/>
               </a:solidFill>
@@ -645,7 +649,7 @@
       </p:sp>
       <p:sp>
         <p:nvSpPr>
-          <p:cNvPr id="41" name="PlaceHolder 2"/>
+          <p:cNvPr id="39" name="PlaceHolder 2"/>
           <p:cNvSpPr>
             <a:spLocks noGrp="1"/>
           </p:cNvSpPr>
@@ -656,7 +660,7 @@
         <p:spPr>
           <a:xfrm>
             <a:off x="311760" y="1152360"/>
-            <a:ext cx="8520120" cy="3416040"/>
+            <a:ext cx="8519760" cy="3415680"/>
           </a:xfrm>
           <a:prstGeom prst="rect">
             <a:avLst/>
@@ -704,7 +708,7 @@
       </p:grpSpPr>
       <p:sp>
         <p:nvSpPr>
-          <p:cNvPr id="42" name="PlaceHolder 1"/>
+          <p:cNvPr id="40" name="PlaceHolder 1"/>
           <p:cNvSpPr>
             <a:spLocks noGrp="1"/>
           </p:cNvSpPr>
@@ -714,8 +718,8 @@
         </p:nvSpPr>
         <p:spPr>
           <a:xfrm>
-            <a:off x="311760" y="444960"/>
-            <a:ext cx="8520120" cy="572400"/>
+            <a:off x="311760" y="418320"/>
+            <a:ext cx="8519760" cy="625320"/>
           </a:xfrm>
           <a:prstGeom prst="rect">
             <a:avLst/>
@@ -724,7 +728,8 @@
         <p:txBody>
           <a:bodyPr lIns="0" rIns="0" tIns="0" bIns="0" anchor="ctr"/>
           <a:p>
-            <a:endParaRPr b="0" lang="en-IN" sz="1400" spc="-1" strike="noStrike">
+            <a:pPr algn="ctr"/>
+            <a:endParaRPr b="0" lang="en-IN" sz="4400" spc="-1" strike="noStrike">
               <a:solidFill>
                 <a:srgbClr val="000000"/>
               </a:solidFill>
@@ -740,7 +745,7 @@
       </p:sp>
       <p:sp>
         <p:nvSpPr>
-          <p:cNvPr id="43" name="PlaceHolder 2"/>
+          <p:cNvPr id="41" name="PlaceHolder 2"/>
           <p:cNvSpPr>
             <a:spLocks noGrp="1"/>
           </p:cNvSpPr>
@@ -751,7 +756,7 @@
         <p:spPr>
           <a:xfrm>
             <a:off x="311760" y="1152360"/>
-            <a:ext cx="8520120" cy="3416040"/>
+            <a:ext cx="8519760" cy="3415680"/>
           </a:xfrm>
           <a:prstGeom prst="rect">
             <a:avLst/>
@@ -760,7 +765,7 @@
         <p:txBody>
           <a:bodyPr lIns="0" rIns="0" tIns="0" bIns="0"/>
           <a:p>
-            <a:endParaRPr b="0" lang="en-IN" sz="1400" spc="-1" strike="noStrike">
+            <a:endParaRPr b="0" lang="en-IN" sz="3200" spc="-1" strike="noStrike">
               <a:solidFill>
                 <a:srgbClr val="000000"/>
               </a:solidFill>
@@ -798,7 +803,7 @@
       </p:grpSpPr>
       <p:sp>
         <p:nvSpPr>
-          <p:cNvPr id="44" name="PlaceHolder 1"/>
+          <p:cNvPr id="42" name="PlaceHolder 1"/>
           <p:cNvSpPr>
             <a:spLocks noGrp="1"/>
           </p:cNvSpPr>
@@ -808,8 +813,8 @@
         </p:nvSpPr>
         <p:spPr>
           <a:xfrm>
-            <a:off x="311760" y="444960"/>
-            <a:ext cx="8520120" cy="572400"/>
+            <a:off x="311760" y="418320"/>
+            <a:ext cx="8519760" cy="625320"/>
           </a:xfrm>
           <a:prstGeom prst="rect">
             <a:avLst/>
@@ -818,7 +823,8 @@
         <p:txBody>
           <a:bodyPr lIns="0" rIns="0" tIns="0" bIns="0" anchor="ctr"/>
           <a:p>
-            <a:endParaRPr b="0" lang="en-IN" sz="1400" spc="-1" strike="noStrike">
+            <a:pPr algn="ctr"/>
+            <a:endParaRPr b="0" lang="en-IN" sz="4400" spc="-1" strike="noStrike">
               <a:solidFill>
                 <a:srgbClr val="000000"/>
               </a:solidFill>
@@ -834,7 +840,7 @@
       </p:sp>
       <p:sp>
         <p:nvSpPr>
-          <p:cNvPr id="45" name="PlaceHolder 2"/>
+          <p:cNvPr id="43" name="PlaceHolder 2"/>
           <p:cNvSpPr>
             <a:spLocks noGrp="1"/>
           </p:cNvSpPr>
@@ -845,7 +851,7 @@
         <p:spPr>
           <a:xfrm>
             <a:off x="311760" y="1152360"/>
-            <a:ext cx="4157640" cy="3416040"/>
+            <a:ext cx="4157280" cy="3415680"/>
           </a:xfrm>
           <a:prstGeom prst="rect">
             <a:avLst/>
@@ -854,7 +860,7 @@
         <p:txBody>
           <a:bodyPr lIns="0" rIns="0" tIns="0" bIns="0"/>
           <a:p>
-            <a:endParaRPr b="0" lang="en-IN" sz="1400" spc="-1" strike="noStrike">
+            <a:endParaRPr b="0" lang="en-IN" sz="3200" spc="-1" strike="noStrike">
               <a:solidFill>
                 <a:srgbClr val="000000"/>
               </a:solidFill>
@@ -870,7 +876,7 @@
       </p:sp>
       <p:sp>
         <p:nvSpPr>
-          <p:cNvPr id="46" name="PlaceHolder 3"/>
+          <p:cNvPr id="44" name="PlaceHolder 3"/>
           <p:cNvSpPr>
             <a:spLocks noGrp="1"/>
           </p:cNvSpPr>
@@ -880,8 +886,8 @@
         </p:nvSpPr>
         <p:spPr>
           <a:xfrm>
-            <a:off x="4677840" y="1152360"/>
-            <a:ext cx="4157640" cy="3416040"/>
+            <a:off x="4677120" y="1152360"/>
+            <a:ext cx="4157280" cy="3415680"/>
           </a:xfrm>
           <a:prstGeom prst="rect">
             <a:avLst/>
@@ -890,7 +896,7 @@
         <p:txBody>
           <a:bodyPr lIns="0" rIns="0" tIns="0" bIns="0"/>
           <a:p>
-            <a:endParaRPr b="0" lang="en-IN" sz="1400" spc="-1" strike="noStrike">
+            <a:endParaRPr b="0" lang="en-IN" sz="3200" spc="-1" strike="noStrike">
               <a:solidFill>
                 <a:srgbClr val="000000"/>
               </a:solidFill>
@@ -928,7 +934,7 @@
       </p:grpSpPr>
       <p:sp>
         <p:nvSpPr>
-          <p:cNvPr id="47" name="PlaceHolder 1"/>
+          <p:cNvPr id="45" name="PlaceHolder 1"/>
           <p:cNvSpPr>
             <a:spLocks noGrp="1"/>
           </p:cNvSpPr>
@@ -938,8 +944,8 @@
         </p:nvSpPr>
         <p:spPr>
           <a:xfrm>
-            <a:off x="311760" y="444960"/>
-            <a:ext cx="8520120" cy="572400"/>
+            <a:off x="311760" y="418320"/>
+            <a:ext cx="8519760" cy="625320"/>
           </a:xfrm>
           <a:prstGeom prst="rect">
             <a:avLst/>
@@ -948,7 +954,8 @@
         <p:txBody>
           <a:bodyPr lIns="0" rIns="0" tIns="0" bIns="0" anchor="ctr"/>
           <a:p>
-            <a:endParaRPr b="0" lang="en-IN" sz="1400" spc="-1" strike="noStrike">
+            <a:pPr algn="ctr"/>
+            <a:endParaRPr b="0" lang="en-IN" sz="4400" spc="-1" strike="noStrike">
               <a:solidFill>
                 <a:srgbClr val="000000"/>
               </a:solidFill>
@@ -986,7 +993,7 @@
       </p:grpSpPr>
       <p:sp>
         <p:nvSpPr>
-          <p:cNvPr id="48" name="PlaceHolder 1"/>
+          <p:cNvPr id="46" name="PlaceHolder 1"/>
           <p:cNvSpPr>
             <a:spLocks noGrp="1"/>
           </p:cNvSpPr>
@@ -997,7 +1004,7 @@
         <p:spPr>
           <a:xfrm>
             <a:off x="311760" y="444960"/>
-            <a:ext cx="8520120" cy="2654640"/>
+            <a:ext cx="8519760" cy="2652840"/>
           </a:xfrm>
           <a:prstGeom prst="rect">
             <a:avLst/>
@@ -1045,7 +1052,7 @@
       </p:grpSpPr>
       <p:sp>
         <p:nvSpPr>
-          <p:cNvPr id="49" name="PlaceHolder 1"/>
+          <p:cNvPr id="47" name="PlaceHolder 1"/>
           <p:cNvSpPr>
             <a:spLocks noGrp="1"/>
           </p:cNvSpPr>
@@ -1055,8 +1062,8 @@
         </p:nvSpPr>
         <p:spPr>
           <a:xfrm>
-            <a:off x="311760" y="444960"/>
-            <a:ext cx="8520120" cy="572400"/>
+            <a:off x="311760" y="418320"/>
+            <a:ext cx="8519760" cy="625320"/>
           </a:xfrm>
           <a:prstGeom prst="rect">
             <a:avLst/>
@@ -1065,7 +1072,8 @@
         <p:txBody>
           <a:bodyPr lIns="0" rIns="0" tIns="0" bIns="0" anchor="ctr"/>
           <a:p>
-            <a:endParaRPr b="0" lang="en-IN" sz="1400" spc="-1" strike="noStrike">
+            <a:pPr algn="ctr"/>
+            <a:endParaRPr b="0" lang="en-IN" sz="4400" spc="-1" strike="noStrike">
               <a:solidFill>
                 <a:srgbClr val="000000"/>
               </a:solidFill>
@@ -1081,7 +1089,7 @@
       </p:sp>
       <p:sp>
         <p:nvSpPr>
-          <p:cNvPr id="50" name="PlaceHolder 2"/>
+          <p:cNvPr id="48" name="PlaceHolder 2"/>
           <p:cNvSpPr>
             <a:spLocks noGrp="1"/>
           </p:cNvSpPr>
@@ -1092,7 +1100,7 @@
         <p:spPr>
           <a:xfrm>
             <a:off x="311760" y="1152360"/>
-            <a:ext cx="4157640" cy="1629360"/>
+            <a:ext cx="4157280" cy="1629000"/>
           </a:xfrm>
           <a:prstGeom prst="rect">
             <a:avLst/>
@@ -1101,7 +1109,7 @@
         <p:txBody>
           <a:bodyPr lIns="0" rIns="0" tIns="0" bIns="0"/>
           <a:p>
-            <a:endParaRPr b="0" lang="en-IN" sz="1400" spc="-1" strike="noStrike">
+            <a:endParaRPr b="0" lang="en-IN" sz="3200" spc="-1" strike="noStrike">
               <a:solidFill>
                 <a:srgbClr val="000000"/>
               </a:solidFill>
@@ -1117,7 +1125,7 @@
       </p:sp>
       <p:sp>
         <p:nvSpPr>
-          <p:cNvPr id="51" name="PlaceHolder 3"/>
+          <p:cNvPr id="49" name="PlaceHolder 3"/>
           <p:cNvSpPr>
             <a:spLocks noGrp="1"/>
           </p:cNvSpPr>
@@ -1127,8 +1135,8 @@
         </p:nvSpPr>
         <p:spPr>
           <a:xfrm>
-            <a:off x="311760" y="2936880"/>
-            <a:ext cx="4157640" cy="1629360"/>
+            <a:off x="311760" y="2936520"/>
+            <a:ext cx="4157280" cy="1629000"/>
           </a:xfrm>
           <a:prstGeom prst="rect">
             <a:avLst/>
@@ -1137,7 +1145,7 @@
         <p:txBody>
           <a:bodyPr lIns="0" rIns="0" tIns="0" bIns="0"/>
           <a:p>
-            <a:endParaRPr b="0" lang="en-IN" sz="1400" spc="-1" strike="noStrike">
+            <a:endParaRPr b="0" lang="en-IN" sz="3200" spc="-1" strike="noStrike">
               <a:solidFill>
                 <a:srgbClr val="000000"/>
               </a:solidFill>
@@ -1153,7 +1161,7 @@
       </p:sp>
       <p:sp>
         <p:nvSpPr>
-          <p:cNvPr id="52" name="PlaceHolder 4"/>
+          <p:cNvPr id="50" name="PlaceHolder 4"/>
           <p:cNvSpPr>
             <a:spLocks noGrp="1"/>
           </p:cNvSpPr>
@@ -1163,8 +1171,8 @@
         </p:nvSpPr>
         <p:spPr>
           <a:xfrm>
-            <a:off x="4677840" y="1152360"/>
-            <a:ext cx="4157640" cy="3416040"/>
+            <a:off x="4677120" y="1152360"/>
+            <a:ext cx="4157280" cy="3415680"/>
           </a:xfrm>
           <a:prstGeom prst="rect">
             <a:avLst/>
@@ -1173,7 +1181,7 @@
         <p:txBody>
           <a:bodyPr lIns="0" rIns="0" tIns="0" bIns="0"/>
           <a:p>
-            <a:endParaRPr b="0" lang="en-IN" sz="1400" spc="-1" strike="noStrike">
+            <a:endParaRPr b="0" lang="en-IN" sz="3200" spc="-1" strike="noStrike">
               <a:solidFill>
                 <a:srgbClr val="000000"/>
               </a:solidFill>
@@ -1211,7 +1219,7 @@
       </p:grpSpPr>
       <p:sp>
         <p:nvSpPr>
-          <p:cNvPr id="3" name="PlaceHolder 1"/>
+          <p:cNvPr id="2" name="PlaceHolder 1"/>
           <p:cNvSpPr>
             <a:spLocks noGrp="1"/>
           </p:cNvSpPr>
@@ -1221,8 +1229,8 @@
         </p:nvSpPr>
         <p:spPr>
           <a:xfrm>
-            <a:off x="311760" y="444960"/>
-            <a:ext cx="8520120" cy="572400"/>
+            <a:off x="311760" y="418320"/>
+            <a:ext cx="8519760" cy="625320"/>
           </a:xfrm>
           <a:prstGeom prst="rect">
             <a:avLst/>
@@ -1231,7 +1239,8 @@
         <p:txBody>
           <a:bodyPr lIns="0" rIns="0" tIns="0" bIns="0" anchor="ctr"/>
           <a:p>
-            <a:endParaRPr b="0" lang="en-IN" sz="1400" spc="-1" strike="noStrike">
+            <a:pPr algn="ctr"/>
+            <a:endParaRPr b="0" lang="en-IN" sz="4400" spc="-1" strike="noStrike">
               <a:solidFill>
                 <a:srgbClr val="000000"/>
               </a:solidFill>
@@ -1247,7 +1256,7 @@
       </p:sp>
       <p:sp>
         <p:nvSpPr>
-          <p:cNvPr id="4" name="PlaceHolder 2"/>
+          <p:cNvPr id="3" name="PlaceHolder 2"/>
           <p:cNvSpPr>
             <a:spLocks noGrp="1"/>
           </p:cNvSpPr>
@@ -1258,7 +1267,7 @@
         <p:spPr>
           <a:xfrm>
             <a:off x="311760" y="1152360"/>
-            <a:ext cx="8520120" cy="3416040"/>
+            <a:ext cx="8519760" cy="3415680"/>
           </a:xfrm>
           <a:prstGeom prst="rect">
             <a:avLst/>
@@ -1306,7 +1315,7 @@
       </p:grpSpPr>
       <p:sp>
         <p:nvSpPr>
-          <p:cNvPr id="53" name="PlaceHolder 1"/>
+          <p:cNvPr id="51" name="PlaceHolder 1"/>
           <p:cNvSpPr>
             <a:spLocks noGrp="1"/>
           </p:cNvSpPr>
@@ -1316,8 +1325,8 @@
         </p:nvSpPr>
         <p:spPr>
           <a:xfrm>
-            <a:off x="311760" y="444960"/>
-            <a:ext cx="8520120" cy="572400"/>
+            <a:off x="311760" y="418320"/>
+            <a:ext cx="8519760" cy="625320"/>
           </a:xfrm>
           <a:prstGeom prst="rect">
             <a:avLst/>
@@ -1326,7 +1335,8 @@
         <p:txBody>
           <a:bodyPr lIns="0" rIns="0" tIns="0" bIns="0" anchor="ctr"/>
           <a:p>
-            <a:endParaRPr b="0" lang="en-IN" sz="1400" spc="-1" strike="noStrike">
+            <a:pPr algn="ctr"/>
+            <a:endParaRPr b="0" lang="en-IN" sz="4400" spc="-1" strike="noStrike">
               <a:solidFill>
                 <a:srgbClr val="000000"/>
               </a:solidFill>
@@ -1342,7 +1352,7 @@
       </p:sp>
       <p:sp>
         <p:nvSpPr>
-          <p:cNvPr id="54" name="PlaceHolder 2"/>
+          <p:cNvPr id="52" name="PlaceHolder 2"/>
           <p:cNvSpPr>
             <a:spLocks noGrp="1"/>
           </p:cNvSpPr>
@@ -1353,7 +1363,7 @@
         <p:spPr>
           <a:xfrm>
             <a:off x="311760" y="1152360"/>
-            <a:ext cx="4157640" cy="3416040"/>
+            <a:ext cx="4157280" cy="3415680"/>
           </a:xfrm>
           <a:prstGeom prst="rect">
             <a:avLst/>
@@ -1362,7 +1372,7 @@
         <p:txBody>
           <a:bodyPr lIns="0" rIns="0" tIns="0" bIns="0"/>
           <a:p>
-            <a:endParaRPr b="0" lang="en-IN" sz="1400" spc="-1" strike="noStrike">
+            <a:endParaRPr b="0" lang="en-IN" sz="3200" spc="-1" strike="noStrike">
               <a:solidFill>
                 <a:srgbClr val="000000"/>
               </a:solidFill>
@@ -1378,7 +1388,7 @@
       </p:sp>
       <p:sp>
         <p:nvSpPr>
-          <p:cNvPr id="55" name="PlaceHolder 3"/>
+          <p:cNvPr id="53" name="PlaceHolder 3"/>
           <p:cNvSpPr>
             <a:spLocks noGrp="1"/>
           </p:cNvSpPr>
@@ -1388,8 +1398,8 @@
         </p:nvSpPr>
         <p:spPr>
           <a:xfrm>
-            <a:off x="4677840" y="1152360"/>
-            <a:ext cx="4157640" cy="1629360"/>
+            <a:off x="4677120" y="1152360"/>
+            <a:ext cx="4157280" cy="1629000"/>
           </a:xfrm>
           <a:prstGeom prst="rect">
             <a:avLst/>
@@ -1398,7 +1408,7 @@
         <p:txBody>
           <a:bodyPr lIns="0" rIns="0" tIns="0" bIns="0"/>
           <a:p>
-            <a:endParaRPr b="0" lang="en-IN" sz="1400" spc="-1" strike="noStrike">
+            <a:endParaRPr b="0" lang="en-IN" sz="3200" spc="-1" strike="noStrike">
               <a:solidFill>
                 <a:srgbClr val="000000"/>
               </a:solidFill>
@@ -1414,7 +1424,7 @@
       </p:sp>
       <p:sp>
         <p:nvSpPr>
-          <p:cNvPr id="56" name="PlaceHolder 4"/>
+          <p:cNvPr id="54" name="PlaceHolder 4"/>
           <p:cNvSpPr>
             <a:spLocks noGrp="1"/>
           </p:cNvSpPr>
@@ -1424,8 +1434,8 @@
         </p:nvSpPr>
         <p:spPr>
           <a:xfrm>
-            <a:off x="4677840" y="2936880"/>
-            <a:ext cx="4157640" cy="1629360"/>
+            <a:off x="4677120" y="2936520"/>
+            <a:ext cx="4157280" cy="1629000"/>
           </a:xfrm>
           <a:prstGeom prst="rect">
             <a:avLst/>
@@ -1434,7 +1444,7 @@
         <p:txBody>
           <a:bodyPr lIns="0" rIns="0" tIns="0" bIns="0"/>
           <a:p>
-            <a:endParaRPr b="0" lang="en-IN" sz="1400" spc="-1" strike="noStrike">
+            <a:endParaRPr b="0" lang="en-IN" sz="3200" spc="-1" strike="noStrike">
               <a:solidFill>
                 <a:srgbClr val="000000"/>
               </a:solidFill>
@@ -1472,7 +1482,7 @@
       </p:grpSpPr>
       <p:sp>
         <p:nvSpPr>
-          <p:cNvPr id="57" name="PlaceHolder 1"/>
+          <p:cNvPr id="55" name="PlaceHolder 1"/>
           <p:cNvSpPr>
             <a:spLocks noGrp="1"/>
           </p:cNvSpPr>
@@ -1482,8 +1492,8 @@
         </p:nvSpPr>
         <p:spPr>
           <a:xfrm>
-            <a:off x="311760" y="444960"/>
-            <a:ext cx="8520120" cy="572400"/>
+            <a:off x="311760" y="418320"/>
+            <a:ext cx="8519760" cy="625320"/>
           </a:xfrm>
           <a:prstGeom prst="rect">
             <a:avLst/>
@@ -1492,7 +1502,8 @@
         <p:txBody>
           <a:bodyPr lIns="0" rIns="0" tIns="0" bIns="0" anchor="ctr"/>
           <a:p>
-            <a:endParaRPr b="0" lang="en-IN" sz="1400" spc="-1" strike="noStrike">
+            <a:pPr algn="ctr"/>
+            <a:endParaRPr b="0" lang="en-IN" sz="4400" spc="-1" strike="noStrike">
               <a:solidFill>
                 <a:srgbClr val="000000"/>
               </a:solidFill>
@@ -1508,7 +1519,7 @@
       </p:sp>
       <p:sp>
         <p:nvSpPr>
-          <p:cNvPr id="58" name="PlaceHolder 2"/>
+          <p:cNvPr id="56" name="PlaceHolder 2"/>
           <p:cNvSpPr>
             <a:spLocks noGrp="1"/>
           </p:cNvSpPr>
@@ -1519,7 +1530,7 @@
         <p:spPr>
           <a:xfrm>
             <a:off x="311760" y="1152360"/>
-            <a:ext cx="4157640" cy="1629360"/>
+            <a:ext cx="4157280" cy="1629000"/>
           </a:xfrm>
           <a:prstGeom prst="rect">
             <a:avLst/>
@@ -1528,7 +1539,7 @@
         <p:txBody>
           <a:bodyPr lIns="0" rIns="0" tIns="0" bIns="0"/>
           <a:p>
-            <a:endParaRPr b="0" lang="en-IN" sz="1400" spc="-1" strike="noStrike">
+            <a:endParaRPr b="0" lang="en-IN" sz="3200" spc="-1" strike="noStrike">
               <a:solidFill>
                 <a:srgbClr val="000000"/>
               </a:solidFill>
@@ -1544,7 +1555,7 @@
       </p:sp>
       <p:sp>
         <p:nvSpPr>
-          <p:cNvPr id="59" name="PlaceHolder 3"/>
+          <p:cNvPr id="57" name="PlaceHolder 3"/>
           <p:cNvSpPr>
             <a:spLocks noGrp="1"/>
           </p:cNvSpPr>
@@ -1554,8 +1565,8 @@
         </p:nvSpPr>
         <p:spPr>
           <a:xfrm>
-            <a:off x="4677840" y="1152360"/>
-            <a:ext cx="4157640" cy="1629360"/>
+            <a:off x="4677120" y="1152360"/>
+            <a:ext cx="4157280" cy="1629000"/>
           </a:xfrm>
           <a:prstGeom prst="rect">
             <a:avLst/>
@@ -1564,7 +1575,7 @@
         <p:txBody>
           <a:bodyPr lIns="0" rIns="0" tIns="0" bIns="0"/>
           <a:p>
-            <a:endParaRPr b="0" lang="en-IN" sz="1400" spc="-1" strike="noStrike">
+            <a:endParaRPr b="0" lang="en-IN" sz="3200" spc="-1" strike="noStrike">
               <a:solidFill>
                 <a:srgbClr val="000000"/>
               </a:solidFill>
@@ -1580,7 +1591,7 @@
       </p:sp>
       <p:sp>
         <p:nvSpPr>
-          <p:cNvPr id="60" name="PlaceHolder 4"/>
+          <p:cNvPr id="58" name="PlaceHolder 4"/>
           <p:cNvSpPr>
             <a:spLocks noGrp="1"/>
           </p:cNvSpPr>
@@ -1590,8 +1601,8 @@
         </p:nvSpPr>
         <p:spPr>
           <a:xfrm>
-            <a:off x="311760" y="2936880"/>
-            <a:ext cx="8520120" cy="1629360"/>
+            <a:off x="311760" y="2936520"/>
+            <a:ext cx="8519760" cy="1629000"/>
           </a:xfrm>
           <a:prstGeom prst="rect">
             <a:avLst/>
@@ -1600,7 +1611,7 @@
         <p:txBody>
           <a:bodyPr lIns="0" rIns="0" tIns="0" bIns="0"/>
           <a:p>
-            <a:endParaRPr b="0" lang="en-IN" sz="1400" spc="-1" strike="noStrike">
+            <a:endParaRPr b="0" lang="en-IN" sz="3200" spc="-1" strike="noStrike">
               <a:solidFill>
                 <a:srgbClr val="000000"/>
               </a:solidFill>
@@ -1638,7 +1649,7 @@
       </p:grpSpPr>
       <p:sp>
         <p:nvSpPr>
-          <p:cNvPr id="61" name="PlaceHolder 1"/>
+          <p:cNvPr id="59" name="PlaceHolder 1"/>
           <p:cNvSpPr>
             <a:spLocks noGrp="1"/>
           </p:cNvSpPr>
@@ -1648,8 +1659,8 @@
         </p:nvSpPr>
         <p:spPr>
           <a:xfrm>
-            <a:off x="311760" y="444960"/>
-            <a:ext cx="8520120" cy="572400"/>
+            <a:off x="311760" y="418320"/>
+            <a:ext cx="8519760" cy="625320"/>
           </a:xfrm>
           <a:prstGeom prst="rect">
             <a:avLst/>
@@ -1658,7 +1669,8 @@
         <p:txBody>
           <a:bodyPr lIns="0" rIns="0" tIns="0" bIns="0" anchor="ctr"/>
           <a:p>
-            <a:endParaRPr b="0" lang="en-IN" sz="1400" spc="-1" strike="noStrike">
+            <a:pPr algn="ctr"/>
+            <a:endParaRPr b="0" lang="en-IN" sz="4400" spc="-1" strike="noStrike">
               <a:solidFill>
                 <a:srgbClr val="000000"/>
               </a:solidFill>
@@ -1674,7 +1686,7 @@
       </p:sp>
       <p:sp>
         <p:nvSpPr>
-          <p:cNvPr id="62" name="PlaceHolder 2"/>
+          <p:cNvPr id="60" name="PlaceHolder 2"/>
           <p:cNvSpPr>
             <a:spLocks noGrp="1"/>
           </p:cNvSpPr>
@@ -1685,7 +1697,7 @@
         <p:spPr>
           <a:xfrm>
             <a:off x="311760" y="1152360"/>
-            <a:ext cx="8520120" cy="1629360"/>
+            <a:ext cx="8519760" cy="1629000"/>
           </a:xfrm>
           <a:prstGeom prst="rect">
             <a:avLst/>
@@ -1694,7 +1706,7 @@
         <p:txBody>
           <a:bodyPr lIns="0" rIns="0" tIns="0" bIns="0"/>
           <a:p>
-            <a:endParaRPr b="0" lang="en-IN" sz="1400" spc="-1" strike="noStrike">
+            <a:endParaRPr b="0" lang="en-IN" sz="3200" spc="-1" strike="noStrike">
               <a:solidFill>
                 <a:srgbClr val="000000"/>
               </a:solidFill>
@@ -1710,7 +1722,7 @@
       </p:sp>
       <p:sp>
         <p:nvSpPr>
-          <p:cNvPr id="63" name="PlaceHolder 3"/>
+          <p:cNvPr id="61" name="PlaceHolder 3"/>
           <p:cNvSpPr>
             <a:spLocks noGrp="1"/>
           </p:cNvSpPr>
@@ -1720,8 +1732,8 @@
         </p:nvSpPr>
         <p:spPr>
           <a:xfrm>
-            <a:off x="311760" y="2936880"/>
-            <a:ext cx="8520120" cy="1629360"/>
+            <a:off x="311760" y="2936520"/>
+            <a:ext cx="8519760" cy="1629000"/>
           </a:xfrm>
           <a:prstGeom prst="rect">
             <a:avLst/>
@@ -1730,7 +1742,7 @@
         <p:txBody>
           <a:bodyPr lIns="0" rIns="0" tIns="0" bIns="0"/>
           <a:p>
-            <a:endParaRPr b="0" lang="en-IN" sz="1400" spc="-1" strike="noStrike">
+            <a:endParaRPr b="0" lang="en-IN" sz="3200" spc="-1" strike="noStrike">
               <a:solidFill>
                 <a:srgbClr val="000000"/>
               </a:solidFill>
@@ -1768,7 +1780,7 @@
       </p:grpSpPr>
       <p:sp>
         <p:nvSpPr>
-          <p:cNvPr id="64" name="PlaceHolder 1"/>
+          <p:cNvPr id="62" name="PlaceHolder 1"/>
           <p:cNvSpPr>
             <a:spLocks noGrp="1"/>
           </p:cNvSpPr>
@@ -1778,8 +1790,8 @@
         </p:nvSpPr>
         <p:spPr>
           <a:xfrm>
-            <a:off x="311760" y="444960"/>
-            <a:ext cx="8520120" cy="572400"/>
+            <a:off x="311760" y="418320"/>
+            <a:ext cx="8519760" cy="625320"/>
           </a:xfrm>
           <a:prstGeom prst="rect">
             <a:avLst/>
@@ -1788,7 +1800,8 @@
         <p:txBody>
           <a:bodyPr lIns="0" rIns="0" tIns="0" bIns="0" anchor="ctr"/>
           <a:p>
-            <a:endParaRPr b="0" lang="en-IN" sz="1400" spc="-1" strike="noStrike">
+            <a:pPr algn="ctr"/>
+            <a:endParaRPr b="0" lang="en-IN" sz="4400" spc="-1" strike="noStrike">
               <a:solidFill>
                 <a:srgbClr val="000000"/>
               </a:solidFill>
@@ -1804,7 +1817,7 @@
       </p:sp>
       <p:sp>
         <p:nvSpPr>
-          <p:cNvPr id="65" name="PlaceHolder 2"/>
+          <p:cNvPr id="63" name="PlaceHolder 2"/>
           <p:cNvSpPr>
             <a:spLocks noGrp="1"/>
           </p:cNvSpPr>
@@ -1815,7 +1828,7 @@
         <p:spPr>
           <a:xfrm>
             <a:off x="311760" y="1152360"/>
-            <a:ext cx="4157640" cy="1629360"/>
+            <a:ext cx="4157280" cy="1629000"/>
           </a:xfrm>
           <a:prstGeom prst="rect">
             <a:avLst/>
@@ -1824,7 +1837,7 @@
         <p:txBody>
           <a:bodyPr lIns="0" rIns="0" tIns="0" bIns="0"/>
           <a:p>
-            <a:endParaRPr b="0" lang="en-IN" sz="1400" spc="-1" strike="noStrike">
+            <a:endParaRPr b="0" lang="en-IN" sz="3200" spc="-1" strike="noStrike">
               <a:solidFill>
                 <a:srgbClr val="000000"/>
               </a:solidFill>
@@ -1840,7 +1853,7 @@
       </p:sp>
       <p:sp>
         <p:nvSpPr>
-          <p:cNvPr id="66" name="PlaceHolder 3"/>
+          <p:cNvPr id="64" name="PlaceHolder 3"/>
           <p:cNvSpPr>
             <a:spLocks noGrp="1"/>
           </p:cNvSpPr>
@@ -1850,8 +1863,8 @@
         </p:nvSpPr>
         <p:spPr>
           <a:xfrm>
-            <a:off x="4677840" y="1152360"/>
-            <a:ext cx="4157640" cy="1629360"/>
+            <a:off x="4677120" y="1152360"/>
+            <a:ext cx="4157280" cy="1629000"/>
           </a:xfrm>
           <a:prstGeom prst="rect">
             <a:avLst/>
@@ -1860,7 +1873,7 @@
         <p:txBody>
           <a:bodyPr lIns="0" rIns="0" tIns="0" bIns="0"/>
           <a:p>
-            <a:endParaRPr b="0" lang="en-IN" sz="1400" spc="-1" strike="noStrike">
+            <a:endParaRPr b="0" lang="en-IN" sz="3200" spc="-1" strike="noStrike">
               <a:solidFill>
                 <a:srgbClr val="000000"/>
               </a:solidFill>
@@ -1876,7 +1889,7 @@
       </p:sp>
       <p:sp>
         <p:nvSpPr>
-          <p:cNvPr id="67" name="PlaceHolder 4"/>
+          <p:cNvPr id="65" name="PlaceHolder 4"/>
           <p:cNvSpPr>
             <a:spLocks noGrp="1"/>
           </p:cNvSpPr>
@@ -1886,8 +1899,8 @@
         </p:nvSpPr>
         <p:spPr>
           <a:xfrm>
-            <a:off x="4677840" y="2936880"/>
-            <a:ext cx="4157640" cy="1629360"/>
+            <a:off x="4677120" y="2936520"/>
+            <a:ext cx="4157280" cy="1629000"/>
           </a:xfrm>
           <a:prstGeom prst="rect">
             <a:avLst/>
@@ -1896,7 +1909,7 @@
         <p:txBody>
           <a:bodyPr lIns="0" rIns="0" tIns="0" bIns="0"/>
           <a:p>
-            <a:endParaRPr b="0" lang="en-IN" sz="1400" spc="-1" strike="noStrike">
+            <a:endParaRPr b="0" lang="en-IN" sz="3200" spc="-1" strike="noStrike">
               <a:solidFill>
                 <a:srgbClr val="000000"/>
               </a:solidFill>
@@ -1912,7 +1925,7 @@
       </p:sp>
       <p:sp>
         <p:nvSpPr>
-          <p:cNvPr id="68" name="PlaceHolder 5"/>
+          <p:cNvPr id="66" name="PlaceHolder 5"/>
           <p:cNvSpPr>
             <a:spLocks noGrp="1"/>
           </p:cNvSpPr>
@@ -1922,8 +1935,8 @@
         </p:nvSpPr>
         <p:spPr>
           <a:xfrm>
-            <a:off x="311760" y="2936880"/>
-            <a:ext cx="4157640" cy="1629360"/>
+            <a:off x="311760" y="2936520"/>
+            <a:ext cx="4157280" cy="1629000"/>
           </a:xfrm>
           <a:prstGeom prst="rect">
             <a:avLst/>
@@ -1932,7 +1945,7 @@
         <p:txBody>
           <a:bodyPr lIns="0" rIns="0" tIns="0" bIns="0"/>
           <a:p>
-            <a:endParaRPr b="0" lang="en-IN" sz="1400" spc="-1" strike="noStrike">
+            <a:endParaRPr b="0" lang="en-IN" sz="3200" spc="-1" strike="noStrike">
               <a:solidFill>
                 <a:srgbClr val="000000"/>
               </a:solidFill>
@@ -1970,7 +1983,7 @@
       </p:grpSpPr>
       <p:sp>
         <p:nvSpPr>
-          <p:cNvPr id="69" name="PlaceHolder 1"/>
+          <p:cNvPr id="67" name="PlaceHolder 1"/>
           <p:cNvSpPr>
             <a:spLocks noGrp="1"/>
           </p:cNvSpPr>
@@ -1980,8 +1993,8 @@
         </p:nvSpPr>
         <p:spPr>
           <a:xfrm>
-            <a:off x="311760" y="444960"/>
-            <a:ext cx="8520120" cy="572400"/>
+            <a:off x="311760" y="418320"/>
+            <a:ext cx="8519760" cy="625320"/>
           </a:xfrm>
           <a:prstGeom prst="rect">
             <a:avLst/>
@@ -1990,7 +2003,8 @@
         <p:txBody>
           <a:bodyPr lIns="0" rIns="0" tIns="0" bIns="0" anchor="ctr"/>
           <a:p>
-            <a:endParaRPr b="0" lang="en-IN" sz="1400" spc="-1" strike="noStrike">
+            <a:pPr algn="ctr"/>
+            <a:endParaRPr b="0" lang="en-IN" sz="4400" spc="-1" strike="noStrike">
               <a:solidFill>
                 <a:srgbClr val="000000"/>
               </a:solidFill>
@@ -2006,7 +2020,7 @@
       </p:sp>
       <p:sp>
         <p:nvSpPr>
-          <p:cNvPr id="70" name="PlaceHolder 2"/>
+          <p:cNvPr id="68" name="PlaceHolder 2"/>
           <p:cNvSpPr>
             <a:spLocks noGrp="1"/>
           </p:cNvSpPr>
@@ -2017,7 +2031,7 @@
         <p:spPr>
           <a:xfrm>
             <a:off x="311760" y="1152360"/>
-            <a:ext cx="8520120" cy="3416040"/>
+            <a:ext cx="8519760" cy="3415680"/>
           </a:xfrm>
           <a:prstGeom prst="rect">
             <a:avLst/>
@@ -2026,7 +2040,7 @@
         <p:txBody>
           <a:bodyPr lIns="0" rIns="0" tIns="0" bIns="0"/>
           <a:p>
-            <a:endParaRPr b="0" lang="en-IN" sz="1400" spc="-1" strike="noStrike">
+            <a:endParaRPr b="0" lang="en-IN" sz="3200" spc="-1" strike="noStrike">
               <a:solidFill>
                 <a:srgbClr val="000000"/>
               </a:solidFill>
@@ -2042,7 +2056,7 @@
       </p:sp>
       <p:sp>
         <p:nvSpPr>
-          <p:cNvPr id="71" name="PlaceHolder 3"/>
+          <p:cNvPr id="69" name="PlaceHolder 3"/>
           <p:cNvSpPr>
             <a:spLocks noGrp="1"/>
           </p:cNvSpPr>
@@ -2053,7 +2067,7 @@
         <p:spPr>
           <a:xfrm>
             <a:off x="311760" y="1152360"/>
-            <a:ext cx="8520120" cy="3416040"/>
+            <a:ext cx="8519760" cy="3415680"/>
           </a:xfrm>
           <a:prstGeom prst="rect">
             <a:avLst/>
@@ -2062,7 +2076,7 @@
         <p:txBody>
           <a:bodyPr lIns="0" rIns="0" tIns="0" bIns="0"/>
           <a:p>
-            <a:endParaRPr b="0" lang="en-IN" sz="1400" spc="-1" strike="noStrike">
+            <a:endParaRPr b="0" lang="en-IN" sz="3200" spc="-1" strike="noStrike">
               <a:solidFill>
                 <a:srgbClr val="000000"/>
               </a:solidFill>
@@ -2078,7 +2092,7 @@
       </p:sp>
       <p:pic>
         <p:nvPicPr>
-          <p:cNvPr id="72" name="" descr=""/>
+          <p:cNvPr id="70" name="" descr=""/>
           <p:cNvPicPr/>
           <p:nvPr/>
         </p:nvPicPr>
@@ -2088,8 +2102,8 @@
         </p:blipFill>
         <p:spPr>
           <a:xfrm>
-            <a:off x="2430720" y="1152000"/>
-            <a:ext cx="4281480" cy="3416040"/>
+            <a:off x="2431080" y="1152360"/>
+            <a:ext cx="4280760" cy="3415680"/>
           </a:xfrm>
           <a:prstGeom prst="rect">
             <a:avLst/>
@@ -2101,7 +2115,7 @@
       </p:pic>
       <p:pic>
         <p:nvPicPr>
-          <p:cNvPr id="73" name="" descr=""/>
+          <p:cNvPr id="71" name="" descr=""/>
           <p:cNvPicPr/>
           <p:nvPr/>
         </p:nvPicPr>
@@ -2111,8 +2125,8 @@
         </p:blipFill>
         <p:spPr>
           <a:xfrm>
-            <a:off x="2430720" y="1152000"/>
-            <a:ext cx="4281480" cy="3416040"/>
+            <a:off x="2431080" y="1152360"/>
+            <a:ext cx="4280760" cy="3415680"/>
           </a:xfrm>
           <a:prstGeom prst="rect">
             <a:avLst/>
@@ -2146,7 +2160,7 @@
       </p:grpSpPr>
       <p:sp>
         <p:nvSpPr>
-          <p:cNvPr id="5" name="PlaceHolder 1"/>
+          <p:cNvPr id="4" name="PlaceHolder 1"/>
           <p:cNvSpPr>
             <a:spLocks noGrp="1"/>
           </p:cNvSpPr>
@@ -2156,8 +2170,8 @@
         </p:nvSpPr>
         <p:spPr>
           <a:xfrm>
-            <a:off x="311760" y="444960"/>
-            <a:ext cx="8520120" cy="572400"/>
+            <a:off x="311760" y="418320"/>
+            <a:ext cx="8519760" cy="625320"/>
           </a:xfrm>
           <a:prstGeom prst="rect">
             <a:avLst/>
@@ -2166,7 +2180,8 @@
         <p:txBody>
           <a:bodyPr lIns="0" rIns="0" tIns="0" bIns="0" anchor="ctr"/>
           <a:p>
-            <a:endParaRPr b="0" lang="en-IN" sz="1400" spc="-1" strike="noStrike">
+            <a:pPr algn="ctr"/>
+            <a:endParaRPr b="0" lang="en-IN" sz="4400" spc="-1" strike="noStrike">
               <a:solidFill>
                 <a:srgbClr val="000000"/>
               </a:solidFill>
@@ -2182,7 +2197,7 @@
       </p:sp>
       <p:sp>
         <p:nvSpPr>
-          <p:cNvPr id="6" name="PlaceHolder 2"/>
+          <p:cNvPr id="5" name="PlaceHolder 2"/>
           <p:cNvSpPr>
             <a:spLocks noGrp="1"/>
           </p:cNvSpPr>
@@ -2193,7 +2208,7 @@
         <p:spPr>
           <a:xfrm>
             <a:off x="311760" y="1152360"/>
-            <a:ext cx="8520120" cy="3416040"/>
+            <a:ext cx="8519760" cy="3415680"/>
           </a:xfrm>
           <a:prstGeom prst="rect">
             <a:avLst/>
@@ -2202,7 +2217,7 @@
         <p:txBody>
           <a:bodyPr lIns="0" rIns="0" tIns="0" bIns="0"/>
           <a:p>
-            <a:endParaRPr b="0" lang="en-IN" sz="1400" spc="-1" strike="noStrike">
+            <a:endParaRPr b="0" lang="en-IN" sz="3200" spc="-1" strike="noStrike">
               <a:solidFill>
                 <a:srgbClr val="000000"/>
               </a:solidFill>
@@ -2240,7 +2255,7 @@
       </p:grpSpPr>
       <p:sp>
         <p:nvSpPr>
-          <p:cNvPr id="7" name="PlaceHolder 1"/>
+          <p:cNvPr id="6" name="PlaceHolder 1"/>
           <p:cNvSpPr>
             <a:spLocks noGrp="1"/>
           </p:cNvSpPr>
@@ -2250,8 +2265,8 @@
         </p:nvSpPr>
         <p:spPr>
           <a:xfrm>
-            <a:off x="311760" y="444960"/>
-            <a:ext cx="8520120" cy="572400"/>
+            <a:off x="311760" y="418320"/>
+            <a:ext cx="8519760" cy="625320"/>
           </a:xfrm>
           <a:prstGeom prst="rect">
             <a:avLst/>
@@ -2260,7 +2275,8 @@
         <p:txBody>
           <a:bodyPr lIns="0" rIns="0" tIns="0" bIns="0" anchor="ctr"/>
           <a:p>
-            <a:endParaRPr b="0" lang="en-IN" sz="1400" spc="-1" strike="noStrike">
+            <a:pPr algn="ctr"/>
+            <a:endParaRPr b="0" lang="en-IN" sz="4400" spc="-1" strike="noStrike">
               <a:solidFill>
                 <a:srgbClr val="000000"/>
               </a:solidFill>
@@ -2276,7 +2292,7 @@
       </p:sp>
       <p:sp>
         <p:nvSpPr>
-          <p:cNvPr id="8" name="PlaceHolder 2"/>
+          <p:cNvPr id="7" name="PlaceHolder 2"/>
           <p:cNvSpPr>
             <a:spLocks noGrp="1"/>
           </p:cNvSpPr>
@@ -2287,7 +2303,7 @@
         <p:spPr>
           <a:xfrm>
             <a:off x="311760" y="1152360"/>
-            <a:ext cx="4157640" cy="3416040"/>
+            <a:ext cx="4157280" cy="3415680"/>
           </a:xfrm>
           <a:prstGeom prst="rect">
             <a:avLst/>
@@ -2296,7 +2312,7 @@
         <p:txBody>
           <a:bodyPr lIns="0" rIns="0" tIns="0" bIns="0"/>
           <a:p>
-            <a:endParaRPr b="0" lang="en-IN" sz="1400" spc="-1" strike="noStrike">
+            <a:endParaRPr b="0" lang="en-IN" sz="3200" spc="-1" strike="noStrike">
               <a:solidFill>
                 <a:srgbClr val="000000"/>
               </a:solidFill>
@@ -2312,7 +2328,7 @@
       </p:sp>
       <p:sp>
         <p:nvSpPr>
-          <p:cNvPr id="9" name="PlaceHolder 3"/>
+          <p:cNvPr id="8" name="PlaceHolder 3"/>
           <p:cNvSpPr>
             <a:spLocks noGrp="1"/>
           </p:cNvSpPr>
@@ -2322,8 +2338,8 @@
         </p:nvSpPr>
         <p:spPr>
           <a:xfrm>
-            <a:off x="4677840" y="1152360"/>
-            <a:ext cx="4157640" cy="3416040"/>
+            <a:off x="4677120" y="1152360"/>
+            <a:ext cx="4157280" cy="3415680"/>
           </a:xfrm>
           <a:prstGeom prst="rect">
             <a:avLst/>
@@ -2332,7 +2348,7 @@
         <p:txBody>
           <a:bodyPr lIns="0" rIns="0" tIns="0" bIns="0"/>
           <a:p>
-            <a:endParaRPr b="0" lang="en-IN" sz="1400" spc="-1" strike="noStrike">
+            <a:endParaRPr b="0" lang="en-IN" sz="3200" spc="-1" strike="noStrike">
               <a:solidFill>
                 <a:srgbClr val="000000"/>
               </a:solidFill>
@@ -2370,7 +2386,7 @@
       </p:grpSpPr>
       <p:sp>
         <p:nvSpPr>
-          <p:cNvPr id="10" name="PlaceHolder 1"/>
+          <p:cNvPr id="9" name="PlaceHolder 1"/>
           <p:cNvSpPr>
             <a:spLocks noGrp="1"/>
           </p:cNvSpPr>
@@ -2380,8 +2396,8 @@
         </p:nvSpPr>
         <p:spPr>
           <a:xfrm>
-            <a:off x="311760" y="444960"/>
-            <a:ext cx="8520120" cy="572400"/>
+            <a:off x="311760" y="418320"/>
+            <a:ext cx="8519760" cy="625320"/>
           </a:xfrm>
           <a:prstGeom prst="rect">
             <a:avLst/>
@@ -2390,7 +2406,8 @@
         <p:txBody>
           <a:bodyPr lIns="0" rIns="0" tIns="0" bIns="0" anchor="ctr"/>
           <a:p>
-            <a:endParaRPr b="0" lang="en-IN" sz="1400" spc="-1" strike="noStrike">
+            <a:pPr algn="ctr"/>
+            <a:endParaRPr b="0" lang="en-IN" sz="4400" spc="-1" strike="noStrike">
               <a:solidFill>
                 <a:srgbClr val="000000"/>
               </a:solidFill>
@@ -2428,7 +2445,7 @@
       </p:grpSpPr>
       <p:sp>
         <p:nvSpPr>
-          <p:cNvPr id="11" name="PlaceHolder 1"/>
+          <p:cNvPr id="10" name="PlaceHolder 1"/>
           <p:cNvSpPr>
             <a:spLocks noGrp="1"/>
           </p:cNvSpPr>
@@ -2439,7 +2456,7 @@
         <p:spPr>
           <a:xfrm>
             <a:off x="311760" y="444960"/>
-            <a:ext cx="8520120" cy="2654640"/>
+            <a:ext cx="8519760" cy="2652840"/>
           </a:xfrm>
           <a:prstGeom prst="rect">
             <a:avLst/>
@@ -2487,7 +2504,7 @@
       </p:grpSpPr>
       <p:sp>
         <p:nvSpPr>
-          <p:cNvPr id="12" name="PlaceHolder 1"/>
+          <p:cNvPr id="11" name="PlaceHolder 1"/>
           <p:cNvSpPr>
             <a:spLocks noGrp="1"/>
           </p:cNvSpPr>
@@ -2497,8 +2514,8 @@
         </p:nvSpPr>
         <p:spPr>
           <a:xfrm>
-            <a:off x="311760" y="444960"/>
-            <a:ext cx="8520120" cy="572400"/>
+            <a:off x="311760" y="418320"/>
+            <a:ext cx="8519760" cy="625320"/>
           </a:xfrm>
           <a:prstGeom prst="rect">
             <a:avLst/>
@@ -2507,7 +2524,8 @@
         <p:txBody>
           <a:bodyPr lIns="0" rIns="0" tIns="0" bIns="0" anchor="ctr"/>
           <a:p>
-            <a:endParaRPr b="0" lang="en-IN" sz="1400" spc="-1" strike="noStrike">
+            <a:pPr algn="ctr"/>
+            <a:endParaRPr b="0" lang="en-IN" sz="4400" spc="-1" strike="noStrike">
               <a:solidFill>
                 <a:srgbClr val="000000"/>
               </a:solidFill>
@@ -2523,7 +2541,7 @@
       </p:sp>
       <p:sp>
         <p:nvSpPr>
-          <p:cNvPr id="13" name="PlaceHolder 2"/>
+          <p:cNvPr id="12" name="PlaceHolder 2"/>
           <p:cNvSpPr>
             <a:spLocks noGrp="1"/>
           </p:cNvSpPr>
@@ -2534,7 +2552,7 @@
         <p:spPr>
           <a:xfrm>
             <a:off x="311760" y="1152360"/>
-            <a:ext cx="4157640" cy="1629360"/>
+            <a:ext cx="4157280" cy="1629000"/>
           </a:xfrm>
           <a:prstGeom prst="rect">
             <a:avLst/>
@@ -2543,7 +2561,7 @@
         <p:txBody>
           <a:bodyPr lIns="0" rIns="0" tIns="0" bIns="0"/>
           <a:p>
-            <a:endParaRPr b="0" lang="en-IN" sz="1400" spc="-1" strike="noStrike">
+            <a:endParaRPr b="0" lang="en-IN" sz="3200" spc="-1" strike="noStrike">
               <a:solidFill>
                 <a:srgbClr val="000000"/>
               </a:solidFill>
@@ -2559,7 +2577,7 @@
       </p:sp>
       <p:sp>
         <p:nvSpPr>
-          <p:cNvPr id="14" name="PlaceHolder 3"/>
+          <p:cNvPr id="13" name="PlaceHolder 3"/>
           <p:cNvSpPr>
             <a:spLocks noGrp="1"/>
           </p:cNvSpPr>
@@ -2569,8 +2587,8 @@
         </p:nvSpPr>
         <p:spPr>
           <a:xfrm>
-            <a:off x="311760" y="2936880"/>
-            <a:ext cx="4157640" cy="1629360"/>
+            <a:off x="311760" y="2936520"/>
+            <a:ext cx="4157280" cy="1629000"/>
           </a:xfrm>
           <a:prstGeom prst="rect">
             <a:avLst/>
@@ -2579,7 +2597,7 @@
         <p:txBody>
           <a:bodyPr lIns="0" rIns="0" tIns="0" bIns="0"/>
           <a:p>
-            <a:endParaRPr b="0" lang="en-IN" sz="1400" spc="-1" strike="noStrike">
+            <a:endParaRPr b="0" lang="en-IN" sz="3200" spc="-1" strike="noStrike">
               <a:solidFill>
                 <a:srgbClr val="000000"/>
               </a:solidFill>
@@ -2595,7 +2613,7 @@
       </p:sp>
       <p:sp>
         <p:nvSpPr>
-          <p:cNvPr id="15" name="PlaceHolder 4"/>
+          <p:cNvPr id="14" name="PlaceHolder 4"/>
           <p:cNvSpPr>
             <a:spLocks noGrp="1"/>
           </p:cNvSpPr>
@@ -2605,8 +2623,8 @@
         </p:nvSpPr>
         <p:spPr>
           <a:xfrm>
-            <a:off x="4677840" y="1152360"/>
-            <a:ext cx="4157640" cy="3416040"/>
+            <a:off x="4677120" y="1152360"/>
+            <a:ext cx="4157280" cy="3415680"/>
           </a:xfrm>
           <a:prstGeom prst="rect">
             <a:avLst/>
@@ -2615,7 +2633,7 @@
         <p:txBody>
           <a:bodyPr lIns="0" rIns="0" tIns="0" bIns="0"/>
           <a:p>
-            <a:endParaRPr b="0" lang="en-IN" sz="1400" spc="-1" strike="noStrike">
+            <a:endParaRPr b="0" lang="en-IN" sz="3200" spc="-1" strike="noStrike">
               <a:solidFill>
                 <a:srgbClr val="000000"/>
               </a:solidFill>
@@ -2653,7 +2671,7 @@
       </p:grpSpPr>
       <p:sp>
         <p:nvSpPr>
-          <p:cNvPr id="16" name="PlaceHolder 1"/>
+          <p:cNvPr id="15" name="PlaceHolder 1"/>
           <p:cNvSpPr>
             <a:spLocks noGrp="1"/>
           </p:cNvSpPr>
@@ -2663,8 +2681,8 @@
         </p:nvSpPr>
         <p:spPr>
           <a:xfrm>
-            <a:off x="311760" y="444960"/>
-            <a:ext cx="8520120" cy="572400"/>
+            <a:off x="311760" y="418320"/>
+            <a:ext cx="8519760" cy="625320"/>
           </a:xfrm>
           <a:prstGeom prst="rect">
             <a:avLst/>
@@ -2673,7 +2691,8 @@
         <p:txBody>
           <a:bodyPr lIns="0" rIns="0" tIns="0" bIns="0" anchor="ctr"/>
           <a:p>
-            <a:endParaRPr b="0" lang="en-IN" sz="1400" spc="-1" strike="noStrike">
+            <a:pPr algn="ctr"/>
+            <a:endParaRPr b="0" lang="en-IN" sz="4400" spc="-1" strike="noStrike">
               <a:solidFill>
                 <a:srgbClr val="000000"/>
               </a:solidFill>
@@ -2689,7 +2708,7 @@
       </p:sp>
       <p:sp>
         <p:nvSpPr>
-          <p:cNvPr id="17" name="PlaceHolder 2"/>
+          <p:cNvPr id="16" name="PlaceHolder 2"/>
           <p:cNvSpPr>
             <a:spLocks noGrp="1"/>
           </p:cNvSpPr>
@@ -2700,7 +2719,7 @@
         <p:spPr>
           <a:xfrm>
             <a:off x="311760" y="1152360"/>
-            <a:ext cx="4157640" cy="3416040"/>
+            <a:ext cx="4157280" cy="3415680"/>
           </a:xfrm>
           <a:prstGeom prst="rect">
             <a:avLst/>
@@ -2709,7 +2728,7 @@
         <p:txBody>
           <a:bodyPr lIns="0" rIns="0" tIns="0" bIns="0"/>
           <a:p>
-            <a:endParaRPr b="0" lang="en-IN" sz="1400" spc="-1" strike="noStrike">
+            <a:endParaRPr b="0" lang="en-IN" sz="3200" spc="-1" strike="noStrike">
               <a:solidFill>
                 <a:srgbClr val="000000"/>
               </a:solidFill>
@@ -2725,7 +2744,7 @@
       </p:sp>
       <p:sp>
         <p:nvSpPr>
-          <p:cNvPr id="18" name="PlaceHolder 3"/>
+          <p:cNvPr id="17" name="PlaceHolder 3"/>
           <p:cNvSpPr>
             <a:spLocks noGrp="1"/>
           </p:cNvSpPr>
@@ -2735,8 +2754,8 @@
         </p:nvSpPr>
         <p:spPr>
           <a:xfrm>
-            <a:off x="4677840" y="1152360"/>
-            <a:ext cx="4157640" cy="1629360"/>
+            <a:off x="4677120" y="1152360"/>
+            <a:ext cx="4157280" cy="1629000"/>
           </a:xfrm>
           <a:prstGeom prst="rect">
             <a:avLst/>
@@ -2745,7 +2764,7 @@
         <p:txBody>
           <a:bodyPr lIns="0" rIns="0" tIns="0" bIns="0"/>
           <a:p>
-            <a:endParaRPr b="0" lang="en-IN" sz="1400" spc="-1" strike="noStrike">
+            <a:endParaRPr b="0" lang="en-IN" sz="3200" spc="-1" strike="noStrike">
               <a:solidFill>
                 <a:srgbClr val="000000"/>
               </a:solidFill>
@@ -2761,7 +2780,7 @@
       </p:sp>
       <p:sp>
         <p:nvSpPr>
-          <p:cNvPr id="19" name="PlaceHolder 4"/>
+          <p:cNvPr id="18" name="PlaceHolder 4"/>
           <p:cNvSpPr>
             <a:spLocks noGrp="1"/>
           </p:cNvSpPr>
@@ -2771,8 +2790,8 @@
         </p:nvSpPr>
         <p:spPr>
           <a:xfrm>
-            <a:off x="4677840" y="2936880"/>
-            <a:ext cx="4157640" cy="1629360"/>
+            <a:off x="4677120" y="2936520"/>
+            <a:ext cx="4157280" cy="1629000"/>
           </a:xfrm>
           <a:prstGeom prst="rect">
             <a:avLst/>
@@ -2781,7 +2800,7 @@
         <p:txBody>
           <a:bodyPr lIns="0" rIns="0" tIns="0" bIns="0"/>
           <a:p>
-            <a:endParaRPr b="0" lang="en-IN" sz="1400" spc="-1" strike="noStrike">
+            <a:endParaRPr b="0" lang="en-IN" sz="3200" spc="-1" strike="noStrike">
               <a:solidFill>
                 <a:srgbClr val="000000"/>
               </a:solidFill>
@@ -2819,7 +2838,7 @@
       </p:grpSpPr>
       <p:sp>
         <p:nvSpPr>
-          <p:cNvPr id="20" name="PlaceHolder 1"/>
+          <p:cNvPr id="19" name="PlaceHolder 1"/>
           <p:cNvSpPr>
             <a:spLocks noGrp="1"/>
           </p:cNvSpPr>
@@ -2829,8 +2848,8 @@
         </p:nvSpPr>
         <p:spPr>
           <a:xfrm>
-            <a:off x="311760" y="444960"/>
-            <a:ext cx="8520120" cy="572400"/>
+            <a:off x="311760" y="418320"/>
+            <a:ext cx="8519760" cy="625320"/>
           </a:xfrm>
           <a:prstGeom prst="rect">
             <a:avLst/>
@@ -2839,7 +2858,8 @@
         <p:txBody>
           <a:bodyPr lIns="0" rIns="0" tIns="0" bIns="0" anchor="ctr"/>
           <a:p>
-            <a:endParaRPr b="0" lang="en-IN" sz="1400" spc="-1" strike="noStrike">
+            <a:pPr algn="ctr"/>
+            <a:endParaRPr b="0" lang="en-IN" sz="4400" spc="-1" strike="noStrike">
               <a:solidFill>
                 <a:srgbClr val="000000"/>
               </a:solidFill>
@@ -2855,7 +2875,7 @@
       </p:sp>
       <p:sp>
         <p:nvSpPr>
-          <p:cNvPr id="21" name="PlaceHolder 2"/>
+          <p:cNvPr id="20" name="PlaceHolder 2"/>
           <p:cNvSpPr>
             <a:spLocks noGrp="1"/>
           </p:cNvSpPr>
@@ -2866,7 +2886,7 @@
         <p:spPr>
           <a:xfrm>
             <a:off x="311760" y="1152360"/>
-            <a:ext cx="4157640" cy="1629360"/>
+            <a:ext cx="4157280" cy="1629000"/>
           </a:xfrm>
           <a:prstGeom prst="rect">
             <a:avLst/>
@@ -2875,7 +2895,7 @@
         <p:txBody>
           <a:bodyPr lIns="0" rIns="0" tIns="0" bIns="0"/>
           <a:p>
-            <a:endParaRPr b="0" lang="en-IN" sz="1400" spc="-1" strike="noStrike">
+            <a:endParaRPr b="0" lang="en-IN" sz="3200" spc="-1" strike="noStrike">
               <a:solidFill>
                 <a:srgbClr val="000000"/>
               </a:solidFill>
@@ -2891,7 +2911,7 @@
       </p:sp>
       <p:sp>
         <p:nvSpPr>
-          <p:cNvPr id="22" name="PlaceHolder 3"/>
+          <p:cNvPr id="21" name="PlaceHolder 3"/>
           <p:cNvSpPr>
             <a:spLocks noGrp="1"/>
           </p:cNvSpPr>
@@ -2901,8 +2921,8 @@
         </p:nvSpPr>
         <p:spPr>
           <a:xfrm>
-            <a:off x="4677840" y="1152360"/>
-            <a:ext cx="4157640" cy="1629360"/>
+            <a:off x="4677120" y="1152360"/>
+            <a:ext cx="4157280" cy="1629000"/>
           </a:xfrm>
           <a:prstGeom prst="rect">
             <a:avLst/>
@@ -2911,7 +2931,7 @@
         <p:txBody>
           <a:bodyPr lIns="0" rIns="0" tIns="0" bIns="0"/>
           <a:p>
-            <a:endParaRPr b="0" lang="en-IN" sz="1400" spc="-1" strike="noStrike">
+            <a:endParaRPr b="0" lang="en-IN" sz="3200" spc="-1" strike="noStrike">
               <a:solidFill>
                 <a:srgbClr val="000000"/>
               </a:solidFill>
@@ -2927,7 +2947,7 @@
       </p:sp>
       <p:sp>
         <p:nvSpPr>
-          <p:cNvPr id="23" name="PlaceHolder 4"/>
+          <p:cNvPr id="22" name="PlaceHolder 4"/>
           <p:cNvSpPr>
             <a:spLocks noGrp="1"/>
           </p:cNvSpPr>
@@ -2937,8 +2957,8 @@
         </p:nvSpPr>
         <p:spPr>
           <a:xfrm>
-            <a:off x="311760" y="2936880"/>
-            <a:ext cx="8520120" cy="1629360"/>
+            <a:off x="311760" y="2936520"/>
+            <a:ext cx="8519760" cy="1629000"/>
           </a:xfrm>
           <a:prstGeom prst="rect">
             <a:avLst/>
@@ -2947,7 +2967,7 @@
         <p:txBody>
           <a:bodyPr lIns="0" rIns="0" tIns="0" bIns="0"/>
           <a:p>
-            <a:endParaRPr b="0" lang="en-IN" sz="1400" spc="-1" strike="noStrike">
+            <a:endParaRPr b="0" lang="en-IN" sz="3200" spc="-1" strike="noStrike">
               <a:solidFill>
                 <a:srgbClr val="000000"/>
               </a:solidFill>
@@ -3002,17 +3022,18 @@
         </p:nvSpPr>
         <p:spPr>
           <a:xfrm>
-            <a:off x="311760" y="744480"/>
-            <a:ext cx="8520120" cy="2052360"/>
+            <a:off x="311760" y="444960"/>
+            <a:ext cx="8519760" cy="572040"/>
           </a:xfrm>
           <a:prstGeom prst="rect">
             <a:avLst/>
           </a:prstGeom>
         </p:spPr>
         <p:txBody>
-          <a:bodyPr tIns="91440" bIns="91440" anchor="b"/>
-          <a:p>
-            <a:endParaRPr b="0" lang="en-IN" sz="1400" spc="-1" strike="noStrike">
+          <a:bodyPr lIns="0" rIns="0" tIns="0" bIns="0" anchor="ctr"/>
+          <a:p>
+            <a:pPr algn="ctr"/>
+            <a:endParaRPr b="0" lang="en-IN" sz="4400" spc="-1" strike="noStrike">
               <a:solidFill>
                 <a:srgbClr val="000000"/>
               </a:solidFill>
@@ -3029,62 +3050,6 @@
       <p:sp>
         <p:nvSpPr>
           <p:cNvPr id="1" name="PlaceHolder 2"/>
-          <p:cNvSpPr>
-            <a:spLocks noGrp="1"/>
-          </p:cNvSpPr>
-          <p:nvPr>
-            <p:ph type="sldNum"/>
-          </p:nvPr>
-        </p:nvSpPr>
-        <p:spPr>
-          <a:xfrm>
-            <a:off x="8472600" y="4663080"/>
-            <a:ext cx="548280" cy="393120"/>
-          </a:xfrm>
-          <a:prstGeom prst="rect">
-            <a:avLst/>
-          </a:prstGeom>
-        </p:spPr>
-        <p:txBody>
-          <a:bodyPr tIns="91440" bIns="91440" anchor="ctr"/>
-          <a:p>
-            <a:pPr>
-              <a:lnSpc>
-                <a:spcPct val="100000"/>
-              </a:lnSpc>
-            </a:pPr>
-            <a:fld id="{AD41C062-B723-4910-A58C-6641BBBA1800}" type="slidenum">
-              <a:rPr b="0" lang="en-IN" sz="1400" spc="-1" strike="noStrike">
-                <a:solidFill>
-                  <a:srgbClr val="000000"/>
-                </a:solidFill>
-                <a:uFill>
-                  <a:solidFill>
-                    <a:srgbClr val="ffffff"/>
-                  </a:solidFill>
-                </a:uFill>
-                <a:latin typeface="Arial"/>
-                <a:ea typeface="Arial"/>
-              </a:rPr>
-              <a:t>&lt;number&gt;</a:t>
-            </a:fld>
-            <a:endParaRPr b="0" lang="en-IN" sz="1400" spc="-1" strike="noStrike">
-              <a:solidFill>
-                <a:srgbClr val="000000"/>
-              </a:solidFill>
-              <a:uFill>
-                <a:solidFill>
-                  <a:srgbClr val="ffffff"/>
-                </a:solidFill>
-              </a:uFill>
-              <a:latin typeface="Times New Roman"/>
-            </a:endParaRPr>
-          </a:p>
-        </p:txBody>
-      </p:sp>
-      <p:sp>
-        <p:nvSpPr>
-          <p:cNvPr id="2" name="PlaceHolder 3"/>
           <p:cNvSpPr>
             <a:spLocks noGrp="1"/>
           </p:cNvSpPr>
@@ -3113,7 +3078,7 @@
               <a:buChar char=""/>
             </a:pPr>
             <a:r>
-              <a:rPr b="0" lang="en-IN" sz="1400" spc="-1" strike="noStrike">
+              <a:rPr b="0" lang="en-IN" sz="3200" spc="-1" strike="noStrike">
                 <a:solidFill>
                   <a:srgbClr val="000000"/>
                 </a:solidFill>
@@ -3126,7 +3091,7 @@
               </a:rPr>
               <a:t>Click to edit the outline text format</a:t>
             </a:r>
-            <a:endParaRPr b="0" lang="en-IN" sz="1400" spc="-1" strike="noStrike">
+            <a:endParaRPr b="0" lang="en-IN" sz="3200" spc="-1" strike="noStrike">
               <a:solidFill>
                 <a:srgbClr val="000000"/>
               </a:solidFill>
@@ -3148,7 +3113,7 @@
               <a:buChar char=""/>
             </a:pPr>
             <a:r>
-              <a:rPr b="0" lang="en-IN" sz="1400" spc="-1" strike="noStrike">
+              <a:rPr b="0" lang="en-IN" sz="2800" spc="-1" strike="noStrike">
                 <a:solidFill>
                   <a:srgbClr val="000000"/>
                 </a:solidFill>
@@ -3161,7 +3126,7 @@
               </a:rPr>
               <a:t>Second Outline Level</a:t>
             </a:r>
-            <a:endParaRPr b="0" lang="en-IN" sz="1400" spc="-1" strike="noStrike">
+            <a:endParaRPr b="0" lang="en-IN" sz="2800" spc="-1" strike="noStrike">
               <a:solidFill>
                 <a:srgbClr val="000000"/>
               </a:solidFill>
@@ -3183,7 +3148,7 @@
               <a:buChar char=""/>
             </a:pPr>
             <a:r>
-              <a:rPr b="0" lang="en-IN" sz="1400" spc="-1" strike="noStrike">
+              <a:rPr b="0" lang="en-IN" sz="2400" spc="-1" strike="noStrike">
                 <a:solidFill>
                   <a:srgbClr val="000000"/>
                 </a:solidFill>
@@ -3196,7 +3161,7 @@
               </a:rPr>
               <a:t>Third Outline Level</a:t>
             </a:r>
-            <a:endParaRPr b="0" lang="en-IN" sz="1400" spc="-1" strike="noStrike">
+            <a:endParaRPr b="0" lang="en-IN" sz="2400" spc="-1" strike="noStrike">
               <a:solidFill>
                 <a:srgbClr val="000000"/>
               </a:solidFill>
@@ -3218,7 +3183,7 @@
               <a:buChar char=""/>
             </a:pPr>
             <a:r>
-              <a:rPr b="0" lang="en-IN" sz="1400" spc="-1" strike="noStrike">
+              <a:rPr b="0" lang="en-IN" sz="2000" spc="-1" strike="noStrike">
                 <a:solidFill>
                   <a:srgbClr val="000000"/>
                 </a:solidFill>
@@ -3231,7 +3196,7 @@
               </a:rPr>
               <a:t>Fourth Outline Level</a:t>
             </a:r>
-            <a:endParaRPr b="0" lang="en-IN" sz="1400" spc="-1" strike="noStrike">
+            <a:endParaRPr b="0" lang="en-IN" sz="2000" spc="-1" strike="noStrike">
               <a:solidFill>
                 <a:srgbClr val="000000"/>
               </a:solidFill>
@@ -3396,7 +3361,7 @@
       </p:grpSpPr>
       <p:sp>
         <p:nvSpPr>
-          <p:cNvPr id="37" name="PlaceHolder 1"/>
+          <p:cNvPr id="36" name="PlaceHolder 1"/>
           <p:cNvSpPr>
             <a:spLocks noGrp="1"/>
           </p:cNvSpPr>
@@ -3407,16 +3372,17 @@
         <p:spPr>
           <a:xfrm>
             <a:off x="311760" y="444960"/>
-            <a:ext cx="8520120" cy="572400"/>
+            <a:ext cx="8519760" cy="572040"/>
           </a:xfrm>
           <a:prstGeom prst="rect">
             <a:avLst/>
           </a:prstGeom>
         </p:spPr>
         <p:txBody>
-          <a:bodyPr tIns="91440" bIns="91440"/>
-          <a:p>
-            <a:endParaRPr b="0" lang="en-IN" sz="1400" spc="-1" strike="noStrike">
+          <a:bodyPr lIns="0" rIns="0" tIns="0" bIns="0" anchor="ctr"/>
+          <a:p>
+            <a:pPr algn="ctr"/>
+            <a:endParaRPr b="0" lang="en-IN" sz="4400" spc="-1" strike="noStrike">
               <a:solidFill>
                 <a:srgbClr val="000000"/>
               </a:solidFill>
@@ -3432,7 +3398,7 @@
       </p:sp>
       <p:sp>
         <p:nvSpPr>
-          <p:cNvPr id="38" name="PlaceHolder 2"/>
+          <p:cNvPr id="37" name="PlaceHolder 2"/>
           <p:cNvSpPr>
             <a:spLocks noGrp="1"/>
           </p:cNvSpPr>
@@ -3443,14 +3409,14 @@
         <p:spPr>
           <a:xfrm>
             <a:off x="311760" y="1152360"/>
-            <a:ext cx="8520120" cy="3416040"/>
+            <a:ext cx="8519760" cy="3415680"/>
           </a:xfrm>
           <a:prstGeom prst="rect">
             <a:avLst/>
           </a:prstGeom>
         </p:spPr>
         <p:txBody>
-          <a:bodyPr tIns="91440" bIns="91440"/>
+          <a:bodyPr lIns="0" rIns="0" tIns="0" bIns="0"/>
           <a:p>
             <a:pPr marL="432000" indent="-324000">
               <a:buClr>
@@ -3694,62 +3660,6 @@
                 </a:solidFill>
               </a:uFill>
               <a:latin typeface="Arial"/>
-            </a:endParaRPr>
-          </a:p>
-        </p:txBody>
-      </p:sp>
-      <p:sp>
-        <p:nvSpPr>
-          <p:cNvPr id="39" name="PlaceHolder 3"/>
-          <p:cNvSpPr>
-            <a:spLocks noGrp="1"/>
-          </p:cNvSpPr>
-          <p:nvPr>
-            <p:ph type="sldNum"/>
-          </p:nvPr>
-        </p:nvSpPr>
-        <p:spPr>
-          <a:xfrm>
-            <a:off x="8472600" y="4663080"/>
-            <a:ext cx="548280" cy="393120"/>
-          </a:xfrm>
-          <a:prstGeom prst="rect">
-            <a:avLst/>
-          </a:prstGeom>
-        </p:spPr>
-        <p:txBody>
-          <a:bodyPr tIns="91440" bIns="91440" anchor="ctr"/>
-          <a:p>
-            <a:pPr>
-              <a:lnSpc>
-                <a:spcPct val="100000"/>
-              </a:lnSpc>
-            </a:pPr>
-            <a:fld id="{4537B160-CD3A-47D2-8120-C1CDD8011B10}" type="slidenum">
-              <a:rPr b="0" lang="en-IN" sz="1400" spc="-1" strike="noStrike">
-                <a:solidFill>
-                  <a:srgbClr val="000000"/>
-                </a:solidFill>
-                <a:uFill>
-                  <a:solidFill>
-                    <a:srgbClr val="ffffff"/>
-                  </a:solidFill>
-                </a:uFill>
-                <a:latin typeface="Arial"/>
-                <a:ea typeface="Arial"/>
-              </a:rPr>
-              <a:t>&lt;number&gt;</a:t>
-            </a:fld>
-            <a:endParaRPr b="0" lang="en-IN" sz="1400" spc="-1" strike="noStrike">
-              <a:solidFill>
-                <a:srgbClr val="000000"/>
-              </a:solidFill>
-              <a:uFill>
-                <a:solidFill>
-                  <a:srgbClr val="ffffff"/>
-                </a:solidFill>
-              </a:uFill>
-              <a:latin typeface="Times New Roman"/>
             </a:endParaRPr>
           </a:p>
         </p:txBody>
@@ -3793,14 +3703,14 @@
       </p:grpSpPr>
       <p:sp>
         <p:nvSpPr>
-          <p:cNvPr id="74" name="TextShape 1"/>
-          <p:cNvSpPr txBox="1"/>
+          <p:cNvPr id="72" name="CustomShape 1"/>
+          <p:cNvSpPr/>
           <p:nvPr/>
         </p:nvSpPr>
         <p:spPr>
           <a:xfrm>
             <a:off x="311760" y="744480"/>
-            <a:ext cx="8520120" cy="2052360"/>
+            <a:ext cx="8519760" cy="2052000"/>
           </a:xfrm>
           <a:prstGeom prst="rect">
             <a:avLst/>
@@ -3810,8 +3720,14 @@
             <a:noFill/>
           </a:ln>
         </p:spPr>
+        <p:style>
+          <a:lnRef idx="0"/>
+          <a:fillRef idx="0"/>
+          <a:effectRef idx="0"/>
+          <a:fontRef idx="minor"/>
+        </p:style>
         <p:txBody>
-          <a:bodyPr tIns="91440" bIns="91440" anchor="b"/>
+          <a:bodyPr lIns="90000" rIns="90000" tIns="91440" bIns="91440" anchor="b"/>
           <a:p>
             <a:pPr algn="ctr">
               <a:lnSpc>
@@ -3833,7 +3749,7 @@
               </a:rPr>
               <a:t>Depth Map Generation</a:t>
             </a:r>
-            <a:endParaRPr b="0" lang="en-IN" sz="1400" spc="-1" strike="noStrike">
+            <a:endParaRPr b="0" lang="en-IN" sz="1800" spc="-1" strike="noStrike">
               <a:solidFill>
                 <a:srgbClr val="000000"/>
               </a:solidFill>
@@ -3849,14 +3765,14 @@
       </p:sp>
       <p:sp>
         <p:nvSpPr>
-          <p:cNvPr id="75" name="TextShape 2"/>
-          <p:cNvSpPr txBox="1"/>
+          <p:cNvPr id="73" name="CustomShape 2"/>
+          <p:cNvSpPr/>
           <p:nvPr/>
         </p:nvSpPr>
         <p:spPr>
           <a:xfrm>
             <a:off x="311760" y="2834280"/>
-            <a:ext cx="8520120" cy="1529640"/>
+            <a:ext cx="8519760" cy="1529280"/>
           </a:xfrm>
           <a:prstGeom prst="rect">
             <a:avLst/>
@@ -3866,8 +3782,14 @@
             <a:noFill/>
           </a:ln>
         </p:spPr>
+        <p:style>
+          <a:lnRef idx="0"/>
+          <a:fillRef idx="0"/>
+          <a:effectRef idx="0"/>
+          <a:fontRef idx="minor"/>
+        </p:style>
         <p:txBody>
-          <a:bodyPr tIns="91440" bIns="91440"/>
+          <a:bodyPr lIns="90000" rIns="90000" tIns="91440" bIns="91440"/>
           <a:p>
             <a:pPr algn="ctr">
               <a:lnSpc>
@@ -3889,7 +3811,7 @@
               </a:rPr>
               <a:t>Project-No :-29</a:t>
             </a:r>
-            <a:endParaRPr b="0" lang="en-IN" sz="3200" spc="-1" strike="noStrike">
+            <a:endParaRPr b="0" lang="en-IN" sz="1800" spc="-1" strike="noStrike">
               <a:solidFill>
                 <a:srgbClr val="000000"/>
               </a:solidFill>
@@ -3922,7 +3844,7 @@
               </a:rPr>
               <a:t>Professor: Avinash Sharma</a:t>
             </a:r>
-            <a:endParaRPr b="0" lang="en-IN" sz="3200" spc="-1" strike="noStrike">
+            <a:endParaRPr b="0" lang="en-IN" sz="1800" spc="-1" strike="noStrike">
               <a:solidFill>
                 <a:srgbClr val="000000"/>
               </a:solidFill>
@@ -3955,7 +3877,7 @@
               </a:rPr>
               <a:t>TA: Navyasri Reddy</a:t>
             </a:r>
-            <a:endParaRPr b="0" lang="en-IN" sz="3200" spc="-1" strike="noStrike">
+            <a:endParaRPr b="0" lang="en-IN" sz="1800" spc="-1" strike="noStrike">
               <a:solidFill>
                 <a:srgbClr val="000000"/>
               </a:solidFill>
@@ -4020,14 +3942,14 @@
       </p:grpSpPr>
       <p:sp>
         <p:nvSpPr>
-          <p:cNvPr id="97" name="TextShape 1"/>
-          <p:cNvSpPr txBox="1"/>
+          <p:cNvPr id="95" name="CustomShape 1"/>
+          <p:cNvSpPr/>
           <p:nvPr/>
         </p:nvSpPr>
         <p:spPr>
           <a:xfrm>
             <a:off x="311760" y="444960"/>
-            <a:ext cx="8520120" cy="572400"/>
+            <a:ext cx="8519760" cy="572040"/>
           </a:xfrm>
           <a:prstGeom prst="rect">
             <a:avLst/>
@@ -4037,8 +3959,14 @@
             <a:noFill/>
           </a:ln>
         </p:spPr>
+        <p:style>
+          <a:lnRef idx="0"/>
+          <a:fillRef idx="0"/>
+          <a:effectRef idx="0"/>
+          <a:fontRef idx="minor"/>
+        </p:style>
         <p:txBody>
-          <a:bodyPr tIns="91440" bIns="91440"/>
+          <a:bodyPr lIns="90000" rIns="90000" tIns="91440" bIns="91440"/>
           <a:p>
             <a:pPr>
               <a:lnSpc>
@@ -4060,7 +3988,7 @@
               </a:rPr>
               <a:t>Image Classification (continued)</a:t>
             </a:r>
-            <a:endParaRPr b="0" lang="en-IN" sz="1400" spc="-1" strike="noStrike">
+            <a:endParaRPr b="0" lang="en-IN" sz="1800" spc="-1" strike="noStrike">
               <a:solidFill>
                 <a:srgbClr val="000000"/>
               </a:solidFill>
@@ -4076,14 +4004,14 @@
       </p:sp>
       <p:sp>
         <p:nvSpPr>
-          <p:cNvPr id="98" name="TextShape 2"/>
-          <p:cNvSpPr txBox="1"/>
+          <p:cNvPr id="96" name="CustomShape 2"/>
+          <p:cNvSpPr/>
           <p:nvPr/>
         </p:nvSpPr>
         <p:spPr>
           <a:xfrm>
             <a:off x="311760" y="1152360"/>
-            <a:ext cx="8689320" cy="1765080"/>
+            <a:ext cx="8688960" cy="1764720"/>
           </a:xfrm>
           <a:prstGeom prst="rect">
             <a:avLst/>
@@ -4093,10 +4021,16 @@
             <a:noFill/>
           </a:ln>
         </p:spPr>
+        <p:style>
+          <a:lnRef idx="0"/>
+          <a:fillRef idx="0"/>
+          <a:effectRef idx="0"/>
+          <a:fontRef idx="minor"/>
+        </p:style>
         <p:txBody>
-          <a:bodyPr tIns="91440" bIns="91440"/>
-          <a:p>
-            <a:pPr marL="457200" indent="-342720">
+          <a:bodyPr lIns="90000" rIns="90000" tIns="91440" bIns="91440"/>
+          <a:p>
+            <a:pPr marL="457200" indent="-342360">
               <a:lnSpc>
                 <a:spcPct val="100000"/>
               </a:lnSpc>
@@ -4121,20 +4055,20 @@
               </a:rPr>
               <a:t>Otherwise, if the value of R2 is greater than K2*N, where K2 is threshold in (0,1), we classify the image as outdoor with geometric elements.</a:t>
             </a:r>
-            <a:endParaRPr b="0" lang="en-IN" sz="1400" spc="-1" strike="noStrike">
-              <a:solidFill>
-                <a:srgbClr val="000000"/>
-              </a:solidFill>
-              <a:uFill>
-                <a:solidFill>
-                  <a:srgbClr val="ffffff"/>
-                </a:solidFill>
-              </a:uFill>
-              <a:latin typeface="Arial"/>
-            </a:endParaRPr>
-          </a:p>
-          <a:p>
-            <a:pPr marL="457200" indent="-342720">
+            <a:endParaRPr b="0" lang="en-IN" sz="1800" spc="-1" strike="noStrike">
+              <a:solidFill>
+                <a:srgbClr val="000000"/>
+              </a:solidFill>
+              <a:uFill>
+                <a:solidFill>
+                  <a:srgbClr val="ffffff"/>
+                </a:solidFill>
+              </a:uFill>
+              <a:latin typeface="Arial"/>
+            </a:endParaRPr>
+          </a:p>
+          <a:p>
+            <a:pPr marL="457200" indent="-342360">
               <a:lnSpc>
                 <a:spcPct val="100000"/>
               </a:lnSpc>
@@ -4159,7 +4093,7 @@
               </a:rPr>
               <a:t>Else it is classified as indoor.</a:t>
             </a:r>
-            <a:endParaRPr b="0" lang="en-IN" sz="1400" spc="-1" strike="noStrike">
+            <a:endParaRPr b="0" lang="en-IN" sz="1800" spc="-1" strike="noStrike">
               <a:solidFill>
                 <a:srgbClr val="000000"/>
               </a:solidFill>
@@ -4192,7 +4126,7 @@
               </a:rPr>
               <a:t>The values of K1 and K2 are obtained by experimenting on a specific set of images.</a:t>
             </a:r>
-            <a:endParaRPr b="0" lang="en-IN" sz="1400" spc="-1" strike="noStrike">
+            <a:endParaRPr b="0" lang="en-IN" sz="1800" spc="-1" strike="noStrike">
               <a:solidFill>
                 <a:srgbClr val="000000"/>
               </a:solidFill>
@@ -4208,7 +4142,7 @@
       </p:sp>
       <p:pic>
         <p:nvPicPr>
-          <p:cNvPr id="99" name="Shape 115" descr=""/>
+          <p:cNvPr id="97" name="Shape 115" descr=""/>
           <p:cNvPicPr/>
           <p:nvPr/>
         </p:nvPicPr>
@@ -4219,7 +4153,7 @@
         <p:spPr>
           <a:xfrm>
             <a:off x="2100240" y="2917800"/>
-            <a:ext cx="4943160" cy="1942920"/>
+            <a:ext cx="4942800" cy="1942560"/>
           </a:xfrm>
           <a:prstGeom prst="rect">
             <a:avLst/>
@@ -4231,6 +4165,33 @@
       </p:pic>
     </p:spTree>
   </p:cSld>
+  <p:timing>
+    <p:tnLst>
+      <p:par>
+        <p:cTn id="19" dur="indefinite" restart="never" nodeType="tmRoot">
+          <p:childTnLst>
+            <p:seq>
+              <p:cTn id="20" nodeType="mainSeq"/>
+              <p:prevCondLst>
+                <p:cond delay="0" evt="onPrev">
+                  <p:tgtEl>
+                    <p:sldTgt/>
+                  </p:tgtEl>
+                </p:cond>
+              </p:prevCondLst>
+              <p:nextCondLst>
+                <p:cond delay="0" evt="onNext">
+                  <p:tgtEl>
+                    <p:sldTgt/>
+                  </p:tgtEl>
+                </p:cond>
+              </p:nextCondLst>
+            </p:seq>
+          </p:childTnLst>
+        </p:cTn>
+      </p:par>
+    </p:tnLst>
+  </p:timing>
 </p:sld>
 </file>
 
@@ -4253,14 +4214,14 @@
       </p:grpSpPr>
       <p:sp>
         <p:nvSpPr>
-          <p:cNvPr id="100" name="TextShape 1"/>
-          <p:cNvSpPr txBox="1"/>
+          <p:cNvPr id="98" name="CustomShape 1"/>
+          <p:cNvSpPr/>
           <p:nvPr/>
         </p:nvSpPr>
         <p:spPr>
           <a:xfrm>
             <a:off x="311760" y="444960"/>
-            <a:ext cx="8520120" cy="572400"/>
+            <a:ext cx="8519760" cy="572040"/>
           </a:xfrm>
           <a:prstGeom prst="rect">
             <a:avLst/>
@@ -4270,8 +4231,14 @@
             <a:noFill/>
           </a:ln>
         </p:spPr>
+        <p:style>
+          <a:lnRef idx="0"/>
+          <a:fillRef idx="0"/>
+          <a:effectRef idx="0"/>
+          <a:fontRef idx="minor"/>
+        </p:style>
         <p:txBody>
-          <a:bodyPr tIns="91440" bIns="91440"/>
+          <a:bodyPr lIns="90000" rIns="90000" tIns="91440" bIns="91440"/>
           <a:p>
             <a:pPr>
               <a:lnSpc>
@@ -4293,7 +4260,7 @@
               </a:rPr>
               <a:t>Results:</a:t>
             </a:r>
-            <a:endParaRPr b="0" lang="en-IN" sz="1400" spc="-1" strike="noStrike">
+            <a:endParaRPr b="0" lang="en-IN" sz="1800" spc="-1" strike="noStrike">
               <a:solidFill>
                 <a:srgbClr val="000000"/>
               </a:solidFill>
@@ -4309,14 +4276,14 @@
       </p:sp>
       <p:sp>
         <p:nvSpPr>
-          <p:cNvPr id="101" name="TextShape 2"/>
-          <p:cNvSpPr txBox="1"/>
+          <p:cNvPr id="99" name="CustomShape 2"/>
+          <p:cNvSpPr/>
           <p:nvPr/>
         </p:nvSpPr>
         <p:spPr>
           <a:xfrm>
             <a:off x="311760" y="1152360"/>
-            <a:ext cx="4312080" cy="1344960"/>
+            <a:ext cx="4311720" cy="1344600"/>
           </a:xfrm>
           <a:prstGeom prst="rect">
             <a:avLst/>
@@ -4326,8 +4293,14 @@
             <a:noFill/>
           </a:ln>
         </p:spPr>
+        <p:style>
+          <a:lnRef idx="0"/>
+          <a:fillRef idx="0"/>
+          <a:effectRef idx="0"/>
+          <a:fontRef idx="minor"/>
+        </p:style>
         <p:txBody>
-          <a:bodyPr tIns="91440" bIns="91440"/>
+          <a:bodyPr lIns="90000" rIns="90000" tIns="91440" bIns="91440"/>
           <a:p>
             <a:pPr>
               <a:lnSpc>
@@ -4349,7 +4322,7 @@
               </a:rPr>
               <a:t>Classified as an outdoor image</a:t>
             </a:r>
-            <a:endParaRPr b="0" lang="en-IN" sz="1400" spc="-1" strike="noStrike">
+            <a:endParaRPr b="0" lang="en-IN" sz="1800" spc="-1" strike="noStrike">
               <a:solidFill>
                 <a:srgbClr val="000000"/>
               </a:solidFill>
@@ -4382,7 +4355,7 @@
               </a:rPr>
               <a:t>Without geometric elements.</a:t>
             </a:r>
-            <a:endParaRPr b="0" lang="en-IN" sz="1400" spc="-1" strike="noStrike">
+            <a:endParaRPr b="0" lang="en-IN" sz="1800" spc="-1" strike="noStrike">
               <a:solidFill>
                 <a:srgbClr val="000000"/>
               </a:solidFill>
@@ -4398,7 +4371,7 @@
       </p:sp>
       <p:pic>
         <p:nvPicPr>
-          <p:cNvPr id="102" name="Shape 122" descr=""/>
+          <p:cNvPr id="100" name="Shape 122" descr=""/>
           <p:cNvPicPr/>
           <p:nvPr/>
         </p:nvPicPr>
@@ -4409,7 +4382,7 @@
         <p:spPr>
           <a:xfrm>
             <a:off x="4294080" y="0"/>
-            <a:ext cx="4849560" cy="3127680"/>
+            <a:ext cx="4849200" cy="3127320"/>
           </a:xfrm>
           <a:prstGeom prst="rect">
             <a:avLst/>
@@ -4421,14 +4394,14 @@
       </p:pic>
       <p:sp>
         <p:nvSpPr>
-          <p:cNvPr id="103" name="TextShape 3"/>
-          <p:cNvSpPr txBox="1"/>
+          <p:cNvPr id="101" name="CustomShape 3"/>
+          <p:cNvSpPr/>
           <p:nvPr/>
         </p:nvSpPr>
         <p:spPr>
           <a:xfrm>
             <a:off x="311760" y="2497680"/>
-            <a:ext cx="4237920" cy="2070720"/>
+            <a:ext cx="4237560" cy="2070360"/>
           </a:xfrm>
           <a:prstGeom prst="rect">
             <a:avLst/>
@@ -4438,15 +4411,21 @@
             <a:noFill/>
           </a:ln>
         </p:spPr>
+        <p:style>
+          <a:lnRef idx="0"/>
+          <a:fillRef idx="0"/>
+          <a:effectRef idx="0"/>
+          <a:fontRef idx="minor"/>
+        </p:style>
         <p:txBody>
-          <a:bodyPr tIns="91440" bIns="91440"/>
+          <a:bodyPr lIns="90000" rIns="90000" tIns="91440" bIns="91440"/>
           <a:p>
             <a:pPr>
               <a:lnSpc>
                 <a:spcPct val="100000"/>
               </a:lnSpc>
             </a:pPr>
-            <a:endParaRPr b="0" lang="en-IN" sz="1400" spc="-1" strike="noStrike">
+            <a:endParaRPr b="0" lang="en-IN" sz="1800" spc="-1" strike="noStrike">
               <a:solidFill>
                 <a:srgbClr val="000000"/>
               </a:solidFill>
@@ -4479,7 +4458,7 @@
               </a:rPr>
               <a:t>Classified as an outdoor image</a:t>
             </a:r>
-            <a:endParaRPr b="0" lang="en-IN" sz="1400" spc="-1" strike="noStrike">
+            <a:endParaRPr b="0" lang="en-IN" sz="1800" spc="-1" strike="noStrike">
               <a:solidFill>
                 <a:srgbClr val="000000"/>
               </a:solidFill>
@@ -4512,7 +4491,7 @@
               </a:rPr>
               <a:t>With geometric elements.</a:t>
             </a:r>
-            <a:endParaRPr b="0" lang="en-IN" sz="1400" spc="-1" strike="noStrike">
+            <a:endParaRPr b="0" lang="en-IN" sz="1800" spc="-1" strike="noStrike">
               <a:solidFill>
                 <a:srgbClr val="000000"/>
               </a:solidFill>
@@ -4528,7 +4507,7 @@
       </p:sp>
       <p:pic>
         <p:nvPicPr>
-          <p:cNvPr id="104" name="Shape 124" descr=""/>
+          <p:cNvPr id="102" name="Shape 124" descr=""/>
           <p:cNvPicPr/>
           <p:nvPr/>
         </p:nvPicPr>
@@ -4539,7 +4518,7 @@
         <p:spPr>
           <a:xfrm>
             <a:off x="4342680" y="2126520"/>
-            <a:ext cx="4752720" cy="3016440"/>
+            <a:ext cx="4752360" cy="3016080"/>
           </a:xfrm>
           <a:prstGeom prst="rect">
             <a:avLst/>
@@ -4551,6 +4530,33 @@
       </p:pic>
     </p:spTree>
   </p:cSld>
+  <p:timing>
+    <p:tnLst>
+      <p:par>
+        <p:cTn id="21" dur="indefinite" restart="never" nodeType="tmRoot">
+          <p:childTnLst>
+            <p:seq>
+              <p:cTn id="22" nodeType="mainSeq"/>
+              <p:prevCondLst>
+                <p:cond delay="0" evt="onPrev">
+                  <p:tgtEl>
+                    <p:sldTgt/>
+                  </p:tgtEl>
+                </p:cond>
+              </p:prevCondLst>
+              <p:nextCondLst>
+                <p:cond delay="0" evt="onNext">
+                  <p:tgtEl>
+                    <p:sldTgt/>
+                  </p:tgtEl>
+                </p:cond>
+              </p:nextCondLst>
+            </p:seq>
+          </p:childTnLst>
+        </p:cTn>
+      </p:par>
+    </p:tnLst>
+  </p:timing>
 </p:sld>
 </file>
 
@@ -4573,14 +4579,14 @@
       </p:grpSpPr>
       <p:sp>
         <p:nvSpPr>
-          <p:cNvPr id="105" name="TextShape 1"/>
-          <p:cNvSpPr txBox="1"/>
+          <p:cNvPr id="103" name="CustomShape 1"/>
+          <p:cNvSpPr/>
           <p:nvPr/>
         </p:nvSpPr>
         <p:spPr>
           <a:xfrm>
             <a:off x="311760" y="1152360"/>
-            <a:ext cx="4299840" cy="1010880"/>
+            <a:ext cx="4299480" cy="1010520"/>
           </a:xfrm>
           <a:prstGeom prst="rect">
             <a:avLst/>
@@ -4590,8 +4596,14 @@
             <a:noFill/>
           </a:ln>
         </p:spPr>
+        <p:style>
+          <a:lnRef idx="0"/>
+          <a:fillRef idx="0"/>
+          <a:effectRef idx="0"/>
+          <a:fontRef idx="minor"/>
+        </p:style>
         <p:txBody>
-          <a:bodyPr tIns="91440" bIns="91440"/>
+          <a:bodyPr lIns="90000" rIns="90000" tIns="91440" bIns="91440"/>
           <a:p>
             <a:pPr>
               <a:lnSpc>
@@ -4613,7 +4625,7 @@
               </a:rPr>
               <a:t>Classified as an outdoor image</a:t>
             </a:r>
-            <a:endParaRPr b="0" lang="en-IN" sz="1400" spc="-1" strike="noStrike">
+            <a:endParaRPr b="0" lang="en-IN" sz="1800" spc="-1" strike="noStrike">
               <a:solidFill>
                 <a:srgbClr val="000000"/>
               </a:solidFill>
@@ -4646,7 +4658,7 @@
               </a:rPr>
               <a:t>Without geometric elements.</a:t>
             </a:r>
-            <a:endParaRPr b="0" lang="en-IN" sz="1400" spc="-1" strike="noStrike">
+            <a:endParaRPr b="0" lang="en-IN" sz="1800" spc="-1" strike="noStrike">
               <a:solidFill>
                 <a:srgbClr val="000000"/>
               </a:solidFill>
@@ -4662,7 +4674,7 @@
       </p:sp>
       <p:pic>
         <p:nvPicPr>
-          <p:cNvPr id="106" name="Shape 130" descr=""/>
+          <p:cNvPr id="104" name="Shape 130" descr=""/>
           <p:cNvPicPr/>
           <p:nvPr/>
         </p:nvPicPr>
@@ -4673,7 +4685,7 @@
         <p:spPr>
           <a:xfrm>
             <a:off x="4133880" y="0"/>
-            <a:ext cx="5009760" cy="3416040"/>
+            <a:ext cx="5009400" cy="3415680"/>
           </a:xfrm>
           <a:prstGeom prst="rect">
             <a:avLst/>
@@ -4685,14 +4697,14 @@
       </p:pic>
       <p:sp>
         <p:nvSpPr>
-          <p:cNvPr id="107" name="TextShape 2"/>
-          <p:cNvSpPr txBox="1"/>
+          <p:cNvPr id="105" name="CustomShape 2"/>
+          <p:cNvSpPr/>
           <p:nvPr/>
         </p:nvSpPr>
         <p:spPr>
           <a:xfrm>
             <a:off x="311760" y="2274840"/>
-            <a:ext cx="4250520" cy="2293560"/>
+            <a:ext cx="4250160" cy="2293200"/>
           </a:xfrm>
           <a:prstGeom prst="rect">
             <a:avLst/>
@@ -4702,15 +4714,21 @@
             <a:noFill/>
           </a:ln>
         </p:spPr>
+        <p:style>
+          <a:lnRef idx="0"/>
+          <a:fillRef idx="0"/>
+          <a:effectRef idx="0"/>
+          <a:fontRef idx="minor"/>
+        </p:style>
         <p:txBody>
-          <a:bodyPr tIns="91440" bIns="91440"/>
+          <a:bodyPr lIns="90000" rIns="90000" tIns="91440" bIns="91440"/>
           <a:p>
             <a:pPr>
               <a:lnSpc>
                 <a:spcPct val="100000"/>
               </a:lnSpc>
             </a:pPr>
-            <a:endParaRPr b="0" lang="en-IN" sz="1400" spc="-1" strike="noStrike">
+            <a:endParaRPr b="0" lang="en-IN" sz="1800" spc="-1" strike="noStrike">
               <a:solidFill>
                 <a:srgbClr val="000000"/>
               </a:solidFill>
@@ -4728,7 +4746,7 @@
                 <a:spcPct val="100000"/>
               </a:lnSpc>
             </a:pPr>
-            <a:endParaRPr b="0" lang="en-IN" sz="1400" spc="-1" strike="noStrike">
+            <a:endParaRPr b="0" lang="en-IN" sz="1800" spc="-1" strike="noStrike">
               <a:solidFill>
                 <a:srgbClr val="000000"/>
               </a:solidFill>
@@ -4761,7 +4779,7 @@
               </a:rPr>
               <a:t>Classified as an indoor image</a:t>
             </a:r>
-            <a:endParaRPr b="0" lang="en-IN" sz="1400" spc="-1" strike="noStrike">
+            <a:endParaRPr b="0" lang="en-IN" sz="1800" spc="-1" strike="noStrike">
               <a:solidFill>
                 <a:srgbClr val="000000"/>
               </a:solidFill>
@@ -4777,7 +4795,7 @@
       </p:sp>
       <p:pic>
         <p:nvPicPr>
-          <p:cNvPr id="108" name="Shape 132" descr=""/>
+          <p:cNvPr id="106" name="Shape 132" descr=""/>
           <p:cNvPicPr/>
           <p:nvPr/>
         </p:nvPicPr>
@@ -4788,7 +4806,7 @@
         <p:spPr>
           <a:xfrm>
             <a:off x="4488840" y="2163600"/>
-            <a:ext cx="4299840" cy="2982960"/>
+            <a:ext cx="4299480" cy="2982600"/>
           </a:xfrm>
           <a:prstGeom prst="rect">
             <a:avLst/>
@@ -4800,6 +4818,33 @@
       </p:pic>
     </p:spTree>
   </p:cSld>
+  <p:timing>
+    <p:tnLst>
+      <p:par>
+        <p:cTn id="23" dur="indefinite" restart="never" nodeType="tmRoot">
+          <p:childTnLst>
+            <p:seq>
+              <p:cTn id="24" nodeType="mainSeq"/>
+              <p:prevCondLst>
+                <p:cond delay="0" evt="onPrev">
+                  <p:tgtEl>
+                    <p:sldTgt/>
+                  </p:tgtEl>
+                </p:cond>
+              </p:prevCondLst>
+              <p:nextCondLst>
+                <p:cond delay="0" evt="onNext">
+                  <p:tgtEl>
+                    <p:sldTgt/>
+                  </p:tgtEl>
+                </p:cond>
+              </p:nextCondLst>
+            </p:seq>
+          </p:childTnLst>
+        </p:cTn>
+      </p:par>
+    </p:tnLst>
+  </p:timing>
 </p:sld>
 </file>
 
@@ -4822,14 +4867,14 @@
       </p:grpSpPr>
       <p:sp>
         <p:nvSpPr>
-          <p:cNvPr id="109" name="TextShape 1"/>
-          <p:cNvSpPr txBox="1"/>
+          <p:cNvPr id="107" name="CustomShape 1"/>
+          <p:cNvSpPr/>
           <p:nvPr/>
         </p:nvSpPr>
         <p:spPr>
           <a:xfrm>
             <a:off x="311760" y="444960"/>
-            <a:ext cx="8520120" cy="572400"/>
+            <a:ext cx="8519760" cy="572040"/>
           </a:xfrm>
           <a:prstGeom prst="rect">
             <a:avLst/>
@@ -4839,8 +4884,14 @@
             <a:noFill/>
           </a:ln>
         </p:spPr>
+        <p:style>
+          <a:lnRef idx="0"/>
+          <a:fillRef idx="0"/>
+          <a:effectRef idx="0"/>
+          <a:fontRef idx="minor"/>
+        </p:style>
         <p:txBody>
-          <a:bodyPr tIns="91440" bIns="91440"/>
+          <a:bodyPr lIns="90000" rIns="90000" tIns="91440" bIns="91440"/>
           <a:p>
             <a:pPr>
               <a:lnSpc>
@@ -4862,7 +4913,7 @@
               </a:rPr>
               <a:t>Geometric Depth Map</a:t>
             </a:r>
-            <a:endParaRPr b="0" lang="en-IN" sz="1400" spc="-1" strike="noStrike">
+            <a:endParaRPr b="0" lang="en-IN" sz="1800" spc="-1" strike="noStrike">
               <a:solidFill>
                 <a:srgbClr val="000000"/>
               </a:solidFill>
@@ -4878,14 +4929,14 @@
       </p:sp>
       <p:sp>
         <p:nvSpPr>
-          <p:cNvPr id="110" name="TextShape 2"/>
-          <p:cNvSpPr txBox="1"/>
+          <p:cNvPr id="108" name="CustomShape 2"/>
+          <p:cNvSpPr/>
           <p:nvPr/>
         </p:nvSpPr>
         <p:spPr>
           <a:xfrm>
             <a:off x="311760" y="1152360"/>
-            <a:ext cx="8520120" cy="3416040"/>
+            <a:ext cx="8519760" cy="3415680"/>
           </a:xfrm>
           <a:prstGeom prst="rect">
             <a:avLst/>
@@ -4895,8 +4946,14 @@
             <a:noFill/>
           </a:ln>
         </p:spPr>
+        <p:style>
+          <a:lnRef idx="0"/>
+          <a:fillRef idx="0"/>
+          <a:effectRef idx="0"/>
+          <a:fontRef idx="minor"/>
+        </p:style>
         <p:txBody>
-          <a:bodyPr tIns="91440" bIns="91440"/>
+          <a:bodyPr lIns="90000" rIns="90000" tIns="91440" bIns="91440"/>
           <a:p>
             <a:pPr>
               <a:lnSpc>
@@ -4918,20 +4975,20 @@
               </a:rPr>
               <a:t>Vanishing point detection:</a:t>
             </a:r>
-            <a:endParaRPr b="0" lang="en-IN" sz="1400" spc="-1" strike="noStrike">
-              <a:solidFill>
-                <a:srgbClr val="000000"/>
-              </a:solidFill>
-              <a:uFill>
-                <a:solidFill>
-                  <a:srgbClr val="ffffff"/>
-                </a:solidFill>
-              </a:uFill>
-              <a:latin typeface="Arial"/>
-            </a:endParaRPr>
-          </a:p>
-          <a:p>
-            <a:pPr marL="914400" indent="-342720">
+            <a:endParaRPr b="0" lang="en-IN" sz="1800" spc="-1" strike="noStrike">
+              <a:solidFill>
+                <a:srgbClr val="000000"/>
+              </a:solidFill>
+              <a:uFill>
+                <a:solidFill>
+                  <a:srgbClr val="ffffff"/>
+                </a:solidFill>
+              </a:uFill>
+              <a:latin typeface="Arial"/>
+            </a:endParaRPr>
+          </a:p>
+          <a:p>
+            <a:pPr marL="914400" indent="-342360">
               <a:lnSpc>
                 <a:spcPct val="100000"/>
               </a:lnSpc>
@@ -4954,82 +5011,22 @@
                 <a:latin typeface="Arial"/>
                 <a:ea typeface="Arial"/>
               </a:rPr>
-              <a:t>Edge detection using a 3x3 Sobel masks. The resulting images, I</a:t>
-            </a:r>
-            <a:r>
-              <a:rPr b="0" lang="en-IN" sz="1800" spc="-1" strike="noStrike" baseline="-25000">
-                <a:solidFill>
-                  <a:srgbClr val="595959"/>
-                </a:solidFill>
-                <a:uFill>
-                  <a:solidFill>
-                    <a:srgbClr val="ffffff"/>
-                  </a:solidFill>
-                </a:uFill>
-                <a:latin typeface="Arial"/>
-                <a:ea typeface="Arial"/>
-              </a:rPr>
-              <a:t>Sx</a:t>
-            </a:r>
-            <a:r>
-              <a:rPr b="0" lang="en-IN" sz="1800" spc="-1" strike="noStrike">
-                <a:solidFill>
-                  <a:srgbClr val="595959"/>
-                </a:solidFill>
-                <a:uFill>
-                  <a:solidFill>
-                    <a:srgbClr val="ffffff"/>
-                  </a:solidFill>
-                </a:uFill>
-                <a:latin typeface="Arial"/>
-                <a:ea typeface="Arial"/>
-              </a:rPr>
-              <a:t> and I</a:t>
-            </a:r>
-            <a:r>
-              <a:rPr b="0" lang="en-IN" sz="1800" spc="-1" strike="noStrike" baseline="-25000">
-                <a:solidFill>
-                  <a:srgbClr val="595959"/>
-                </a:solidFill>
-                <a:uFill>
-                  <a:solidFill>
-                    <a:srgbClr val="ffffff"/>
-                  </a:solidFill>
-                </a:uFill>
-                <a:latin typeface="Arial"/>
-                <a:ea typeface="Arial"/>
-              </a:rPr>
-              <a:t>Sy</a:t>
-            </a:r>
-            <a:r>
-              <a:rPr b="0" lang="en-IN" sz="1800" spc="-1" strike="noStrike">
-                <a:solidFill>
-                  <a:srgbClr val="595959"/>
-                </a:solidFill>
-                <a:uFill>
-                  <a:solidFill>
-                    <a:srgbClr val="ffffff"/>
-                  </a:solidFill>
-                </a:uFill>
-                <a:latin typeface="Arial"/>
-                <a:ea typeface="Arial"/>
-              </a:rPr>
-              <a:t> , are then normalized and converted into a binary image I E, eliminating redundant information.</a:t>
-            </a:r>
-            <a:endParaRPr b="0" lang="en-IN" sz="1400" spc="-1" strike="noStrike">
-              <a:solidFill>
-                <a:srgbClr val="000000"/>
-              </a:solidFill>
-              <a:uFill>
-                <a:solidFill>
-                  <a:srgbClr val="ffffff"/>
-                </a:solidFill>
-              </a:uFill>
-              <a:latin typeface="Arial"/>
-            </a:endParaRPr>
-          </a:p>
-          <a:p>
-            <a:pPr marL="914400" indent="-342720">
+              <a:t>If the image is classified as outdoor without Geometric elements, vanishing point is considered as the bottom-most intersection point with mountain or sky with land or others. </a:t>
+            </a:r>
+            <a:endParaRPr b="0" lang="en-IN" sz="1800" spc="-1" strike="noStrike">
+              <a:solidFill>
+                <a:srgbClr val="000000"/>
+              </a:solidFill>
+              <a:uFill>
+                <a:solidFill>
+                  <a:srgbClr val="ffffff"/>
+                </a:solidFill>
+              </a:uFill>
+              <a:latin typeface="Arial"/>
+            </a:endParaRPr>
+          </a:p>
+          <a:p>
+            <a:pPr marL="914400" indent="-342360">
               <a:lnSpc>
                 <a:spcPct val="100000"/>
               </a:lnSpc>
@@ -5052,7 +5049,7 @@
                 <a:latin typeface="Arial"/>
                 <a:ea typeface="Arial"/>
               </a:rPr>
-              <a:t>Noise reduction of I</a:t>
+              <a:t>Edge detection using a 3x3 Sobel masks. The resulting images, I</a:t>
             </a:r>
             <a:r>
               <a:rPr b="0" lang="en-IN" sz="1800" spc="-1" strike="noStrike" baseline="-25000">
@@ -5112,22 +5109,22 @@
                 <a:latin typeface="Arial"/>
                 <a:ea typeface="Arial"/>
               </a:rPr>
-              <a:t> using a standard low-pass filter 5x5.</a:t>
-            </a:r>
-            <a:endParaRPr b="0" lang="en-IN" sz="1400" spc="-1" strike="noStrike">
-              <a:solidFill>
-                <a:srgbClr val="000000"/>
-              </a:solidFill>
-              <a:uFill>
-                <a:solidFill>
-                  <a:srgbClr val="ffffff"/>
-                </a:solidFill>
-              </a:uFill>
-              <a:latin typeface="Arial"/>
-            </a:endParaRPr>
-          </a:p>
-          <a:p>
-            <a:pPr marL="914400" indent="-342720">
+              <a:t> , are then normalized and converted into a binary image I E, eliminating redundant information.</a:t>
+            </a:r>
+            <a:endParaRPr b="0" lang="en-IN" sz="1800" spc="-1" strike="noStrike">
+              <a:solidFill>
+                <a:srgbClr val="000000"/>
+              </a:solidFill>
+              <a:uFill>
+                <a:solidFill>
+                  <a:srgbClr val="ffffff"/>
+                </a:solidFill>
+              </a:uFill>
+              <a:latin typeface="Arial"/>
+            </a:endParaRPr>
+          </a:p>
+          <a:p>
+            <a:pPr marL="914400" indent="-342360">
               <a:lnSpc>
                 <a:spcPct val="100000"/>
               </a:lnSpc>
@@ -5150,22 +5147,82 @@
                 <a:latin typeface="Arial"/>
                 <a:ea typeface="Arial"/>
               </a:rPr>
-              <a:t>Detection of line through hough lines by keeping voting threshold.</a:t>
-            </a:r>
-            <a:endParaRPr b="0" lang="en-IN" sz="1400" spc="-1" strike="noStrike">
-              <a:solidFill>
-                <a:srgbClr val="000000"/>
-              </a:solidFill>
-              <a:uFill>
-                <a:solidFill>
-                  <a:srgbClr val="ffffff"/>
-                </a:solidFill>
-              </a:uFill>
-              <a:latin typeface="Arial"/>
-            </a:endParaRPr>
-          </a:p>
-          <a:p>
-            <a:pPr marL="914400" indent="-342720">
+              <a:t>Noise reduction of I</a:t>
+            </a:r>
+            <a:r>
+              <a:rPr b="0" lang="en-IN" sz="1800" spc="-1" strike="noStrike" baseline="-25000">
+                <a:solidFill>
+                  <a:srgbClr val="595959"/>
+                </a:solidFill>
+                <a:uFill>
+                  <a:solidFill>
+                    <a:srgbClr val="ffffff"/>
+                  </a:solidFill>
+                </a:uFill>
+                <a:latin typeface="Arial"/>
+                <a:ea typeface="Arial"/>
+              </a:rPr>
+              <a:t>Sx</a:t>
+            </a:r>
+            <a:r>
+              <a:rPr b="0" lang="en-IN" sz="1800" spc="-1" strike="noStrike">
+                <a:solidFill>
+                  <a:srgbClr val="595959"/>
+                </a:solidFill>
+                <a:uFill>
+                  <a:solidFill>
+                    <a:srgbClr val="ffffff"/>
+                  </a:solidFill>
+                </a:uFill>
+                <a:latin typeface="Arial"/>
+                <a:ea typeface="Arial"/>
+              </a:rPr>
+              <a:t> and I</a:t>
+            </a:r>
+            <a:r>
+              <a:rPr b="0" lang="en-IN" sz="1800" spc="-1" strike="noStrike" baseline="-25000">
+                <a:solidFill>
+                  <a:srgbClr val="595959"/>
+                </a:solidFill>
+                <a:uFill>
+                  <a:solidFill>
+                    <a:srgbClr val="ffffff"/>
+                  </a:solidFill>
+                </a:uFill>
+                <a:latin typeface="Arial"/>
+                <a:ea typeface="Arial"/>
+              </a:rPr>
+              <a:t>Sy</a:t>
+            </a:r>
+            <a:r>
+              <a:rPr b="0" lang="en-IN" sz="1800" spc="-1" strike="noStrike">
+                <a:solidFill>
+                  <a:srgbClr val="595959"/>
+                </a:solidFill>
+                <a:uFill>
+                  <a:solidFill>
+                    <a:srgbClr val="ffffff"/>
+                  </a:solidFill>
+                </a:uFill>
+                <a:latin typeface="Arial"/>
+                <a:ea typeface="Arial"/>
+              </a:rPr>
+              <a:t> using a standard low-pass filter 5x5.</a:t>
+            </a:r>
+            <a:endParaRPr b="0" lang="en-IN" sz="1800" spc="-1" strike="noStrike">
+              <a:solidFill>
+                <a:srgbClr val="000000"/>
+              </a:solidFill>
+              <a:uFill>
+                <a:solidFill>
+                  <a:srgbClr val="ffffff"/>
+                </a:solidFill>
+              </a:uFill>
+              <a:latin typeface="Arial"/>
+            </a:endParaRPr>
+          </a:p>
+          <a:p>
+            <a:pPr marL="914400" indent="-342360">
               <a:lnSpc>
                 <a:spcPct val="100000"/>
               </a:lnSpc>
@@ -5188,22 +5245,22 @@
                 <a:latin typeface="Arial"/>
                 <a:ea typeface="Arial"/>
               </a:rPr>
-              <a:t>Compute of intersection between each pair of straight lines.</a:t>
-            </a:r>
-            <a:endParaRPr b="0" lang="en-IN" sz="1400" spc="-1" strike="noStrike">
-              <a:solidFill>
-                <a:srgbClr val="000000"/>
-              </a:solidFill>
-              <a:uFill>
-                <a:solidFill>
-                  <a:srgbClr val="ffffff"/>
-                </a:solidFill>
-              </a:uFill>
-              <a:latin typeface="Arial"/>
-            </a:endParaRPr>
-          </a:p>
-          <a:p>
-            <a:pPr marL="914400" indent="-342720">
+              <a:t>Detection of line through hough lines by keeping voting threshold.</a:t>
+            </a:r>
+            <a:endParaRPr b="0" lang="en-IN" sz="1800" spc="-1" strike="noStrike">
+              <a:solidFill>
+                <a:srgbClr val="000000"/>
+              </a:solidFill>
+              <a:uFill>
+                <a:solidFill>
+                  <a:srgbClr val="ffffff"/>
+                </a:solidFill>
+              </a:uFill>
+              <a:latin typeface="Arial"/>
+            </a:endParaRPr>
+          </a:p>
+          <a:p>
+            <a:pPr marL="914400" indent="-342360">
               <a:lnSpc>
                 <a:spcPct val="100000"/>
               </a:lnSpc>
@@ -5226,9 +5283,47 @@
                 <a:latin typeface="Arial"/>
                 <a:ea typeface="Arial"/>
               </a:rPr>
+              <a:t>Compute of intersection between each pair of straight lines.</a:t>
+            </a:r>
+            <a:endParaRPr b="0" lang="en-IN" sz="1800" spc="-1" strike="noStrike">
+              <a:solidFill>
+                <a:srgbClr val="000000"/>
+              </a:solidFill>
+              <a:uFill>
+                <a:solidFill>
+                  <a:srgbClr val="ffffff"/>
+                </a:solidFill>
+              </a:uFill>
+              <a:latin typeface="Arial"/>
+            </a:endParaRPr>
+          </a:p>
+          <a:p>
+            <a:pPr marL="914400" indent="-342360">
+              <a:lnSpc>
+                <a:spcPct val="100000"/>
+              </a:lnSpc>
+              <a:buClr>
+                <a:srgbClr val="595959"/>
+              </a:buClr>
+              <a:buFont typeface="StarSymbol"/>
+              <a:buAutoNum type="arabicPeriod"/>
+            </a:pPr>
+            <a:r>
+              <a:rPr b="0" lang="en-IN" sz="1800" spc="-1" strike="noStrike">
+                <a:solidFill>
+                  <a:srgbClr val="595959"/>
+                </a:solidFill>
+                <a:uFill>
+                  <a:solidFill>
+                    <a:srgbClr val="ffffff"/>
+                  </a:solidFill>
+                </a:uFill>
+                <a:latin typeface="Arial"/>
+                <a:ea typeface="Arial"/>
+              </a:rPr>
               <a:t>The Vanishing Point is chosen as the intersection point with the greatest number of intersections around it, while the vanishing lines detected are the main straight lines passing close to Vanishing Point.</a:t>
             </a:r>
-            <a:endParaRPr b="0" lang="en-IN" sz="1400" spc="-1" strike="noStrike">
+            <a:endParaRPr b="0" lang="en-IN" sz="1800" spc="-1" strike="noStrike">
               <a:solidFill>
                 <a:srgbClr val="000000"/>
               </a:solidFill>
@@ -5246,7 +5341,7 @@
                 <a:spcPct val="100000"/>
               </a:lnSpc>
             </a:pPr>
-            <a:endParaRPr b="0" lang="en-IN" sz="1400" spc="-1" strike="noStrike">
+            <a:endParaRPr b="0" lang="en-IN" sz="1800" spc="-1" strike="noStrike">
               <a:solidFill>
                 <a:srgbClr val="000000"/>
               </a:solidFill>
@@ -5262,6 +5357,33 @@
       </p:sp>
     </p:spTree>
   </p:cSld>
+  <p:timing>
+    <p:tnLst>
+      <p:par>
+        <p:cTn id="25" dur="indefinite" restart="never" nodeType="tmRoot">
+          <p:childTnLst>
+            <p:seq>
+              <p:cTn id="26" nodeType="mainSeq"/>
+              <p:prevCondLst>
+                <p:cond delay="0" evt="onPrev">
+                  <p:tgtEl>
+                    <p:sldTgt/>
+                  </p:tgtEl>
+                </p:cond>
+              </p:prevCondLst>
+              <p:nextCondLst>
+                <p:cond delay="0" evt="onNext">
+                  <p:tgtEl>
+                    <p:sldTgt/>
+                  </p:tgtEl>
+                </p:cond>
+              </p:nextCondLst>
+            </p:seq>
+          </p:childTnLst>
+        </p:cTn>
+      </p:par>
+    </p:tnLst>
+  </p:timing>
 </p:sld>
 </file>
 
@@ -5284,7 +5406,7 @@
       </p:grpSpPr>
       <p:pic>
         <p:nvPicPr>
-          <p:cNvPr id="111" name="Shape 143" descr=""/>
+          <p:cNvPr id="109" name="Shape 143" descr=""/>
           <p:cNvPicPr/>
           <p:nvPr/>
         </p:nvPicPr>
@@ -5295,7 +5417,7 @@
         <p:spPr>
           <a:xfrm>
             <a:off x="0" y="259560"/>
-            <a:ext cx="3418200" cy="2060280"/>
+            <a:ext cx="3417840" cy="2059920"/>
           </a:xfrm>
           <a:prstGeom prst="rect">
             <a:avLst/>
@@ -5307,7 +5429,7 @@
       </p:pic>
       <p:pic>
         <p:nvPicPr>
-          <p:cNvPr id="112" name="Shape 144" descr=""/>
+          <p:cNvPr id="110" name="Shape 144" descr=""/>
           <p:cNvPicPr/>
           <p:nvPr/>
         </p:nvPicPr>
@@ -5318,7 +5440,7 @@
         <p:spPr>
           <a:xfrm>
             <a:off x="2922120" y="259560"/>
-            <a:ext cx="3299400" cy="1979640"/>
+            <a:ext cx="3299040" cy="1979280"/>
           </a:xfrm>
           <a:prstGeom prst="rect">
             <a:avLst/>
@@ -5330,7 +5452,7 @@
       </p:pic>
       <p:pic>
         <p:nvPicPr>
-          <p:cNvPr id="113" name="Shape 145" descr=""/>
+          <p:cNvPr id="111" name="Shape 145" descr=""/>
           <p:cNvPicPr/>
           <p:nvPr/>
         </p:nvPicPr>
@@ -5341,7 +5463,7 @@
         <p:spPr>
           <a:xfrm>
             <a:off x="5941440" y="259560"/>
-            <a:ext cx="3202200" cy="1899720"/>
+            <a:ext cx="3201840" cy="1899360"/>
           </a:xfrm>
           <a:prstGeom prst="rect">
             <a:avLst/>
@@ -5353,7 +5475,7 @@
       </p:pic>
       <p:pic>
         <p:nvPicPr>
-          <p:cNvPr id="114" name="Shape 146" descr=""/>
+          <p:cNvPr id="112" name="Shape 146" descr=""/>
           <p:cNvPicPr/>
           <p:nvPr/>
         </p:nvPicPr>
@@ -5364,7 +5486,7 @@
         <p:spPr>
           <a:xfrm>
             <a:off x="6221880" y="2762280"/>
-            <a:ext cx="2802960" cy="1780920"/>
+            <a:ext cx="2802600" cy="1780560"/>
           </a:xfrm>
           <a:prstGeom prst="rect">
             <a:avLst/>
@@ -5376,7 +5498,7 @@
       </p:pic>
       <p:pic>
         <p:nvPicPr>
-          <p:cNvPr id="115" name="Shape 147" descr=""/>
+          <p:cNvPr id="113" name="Shape 147" descr=""/>
           <p:cNvPicPr/>
           <p:nvPr/>
         </p:nvPicPr>
@@ -5387,7 +5509,7 @@
         <p:spPr>
           <a:xfrm>
             <a:off x="0" y="2762280"/>
-            <a:ext cx="3202200" cy="1977840"/>
+            <a:ext cx="3201840" cy="1977480"/>
           </a:xfrm>
           <a:prstGeom prst="rect">
             <a:avLst/>
@@ -5399,7 +5521,7 @@
       </p:pic>
       <p:pic>
         <p:nvPicPr>
-          <p:cNvPr id="116" name="Shape 148" descr=""/>
+          <p:cNvPr id="114" name="Shape 148" descr=""/>
           <p:cNvPicPr/>
           <p:nvPr/>
         </p:nvPicPr>
@@ -5410,7 +5532,7 @@
         <p:spPr>
           <a:xfrm>
             <a:off x="3004560" y="2712240"/>
-            <a:ext cx="3166560" cy="1899720"/>
+            <a:ext cx="3166200" cy="1899360"/>
           </a:xfrm>
           <a:prstGeom prst="rect">
             <a:avLst/>
@@ -5422,6 +5544,33 @@
       </p:pic>
     </p:spTree>
   </p:cSld>
+  <p:timing>
+    <p:tnLst>
+      <p:par>
+        <p:cTn id="27" dur="indefinite" restart="never" nodeType="tmRoot">
+          <p:childTnLst>
+            <p:seq>
+              <p:cTn id="28" nodeType="mainSeq"/>
+              <p:prevCondLst>
+                <p:cond delay="0" evt="onPrev">
+                  <p:tgtEl>
+                    <p:sldTgt/>
+                  </p:tgtEl>
+                </p:cond>
+              </p:prevCondLst>
+              <p:nextCondLst>
+                <p:cond delay="0" evt="onNext">
+                  <p:tgtEl>
+                    <p:sldTgt/>
+                  </p:tgtEl>
+                </p:cond>
+              </p:nextCondLst>
+            </p:seq>
+          </p:childTnLst>
+        </p:cTn>
+      </p:par>
+    </p:tnLst>
+  </p:timing>
 </p:sld>
 </file>
 
@@ -5444,14 +5593,14 @@
       </p:grpSpPr>
       <p:sp>
         <p:nvSpPr>
-          <p:cNvPr id="117" name="TextShape 1"/>
-          <p:cNvSpPr txBox="1"/>
+          <p:cNvPr id="115" name="CustomShape 1"/>
+          <p:cNvSpPr/>
           <p:nvPr/>
         </p:nvSpPr>
         <p:spPr>
           <a:xfrm>
             <a:off x="311760" y="444960"/>
-            <a:ext cx="8520120" cy="572400"/>
+            <a:ext cx="8519760" cy="572040"/>
           </a:xfrm>
           <a:prstGeom prst="rect">
             <a:avLst/>
@@ -5461,8 +5610,14 @@
             <a:noFill/>
           </a:ln>
         </p:spPr>
+        <p:style>
+          <a:lnRef idx="0"/>
+          <a:fillRef idx="0"/>
+          <a:effectRef idx="0"/>
+          <a:fontRef idx="minor"/>
+        </p:style>
         <p:txBody>
-          <a:bodyPr tIns="91440" bIns="91440"/>
+          <a:bodyPr lIns="90000" rIns="90000" tIns="91440" bIns="91440"/>
           <a:p>
             <a:pPr>
               <a:lnSpc>
@@ -5484,7 +5639,7 @@
               </a:rPr>
               <a:t>Gradient Plane generation  and  Depth gradient Assignment:</a:t>
             </a:r>
-            <a:endParaRPr b="0" lang="en-IN" sz="1400" spc="-1" strike="noStrike">
+            <a:endParaRPr b="0" lang="en-IN" sz="1800" spc="-1" strike="noStrike">
               <a:solidFill>
                 <a:srgbClr val="000000"/>
               </a:solidFill>
@@ -5500,7 +5655,7 @@
       </p:sp>
       <p:pic>
         <p:nvPicPr>
-          <p:cNvPr id="118" name="Shape 154" descr=""/>
+          <p:cNvPr id="116" name="Shape 154" descr=""/>
           <p:cNvPicPr/>
           <p:nvPr/>
         </p:nvPicPr>
@@ -5511,7 +5666,7 @@
         <p:spPr>
           <a:xfrm>
             <a:off x="1075680" y="1174680"/>
-            <a:ext cx="6775200" cy="2979360"/>
+            <a:ext cx="6774840" cy="2979000"/>
           </a:xfrm>
           <a:prstGeom prst="rect">
             <a:avLst/>
@@ -5523,6 +5678,33 @@
       </p:pic>
     </p:spTree>
   </p:cSld>
+  <p:timing>
+    <p:tnLst>
+      <p:par>
+        <p:cTn id="29" dur="indefinite" restart="never" nodeType="tmRoot">
+          <p:childTnLst>
+            <p:seq>
+              <p:cTn id="30" nodeType="mainSeq"/>
+              <p:prevCondLst>
+                <p:cond delay="0" evt="onPrev">
+                  <p:tgtEl>
+                    <p:sldTgt/>
+                  </p:tgtEl>
+                </p:cond>
+              </p:prevCondLst>
+              <p:nextCondLst>
+                <p:cond delay="0" evt="onNext">
+                  <p:tgtEl>
+                    <p:sldTgt/>
+                  </p:tgtEl>
+                </p:cond>
+              </p:nextCondLst>
+            </p:seq>
+          </p:childTnLst>
+        </p:cTn>
+      </p:par>
+    </p:tnLst>
+  </p:timing>
 </p:sld>
 </file>
 
@@ -5545,14 +5727,14 @@
       </p:grpSpPr>
       <p:sp>
         <p:nvSpPr>
-          <p:cNvPr id="119" name="TextShape 1"/>
-          <p:cNvSpPr txBox="1"/>
+          <p:cNvPr id="117" name="CustomShape 1"/>
+          <p:cNvSpPr/>
           <p:nvPr/>
         </p:nvSpPr>
         <p:spPr>
           <a:xfrm>
             <a:off x="311760" y="444960"/>
-            <a:ext cx="8520120" cy="572400"/>
+            <a:ext cx="8519760" cy="572040"/>
           </a:xfrm>
           <a:prstGeom prst="rect">
             <a:avLst/>
@@ -5562,8 +5744,14 @@
             <a:noFill/>
           </a:ln>
         </p:spPr>
+        <p:style>
+          <a:lnRef idx="0"/>
+          <a:fillRef idx="0"/>
+          <a:effectRef idx="0"/>
+          <a:fontRef idx="minor"/>
+        </p:style>
         <p:txBody>
-          <a:bodyPr tIns="91440" bIns="91440"/>
+          <a:bodyPr lIns="90000" rIns="90000" tIns="91440" bIns="91440"/>
           <a:p>
             <a:pPr>
               <a:lnSpc>
@@ -5585,7 +5773,7 @@
               </a:rPr>
               <a:t>Results:</a:t>
             </a:r>
-            <a:endParaRPr b="0" lang="en-IN" sz="1400" spc="-1" strike="noStrike">
+            <a:endParaRPr b="0" lang="en-IN" sz="1800" spc="-1" strike="noStrike">
               <a:solidFill>
                 <a:srgbClr val="000000"/>
               </a:solidFill>
@@ -5601,7 +5789,7 @@
       </p:sp>
       <p:pic>
         <p:nvPicPr>
-          <p:cNvPr id="120" name="Shape 160" descr=""/>
+          <p:cNvPr id="118" name="Shape 160" descr=""/>
           <p:cNvPicPr/>
           <p:nvPr/>
         </p:nvPicPr>
@@ -5612,7 +5800,7 @@
         <p:spPr>
           <a:xfrm>
             <a:off x="0" y="1143000"/>
-            <a:ext cx="4970160" cy="4000320"/>
+            <a:ext cx="4969800" cy="3999960"/>
           </a:xfrm>
           <a:prstGeom prst="rect">
             <a:avLst/>
@@ -5624,7 +5812,7 @@
       </p:pic>
       <p:pic>
         <p:nvPicPr>
-          <p:cNvPr id="121" name="Shape 161" descr=""/>
+          <p:cNvPr id="119" name="Shape 161" descr=""/>
           <p:cNvPicPr/>
           <p:nvPr/>
         </p:nvPicPr>
@@ -5635,7 +5823,7 @@
         <p:spPr>
           <a:xfrm>
             <a:off x="4587120" y="0"/>
-            <a:ext cx="4556520" cy="4066920"/>
+            <a:ext cx="4556160" cy="4066560"/>
           </a:xfrm>
           <a:prstGeom prst="rect">
             <a:avLst/>
@@ -5647,6 +5835,33 @@
       </p:pic>
     </p:spTree>
   </p:cSld>
+  <p:timing>
+    <p:tnLst>
+      <p:par>
+        <p:cTn id="31" dur="indefinite" restart="never" nodeType="tmRoot">
+          <p:childTnLst>
+            <p:seq>
+              <p:cTn id="32" nodeType="mainSeq"/>
+              <p:prevCondLst>
+                <p:cond delay="0" evt="onPrev">
+                  <p:tgtEl>
+                    <p:sldTgt/>
+                  </p:tgtEl>
+                </p:cond>
+              </p:prevCondLst>
+              <p:nextCondLst>
+                <p:cond delay="0" evt="onNext">
+                  <p:tgtEl>
+                    <p:sldTgt/>
+                  </p:tgtEl>
+                </p:cond>
+              </p:nextCondLst>
+            </p:seq>
+          </p:childTnLst>
+        </p:cTn>
+      </p:par>
+    </p:tnLst>
+  </p:timing>
 </p:sld>
 </file>
 
@@ -5669,7 +5884,7 @@
       </p:grpSpPr>
       <p:pic>
         <p:nvPicPr>
-          <p:cNvPr id="122" name="Shape 166" descr=""/>
+          <p:cNvPr id="120" name="Shape 166" descr=""/>
           <p:cNvPicPr/>
           <p:nvPr/>
         </p:nvPicPr>
@@ -5680,7 +5895,7 @@
         <p:spPr>
           <a:xfrm>
             <a:off x="0" y="0"/>
-            <a:ext cx="4537440" cy="3933360"/>
+            <a:ext cx="4537080" cy="3933000"/>
           </a:xfrm>
           <a:prstGeom prst="rect">
             <a:avLst/>
@@ -5692,7 +5907,7 @@
       </p:pic>
       <p:pic>
         <p:nvPicPr>
-          <p:cNvPr id="123" name="Shape 167" descr=""/>
+          <p:cNvPr id="121" name="Shape 167" descr=""/>
           <p:cNvPicPr/>
           <p:nvPr/>
         </p:nvPicPr>
@@ -5703,7 +5918,7 @@
         <p:spPr>
           <a:xfrm>
             <a:off x="4203720" y="1143000"/>
-            <a:ext cx="4939920" cy="4000320"/>
+            <a:ext cx="4939560" cy="3999960"/>
           </a:xfrm>
           <a:prstGeom prst="rect">
             <a:avLst/>
@@ -5715,6 +5930,33 @@
       </p:pic>
     </p:spTree>
   </p:cSld>
+  <p:timing>
+    <p:tnLst>
+      <p:par>
+        <p:cTn id="33" dur="indefinite" restart="never" nodeType="tmRoot">
+          <p:childTnLst>
+            <p:seq>
+              <p:cTn id="34" nodeType="mainSeq"/>
+              <p:prevCondLst>
+                <p:cond delay="0" evt="onPrev">
+                  <p:tgtEl>
+                    <p:sldTgt/>
+                  </p:tgtEl>
+                </p:cond>
+              </p:prevCondLst>
+              <p:nextCondLst>
+                <p:cond delay="0" evt="onNext">
+                  <p:tgtEl>
+                    <p:sldTgt/>
+                  </p:tgtEl>
+                </p:cond>
+              </p:nextCondLst>
+            </p:seq>
+          </p:childTnLst>
+        </p:cTn>
+      </p:par>
+    </p:tnLst>
+  </p:timing>
 </p:sld>
 </file>
 
@@ -5737,14 +5979,14 @@
       </p:grpSpPr>
       <p:sp>
         <p:nvSpPr>
-          <p:cNvPr id="124" name="TextShape 1"/>
-          <p:cNvSpPr txBox="1"/>
+          <p:cNvPr id="122" name="CustomShape 1"/>
+          <p:cNvSpPr/>
           <p:nvPr/>
         </p:nvSpPr>
         <p:spPr>
           <a:xfrm>
             <a:off x="311760" y="444960"/>
-            <a:ext cx="8520120" cy="572400"/>
+            <a:ext cx="8519760" cy="572040"/>
           </a:xfrm>
           <a:prstGeom prst="rect">
             <a:avLst/>
@@ -5754,8 +5996,14 @@
             <a:noFill/>
           </a:ln>
         </p:spPr>
+        <p:style>
+          <a:lnRef idx="0"/>
+          <a:fillRef idx="0"/>
+          <a:effectRef idx="0"/>
+          <a:fontRef idx="minor"/>
+        </p:style>
         <p:txBody>
-          <a:bodyPr tIns="91440" bIns="91440"/>
+          <a:bodyPr lIns="90000" rIns="90000" tIns="91440" bIns="91440"/>
           <a:p>
             <a:pPr>
               <a:lnSpc>
@@ -5777,7 +6025,7 @@
               </a:rPr>
               <a:t>Fusion of Geometric and Qualitative Depth Maps:</a:t>
             </a:r>
-            <a:endParaRPr b="0" lang="en-IN" sz="1400" spc="-1" strike="noStrike">
+            <a:endParaRPr b="0" lang="en-IN" sz="1800" spc="-1" strike="noStrike">
               <a:solidFill>
                 <a:srgbClr val="000000"/>
               </a:solidFill>
@@ -5793,14 +6041,14 @@
       </p:sp>
       <p:sp>
         <p:nvSpPr>
-          <p:cNvPr id="125" name="TextShape 2"/>
-          <p:cNvSpPr txBox="1"/>
+          <p:cNvPr id="123" name="CustomShape 2"/>
+          <p:cNvSpPr/>
           <p:nvPr/>
         </p:nvSpPr>
         <p:spPr>
           <a:xfrm>
             <a:off x="311760" y="1152360"/>
-            <a:ext cx="8520120" cy="3701160"/>
+            <a:ext cx="8519760" cy="3700800"/>
           </a:xfrm>
           <a:prstGeom prst="rect">
             <a:avLst/>
@@ -5810,8 +6058,14 @@
             <a:noFill/>
           </a:ln>
         </p:spPr>
+        <p:style>
+          <a:lnRef idx="0"/>
+          <a:fillRef idx="0"/>
+          <a:effectRef idx="0"/>
+          <a:fontRef idx="minor"/>
+        </p:style>
         <p:txBody>
-          <a:bodyPr tIns="91440" bIns="91440"/>
+          <a:bodyPr lIns="90000" rIns="90000" tIns="91440" bIns="91440"/>
           <a:p>
             <a:pPr>
               <a:lnSpc>
@@ -5833,7 +6087,7 @@
               </a:rPr>
               <a:t>The Fusion depends on the image classification:</a:t>
             </a:r>
-            <a:endParaRPr b="0" lang="en-IN" sz="1400" spc="-1" strike="noStrike">
+            <a:endParaRPr b="0" lang="en-IN" sz="1800" spc="-1" strike="noStrike">
               <a:solidFill>
                 <a:srgbClr val="000000"/>
               </a:solidFill>
@@ -5851,20 +6105,20 @@
                 <a:spcPct val="100000"/>
               </a:lnSpc>
             </a:pPr>
-            <a:endParaRPr b="0" lang="en-IN" sz="1400" spc="-1" strike="noStrike">
-              <a:solidFill>
-                <a:srgbClr val="000000"/>
-              </a:solidFill>
-              <a:uFill>
-                <a:solidFill>
-                  <a:srgbClr val="ffffff"/>
-                </a:solidFill>
-              </a:uFill>
-              <a:latin typeface="Arial"/>
-            </a:endParaRPr>
-          </a:p>
-          <a:p>
-            <a:pPr marL="457200" indent="-329760">
+            <a:endParaRPr b="0" lang="en-IN" sz="1800" spc="-1" strike="noStrike">
+              <a:solidFill>
+                <a:srgbClr val="000000"/>
+              </a:solidFill>
+              <a:uFill>
+                <a:solidFill>
+                  <a:srgbClr val="ffffff"/>
+                </a:solidFill>
+              </a:uFill>
+              <a:latin typeface="Arial"/>
+            </a:endParaRPr>
+          </a:p>
+          <a:p>
+            <a:pPr marL="457200" indent="-329400">
               <a:lnSpc>
                 <a:spcPct val="100000"/>
               </a:lnSpc>
@@ -5889,20 +6143,20 @@
               </a:rPr>
               <a:t>If the image belongs to the indoor category then M(x,y) coincides with M1(x,y):</a:t>
             </a:r>
-            <a:endParaRPr b="0" lang="en-IN" sz="1400" spc="-1" strike="noStrike">
-              <a:solidFill>
-                <a:srgbClr val="000000"/>
-              </a:solidFill>
-              <a:uFill>
-                <a:solidFill>
-                  <a:srgbClr val="ffffff"/>
-                </a:solidFill>
-              </a:uFill>
-              <a:latin typeface="Arial"/>
-            </a:endParaRPr>
-          </a:p>
-          <a:p>
-            <a:pPr lvl="1" marL="914400" indent="-329760">
+            <a:endParaRPr b="0" lang="en-IN" sz="1800" spc="-1" strike="noStrike">
+              <a:solidFill>
+                <a:srgbClr val="000000"/>
+              </a:solidFill>
+              <a:uFill>
+                <a:solidFill>
+                  <a:srgbClr val="ffffff"/>
+                </a:solidFill>
+              </a:uFill>
+              <a:latin typeface="Arial"/>
+            </a:endParaRPr>
+          </a:p>
+          <a:p>
+            <a:pPr lvl="1" marL="914400" indent="-329400">
               <a:lnSpc>
                 <a:spcPct val="100000"/>
               </a:lnSpc>
@@ -5942,20 +6196,20 @@
               </a:rPr>
               <a:t>M(x,y) = M1(x,y) ∀(x,y) : 0&lt;=x&lt;=W-1 0&lt;=y&lt;=H-1.</a:t>
             </a:r>
-            <a:endParaRPr b="0" lang="en-IN" sz="1400" spc="-1" strike="noStrike">
-              <a:solidFill>
-                <a:srgbClr val="000000"/>
-              </a:solidFill>
-              <a:uFill>
-                <a:solidFill>
-                  <a:srgbClr val="ffffff"/>
-                </a:solidFill>
-              </a:uFill>
-              <a:latin typeface="Arial"/>
-            </a:endParaRPr>
-          </a:p>
-          <a:p>
-            <a:pPr marL="457200" indent="-329760">
+            <a:endParaRPr b="0" lang="en-IN" sz="1800" spc="-1" strike="noStrike">
+              <a:solidFill>
+                <a:srgbClr val="000000"/>
+              </a:solidFill>
+              <a:uFill>
+                <a:solidFill>
+                  <a:srgbClr val="ffffff"/>
+                </a:solidFill>
+              </a:uFill>
+              <a:latin typeface="Arial"/>
+            </a:endParaRPr>
+          </a:p>
+          <a:p>
+            <a:pPr marL="457200" indent="-329400">
               <a:lnSpc>
                 <a:spcPct val="100000"/>
               </a:lnSpc>
@@ -5980,20 +6234,20 @@
               </a:rPr>
               <a:t>If the image is classified as Outdoor with absence of meaningful geometric components (landscape) then the image M(x,y) is obtained as follows:</a:t>
             </a:r>
-            <a:endParaRPr b="0" lang="en-IN" sz="1400" spc="-1" strike="noStrike">
-              <a:solidFill>
-                <a:srgbClr val="000000"/>
-              </a:solidFill>
-              <a:uFill>
-                <a:solidFill>
-                  <a:srgbClr val="ffffff"/>
-                </a:solidFill>
-              </a:uFill>
-              <a:latin typeface="Arial"/>
-            </a:endParaRPr>
-          </a:p>
-          <a:p>
-            <a:pPr lvl="1" marL="914400" indent="-329760">
+            <a:endParaRPr b="0" lang="en-IN" sz="1800" spc="-1" strike="noStrike">
+              <a:solidFill>
+                <a:srgbClr val="000000"/>
+              </a:solidFill>
+              <a:uFill>
+                <a:solidFill>
+                  <a:srgbClr val="ffffff"/>
+                </a:solidFill>
+              </a:uFill>
+              <a:latin typeface="Arial"/>
+            </a:endParaRPr>
+          </a:p>
+          <a:p>
+            <a:pPr lvl="1" marL="914400" indent="-329400">
               <a:lnSpc>
                 <a:spcPct val="100000"/>
               </a:lnSpc>
@@ -6018,20 +6272,20 @@
               </a:rPr>
               <a:t>M(x,y) = M1(x,y)∀(x,y)∈Land and ∀(x,y) ∈ Other</a:t>
             </a:r>
-            <a:endParaRPr b="0" lang="en-IN" sz="1400" spc="-1" strike="noStrike">
-              <a:solidFill>
-                <a:srgbClr val="000000"/>
-              </a:solidFill>
-              <a:uFill>
-                <a:solidFill>
-                  <a:srgbClr val="ffffff"/>
-                </a:solidFill>
-              </a:uFill>
-              <a:latin typeface="Arial"/>
-            </a:endParaRPr>
-          </a:p>
-          <a:p>
-            <a:pPr lvl="1" marL="914400" indent="-329760">
+            <a:endParaRPr b="0" lang="en-IN" sz="1800" spc="-1" strike="noStrike">
+              <a:solidFill>
+                <a:srgbClr val="000000"/>
+              </a:solidFill>
+              <a:uFill>
+                <a:solidFill>
+                  <a:srgbClr val="ffffff"/>
+                </a:solidFill>
+              </a:uFill>
+              <a:latin typeface="Arial"/>
+            </a:endParaRPr>
+          </a:p>
+          <a:p>
+            <a:pPr lvl="1" marL="914400" indent="-329400">
               <a:lnSpc>
                 <a:spcPct val="100000"/>
               </a:lnSpc>
@@ -6056,20 +6310,20 @@
               </a:rPr>
               <a:t>M(x,y) = M2(x,y) ∀(x,y)∉Land and ∀(x,y) ∉ Other</a:t>
             </a:r>
-            <a:endParaRPr b="0" lang="en-IN" sz="1400" spc="-1" strike="noStrike">
-              <a:solidFill>
-                <a:srgbClr val="000000"/>
-              </a:solidFill>
-              <a:uFill>
-                <a:solidFill>
-                  <a:srgbClr val="ffffff"/>
-                </a:solidFill>
-              </a:uFill>
-              <a:latin typeface="Arial"/>
-            </a:endParaRPr>
-          </a:p>
-          <a:p>
-            <a:pPr marL="457200" indent="-329760">
+            <a:endParaRPr b="0" lang="en-IN" sz="1800" spc="-1" strike="noStrike">
+              <a:solidFill>
+                <a:srgbClr val="000000"/>
+              </a:solidFill>
+              <a:uFill>
+                <a:solidFill>
+                  <a:srgbClr val="ffffff"/>
+                </a:solidFill>
+              </a:uFill>
+              <a:latin typeface="Arial"/>
+            </a:endParaRPr>
+          </a:p>
+          <a:p>
+            <a:pPr marL="457200" indent="-329400">
               <a:lnSpc>
                 <a:spcPct val="100000"/>
               </a:lnSpc>
@@ -6094,20 +6348,20 @@
               </a:rPr>
               <a:t>If the image is classified as Outdoor with geometric characteristics then the image M(x,y) is obtained as follows:</a:t>
             </a:r>
-            <a:endParaRPr b="0" lang="en-IN" sz="1400" spc="-1" strike="noStrike">
-              <a:solidFill>
-                <a:srgbClr val="000000"/>
-              </a:solidFill>
-              <a:uFill>
-                <a:solidFill>
-                  <a:srgbClr val="ffffff"/>
-                </a:solidFill>
-              </a:uFill>
-              <a:latin typeface="Arial"/>
-            </a:endParaRPr>
-          </a:p>
-          <a:p>
-            <a:pPr lvl="1" marL="914400" indent="-329760">
+            <a:endParaRPr b="0" lang="en-IN" sz="1800" spc="-1" strike="noStrike">
+              <a:solidFill>
+                <a:srgbClr val="000000"/>
+              </a:solidFill>
+              <a:uFill>
+                <a:solidFill>
+                  <a:srgbClr val="ffffff"/>
+                </a:solidFill>
+              </a:uFill>
+              <a:latin typeface="Arial"/>
+            </a:endParaRPr>
+          </a:p>
+          <a:p>
+            <a:pPr lvl="1" marL="914400" indent="-329400">
               <a:lnSpc>
                 <a:spcPct val="100000"/>
               </a:lnSpc>
@@ -6132,20 +6386,20 @@
               </a:rPr>
               <a:t>M(x,y) = M2(x,y) ∀(x,y) ∈Sky.</a:t>
             </a:r>
-            <a:endParaRPr b="0" lang="en-IN" sz="1400" spc="-1" strike="noStrike">
-              <a:solidFill>
-                <a:srgbClr val="000000"/>
-              </a:solidFill>
-              <a:uFill>
-                <a:solidFill>
-                  <a:srgbClr val="ffffff"/>
-                </a:solidFill>
-              </a:uFill>
-              <a:latin typeface="Arial"/>
-            </a:endParaRPr>
-          </a:p>
-          <a:p>
-            <a:pPr lvl="1" marL="914400" indent="-329760">
+            <a:endParaRPr b="0" lang="en-IN" sz="1800" spc="-1" strike="noStrike">
+              <a:solidFill>
+                <a:srgbClr val="000000"/>
+              </a:solidFill>
+              <a:uFill>
+                <a:solidFill>
+                  <a:srgbClr val="ffffff"/>
+                </a:solidFill>
+              </a:uFill>
+              <a:latin typeface="Arial"/>
+            </a:endParaRPr>
+          </a:p>
+          <a:p>
+            <a:pPr lvl="1" marL="914400" indent="-329400">
               <a:lnSpc>
                 <a:spcPct val="100000"/>
               </a:lnSpc>
@@ -6170,7 +6424,7 @@
               </a:rPr>
               <a:t>M(x,y) = M1(x,y) ∀(x,y) ∉Sky.</a:t>
             </a:r>
-            <a:endParaRPr b="0" lang="en-IN" sz="1400" spc="-1" strike="noStrike">
+            <a:endParaRPr b="0" lang="en-IN" sz="1800" spc="-1" strike="noStrike">
               <a:solidFill>
                 <a:srgbClr val="000000"/>
               </a:solidFill>
@@ -6203,7 +6457,7 @@
               </a:rPr>
               <a:t>Where M1(x,y) is Geometric DepthMap and M2(x,y) is Qualitative DepthMap</a:t>
             </a:r>
-            <a:endParaRPr b="0" lang="en-IN" sz="1400" spc="-1" strike="noStrike">
+            <a:endParaRPr b="0" lang="en-IN" sz="1800" spc="-1" strike="noStrike">
               <a:solidFill>
                 <a:srgbClr val="000000"/>
               </a:solidFill>
@@ -6219,6 +6473,33 @@
       </p:sp>
     </p:spTree>
   </p:cSld>
+  <p:timing>
+    <p:tnLst>
+      <p:par>
+        <p:cTn id="35" dur="indefinite" restart="never" nodeType="tmRoot">
+          <p:childTnLst>
+            <p:seq>
+              <p:cTn id="36" nodeType="mainSeq"/>
+              <p:prevCondLst>
+                <p:cond delay="0" evt="onPrev">
+                  <p:tgtEl>
+                    <p:sldTgt/>
+                  </p:tgtEl>
+                </p:cond>
+              </p:prevCondLst>
+              <p:nextCondLst>
+                <p:cond delay="0" evt="onNext">
+                  <p:tgtEl>
+                    <p:sldTgt/>
+                  </p:tgtEl>
+                </p:cond>
+              </p:nextCondLst>
+            </p:seq>
+          </p:childTnLst>
+        </p:cTn>
+      </p:par>
+    </p:tnLst>
+  </p:timing>
 </p:sld>
 </file>
 
@@ -6241,14 +6522,14 @@
       </p:grpSpPr>
       <p:sp>
         <p:nvSpPr>
-          <p:cNvPr id="126" name="TextShape 1"/>
-          <p:cNvSpPr txBox="1"/>
+          <p:cNvPr id="124" name="CustomShape 1"/>
+          <p:cNvSpPr/>
           <p:nvPr/>
         </p:nvSpPr>
         <p:spPr>
           <a:xfrm>
             <a:off x="311760" y="444960"/>
-            <a:ext cx="8520120" cy="572400"/>
+            <a:ext cx="8519760" cy="572040"/>
           </a:xfrm>
           <a:prstGeom prst="rect">
             <a:avLst/>
@@ -6258,8 +6539,14 @@
             <a:noFill/>
           </a:ln>
         </p:spPr>
+        <p:style>
+          <a:lnRef idx="0"/>
+          <a:fillRef idx="0"/>
+          <a:effectRef idx="0"/>
+          <a:fontRef idx="minor"/>
+        </p:style>
         <p:txBody>
-          <a:bodyPr tIns="91440" bIns="91440"/>
+          <a:bodyPr lIns="90000" rIns="90000" tIns="91440" bIns="91440"/>
           <a:p>
             <a:pPr>
               <a:lnSpc>
@@ -6281,7 +6568,7 @@
               </a:rPr>
               <a:t>Final Results:</a:t>
             </a:r>
-            <a:endParaRPr b="0" lang="en-IN" sz="1400" spc="-1" strike="noStrike">
+            <a:endParaRPr b="0" lang="en-IN" sz="1800" spc="-1" strike="noStrike">
               <a:solidFill>
                 <a:srgbClr val="000000"/>
               </a:solidFill>
@@ -6297,7 +6584,7 @@
       </p:sp>
       <p:pic>
         <p:nvPicPr>
-          <p:cNvPr id="127" name="Shape 179" descr=""/>
+          <p:cNvPr id="125" name="Shape 179" descr=""/>
           <p:cNvPicPr/>
           <p:nvPr/>
         </p:nvPicPr>
@@ -6308,7 +6595,7 @@
         <p:spPr>
           <a:xfrm>
             <a:off x="1869840" y="1090440"/>
-            <a:ext cx="5403600" cy="4052520"/>
+            <a:ext cx="5403240" cy="4052160"/>
           </a:xfrm>
           <a:prstGeom prst="rect">
             <a:avLst/>
@@ -6320,6 +6607,33 @@
       </p:pic>
     </p:spTree>
   </p:cSld>
+  <p:timing>
+    <p:tnLst>
+      <p:par>
+        <p:cTn id="37" dur="indefinite" restart="never" nodeType="tmRoot">
+          <p:childTnLst>
+            <p:seq>
+              <p:cTn id="38" nodeType="mainSeq"/>
+              <p:prevCondLst>
+                <p:cond delay="0" evt="onPrev">
+                  <p:tgtEl>
+                    <p:sldTgt/>
+                  </p:tgtEl>
+                </p:cond>
+              </p:prevCondLst>
+              <p:nextCondLst>
+                <p:cond delay="0" evt="onNext">
+                  <p:tgtEl>
+                    <p:sldTgt/>
+                  </p:tgtEl>
+                </p:cond>
+              </p:nextCondLst>
+            </p:seq>
+          </p:childTnLst>
+        </p:cTn>
+      </p:par>
+    </p:tnLst>
+  </p:timing>
 </p:sld>
 </file>
 
@@ -6342,14 +6656,14 @@
       </p:grpSpPr>
       <p:sp>
         <p:nvSpPr>
-          <p:cNvPr id="76" name="TextShape 1"/>
-          <p:cNvSpPr txBox="1"/>
+          <p:cNvPr id="74" name="CustomShape 1"/>
+          <p:cNvSpPr/>
           <p:nvPr/>
         </p:nvSpPr>
         <p:spPr>
           <a:xfrm>
             <a:off x="311760" y="444960"/>
-            <a:ext cx="8520120" cy="572400"/>
+            <a:ext cx="8519760" cy="572040"/>
           </a:xfrm>
           <a:prstGeom prst="rect">
             <a:avLst/>
@@ -6359,8 +6673,14 @@
             <a:noFill/>
           </a:ln>
         </p:spPr>
+        <p:style>
+          <a:lnRef idx="0"/>
+          <a:fillRef idx="0"/>
+          <a:effectRef idx="0"/>
+          <a:fontRef idx="minor"/>
+        </p:style>
         <p:txBody>
-          <a:bodyPr tIns="91440" bIns="91440"/>
+          <a:bodyPr lIns="90000" rIns="90000" tIns="91440" bIns="91440"/>
           <a:p>
             <a:pPr>
               <a:lnSpc>
@@ -6382,7 +6702,7 @@
               </a:rPr>
               <a:t>Team Members :</a:t>
             </a:r>
-            <a:endParaRPr b="0" lang="en-IN" sz="1400" spc="-1" strike="noStrike">
+            <a:endParaRPr b="0" lang="en-IN" sz="1800" spc="-1" strike="noStrike">
               <a:solidFill>
                 <a:srgbClr val="000000"/>
               </a:solidFill>
@@ -6398,14 +6718,14 @@
       </p:sp>
       <p:sp>
         <p:nvSpPr>
-          <p:cNvPr id="77" name="TextShape 2"/>
-          <p:cNvSpPr txBox="1"/>
+          <p:cNvPr id="75" name="CustomShape 2"/>
+          <p:cNvSpPr/>
           <p:nvPr/>
         </p:nvSpPr>
         <p:spPr>
           <a:xfrm>
             <a:off x="311760" y="1130040"/>
-            <a:ext cx="8520120" cy="3416040"/>
+            <a:ext cx="8519760" cy="3415680"/>
           </a:xfrm>
           <a:prstGeom prst="rect">
             <a:avLst/>
@@ -6415,8 +6735,14 @@
             <a:noFill/>
           </a:ln>
         </p:spPr>
+        <p:style>
+          <a:lnRef idx="0"/>
+          <a:fillRef idx="0"/>
+          <a:effectRef idx="0"/>
+          <a:fontRef idx="minor"/>
+        </p:style>
         <p:txBody>
-          <a:bodyPr tIns="91440" bIns="91440"/>
+          <a:bodyPr lIns="90000" rIns="90000" tIns="91440" bIns="91440"/>
           <a:p>
             <a:pPr>
               <a:lnSpc>
@@ -6438,7 +6764,7 @@
               </a:rPr>
               <a:t>J.S.S Sravan Chandra   -   201501025</a:t>
             </a:r>
-            <a:endParaRPr b="0" lang="en-IN" sz="1400" spc="-1" strike="noStrike">
+            <a:endParaRPr b="0" lang="en-IN" sz="1800" spc="-1" strike="noStrike">
               <a:solidFill>
                 <a:srgbClr val="000000"/>
               </a:solidFill>
@@ -6516,7 +6842,7 @@
               </a:rPr>
               <a:t>   -   201501092</a:t>
             </a:r>
-            <a:endParaRPr b="0" lang="en-IN" sz="1400" spc="-1" strike="noStrike">
+            <a:endParaRPr b="0" lang="en-IN" sz="1800" spc="-1" strike="noStrike">
               <a:solidFill>
                 <a:srgbClr val="000000"/>
               </a:solidFill>
@@ -6579,7 +6905,7 @@
               </a:rPr>
               <a:t>   -   201501164</a:t>
             </a:r>
-            <a:endParaRPr b="0" lang="en-IN" sz="1400" spc="-1" strike="noStrike">
+            <a:endParaRPr b="0" lang="en-IN" sz="1800" spc="-1" strike="noStrike">
               <a:solidFill>
                 <a:srgbClr val="000000"/>
               </a:solidFill>
@@ -6644,7 +6970,7 @@
       </p:grpSpPr>
       <p:pic>
         <p:nvPicPr>
-          <p:cNvPr id="128" name="Shape 184" descr=""/>
+          <p:cNvPr id="126" name="Shape 184" descr=""/>
           <p:cNvPicPr/>
           <p:nvPr/>
         </p:nvPicPr>
@@ -6655,7 +6981,7 @@
         <p:spPr>
           <a:xfrm>
             <a:off x="1590840" y="671760"/>
-            <a:ext cx="5961960" cy="4471200"/>
+            <a:ext cx="5961600" cy="4470840"/>
           </a:xfrm>
           <a:prstGeom prst="rect">
             <a:avLst/>
@@ -6667,6 +6993,33 @@
       </p:pic>
     </p:spTree>
   </p:cSld>
+  <p:timing>
+    <p:tnLst>
+      <p:par>
+        <p:cTn id="39" dur="indefinite" restart="never" nodeType="tmRoot">
+          <p:childTnLst>
+            <p:seq>
+              <p:cTn id="40" nodeType="mainSeq"/>
+              <p:prevCondLst>
+                <p:cond delay="0" evt="onPrev">
+                  <p:tgtEl>
+                    <p:sldTgt/>
+                  </p:tgtEl>
+                </p:cond>
+              </p:prevCondLst>
+              <p:nextCondLst>
+                <p:cond delay="0" evt="onNext">
+                  <p:tgtEl>
+                    <p:sldTgt/>
+                  </p:tgtEl>
+                </p:cond>
+              </p:nextCondLst>
+            </p:seq>
+          </p:childTnLst>
+        </p:cTn>
+      </p:par>
+    </p:tnLst>
+  </p:timing>
 </p:sld>
 </file>
 
@@ -6689,7 +7042,7 @@
       </p:grpSpPr>
       <p:pic>
         <p:nvPicPr>
-          <p:cNvPr id="129" name="Shape 189" descr=""/>
+          <p:cNvPr id="127" name="Shape 189" descr=""/>
           <p:cNvPicPr/>
           <p:nvPr/>
         </p:nvPicPr>
@@ -6700,7 +7053,7 @@
         <p:spPr>
           <a:xfrm>
             <a:off x="1406880" y="469800"/>
-            <a:ext cx="6330240" cy="4673160"/>
+            <a:ext cx="6329880" cy="4672800"/>
           </a:xfrm>
           <a:prstGeom prst="rect">
             <a:avLst/>
@@ -6712,6 +7065,33 @@
       </p:pic>
     </p:spTree>
   </p:cSld>
+  <p:timing>
+    <p:tnLst>
+      <p:par>
+        <p:cTn id="41" dur="indefinite" restart="never" nodeType="tmRoot">
+          <p:childTnLst>
+            <p:seq>
+              <p:cTn id="42" nodeType="mainSeq"/>
+              <p:prevCondLst>
+                <p:cond delay="0" evt="onPrev">
+                  <p:tgtEl>
+                    <p:sldTgt/>
+                  </p:tgtEl>
+                </p:cond>
+              </p:prevCondLst>
+              <p:nextCondLst>
+                <p:cond delay="0" evt="onNext">
+                  <p:tgtEl>
+                    <p:sldTgt/>
+                  </p:tgtEl>
+                </p:cond>
+              </p:nextCondLst>
+            </p:seq>
+          </p:childTnLst>
+        </p:cTn>
+      </p:par>
+    </p:tnLst>
+  </p:timing>
 </p:sld>
 </file>
 
@@ -6734,7 +7114,7 @@
       </p:grpSpPr>
       <p:pic>
         <p:nvPicPr>
-          <p:cNvPr id="130" name="Shape 194" descr=""/>
+          <p:cNvPr id="128" name="Shape 194" descr=""/>
           <p:cNvPicPr/>
           <p:nvPr/>
         </p:nvPicPr>
@@ -6745,7 +7125,7 @@
         <p:spPr>
           <a:xfrm>
             <a:off x="1470240" y="432720"/>
-            <a:ext cx="6203160" cy="4710240"/>
+            <a:ext cx="6202800" cy="4709880"/>
           </a:xfrm>
           <a:prstGeom prst="rect">
             <a:avLst/>
@@ -6757,6 +7137,33 @@
       </p:pic>
     </p:spTree>
   </p:cSld>
+  <p:timing>
+    <p:tnLst>
+      <p:par>
+        <p:cTn id="43" dur="indefinite" restart="never" nodeType="tmRoot">
+          <p:childTnLst>
+            <p:seq>
+              <p:cTn id="44" nodeType="mainSeq"/>
+              <p:prevCondLst>
+                <p:cond delay="0" evt="onPrev">
+                  <p:tgtEl>
+                    <p:sldTgt/>
+                  </p:tgtEl>
+                </p:cond>
+              </p:prevCondLst>
+              <p:nextCondLst>
+                <p:cond delay="0" evt="onNext">
+                  <p:tgtEl>
+                    <p:sldTgt/>
+                  </p:tgtEl>
+                </p:cond>
+              </p:nextCondLst>
+            </p:seq>
+          </p:childTnLst>
+        </p:cTn>
+      </p:par>
+    </p:tnLst>
+  </p:timing>
 </p:sld>
 </file>
 
@@ -6779,7 +7186,7 @@
       </p:grpSpPr>
       <p:pic>
         <p:nvPicPr>
-          <p:cNvPr id="131" name="Shape 199" descr=""/>
+          <p:cNvPr id="129" name="Shape 199" descr=""/>
           <p:cNvPicPr/>
           <p:nvPr/>
         </p:nvPicPr>
@@ -6790,7 +7197,7 @@
         <p:spPr>
           <a:xfrm>
             <a:off x="1607760" y="469800"/>
-            <a:ext cx="5928120" cy="4673160"/>
+            <a:ext cx="5927760" cy="4672800"/>
           </a:xfrm>
           <a:prstGeom prst="rect">
             <a:avLst/>
@@ -6802,6 +7209,33 @@
       </p:pic>
     </p:spTree>
   </p:cSld>
+  <p:timing>
+    <p:tnLst>
+      <p:par>
+        <p:cTn id="45" dur="indefinite" restart="never" nodeType="tmRoot">
+          <p:childTnLst>
+            <p:seq>
+              <p:cTn id="46" nodeType="mainSeq"/>
+              <p:prevCondLst>
+                <p:cond delay="0" evt="onPrev">
+                  <p:tgtEl>
+                    <p:sldTgt/>
+                  </p:tgtEl>
+                </p:cond>
+              </p:prevCondLst>
+              <p:nextCondLst>
+                <p:cond delay="0" evt="onNext">
+                  <p:tgtEl>
+                    <p:sldTgt/>
+                  </p:tgtEl>
+                </p:cond>
+              </p:nextCondLst>
+            </p:seq>
+          </p:childTnLst>
+        </p:cTn>
+      </p:par>
+    </p:tnLst>
+  </p:timing>
 </p:sld>
 </file>
 
@@ -6824,14 +7258,14 @@
       </p:grpSpPr>
       <p:sp>
         <p:nvSpPr>
-          <p:cNvPr id="132" name="TextShape 1"/>
-          <p:cNvSpPr txBox="1"/>
+          <p:cNvPr id="130" name="CustomShape 1"/>
+          <p:cNvSpPr/>
           <p:nvPr/>
         </p:nvSpPr>
         <p:spPr>
           <a:xfrm>
             <a:off x="311760" y="444960"/>
-            <a:ext cx="8520120" cy="572400"/>
+            <a:ext cx="8519760" cy="572040"/>
           </a:xfrm>
           <a:prstGeom prst="rect">
             <a:avLst/>
@@ -6841,8 +7275,14 @@
             <a:noFill/>
           </a:ln>
         </p:spPr>
+        <p:style>
+          <a:lnRef idx="0"/>
+          <a:fillRef idx="0"/>
+          <a:effectRef idx="0"/>
+          <a:fontRef idx="minor"/>
+        </p:style>
         <p:txBody>
-          <a:bodyPr tIns="91440" bIns="91440"/>
+          <a:bodyPr lIns="90000" rIns="90000" tIns="91440" bIns="91440"/>
           <a:p>
             <a:pPr>
               <a:lnSpc>
@@ -6864,7 +7304,7 @@
               </a:rPr>
               <a:t>Limitations:</a:t>
             </a:r>
-            <a:endParaRPr b="0" lang="en-IN" sz="1400" spc="-1" strike="noStrike">
+            <a:endParaRPr b="0" lang="en-IN" sz="1800" spc="-1" strike="noStrike">
               <a:solidFill>
                 <a:srgbClr val="000000"/>
               </a:solidFill>
@@ -6880,14 +7320,14 @@
       </p:sp>
       <p:sp>
         <p:nvSpPr>
-          <p:cNvPr id="133" name="TextShape 2"/>
-          <p:cNvSpPr txBox="1"/>
+          <p:cNvPr id="131" name="CustomShape 2"/>
+          <p:cNvSpPr/>
           <p:nvPr/>
         </p:nvSpPr>
         <p:spPr>
           <a:xfrm>
             <a:off x="311760" y="1152360"/>
-            <a:ext cx="8520120" cy="3416040"/>
+            <a:ext cx="8519760" cy="3415680"/>
           </a:xfrm>
           <a:prstGeom prst="rect">
             <a:avLst/>
@@ -6897,10 +7337,16 @@
             <a:noFill/>
           </a:ln>
         </p:spPr>
+        <p:style>
+          <a:lnRef idx="0"/>
+          <a:fillRef idx="0"/>
+          <a:effectRef idx="0"/>
+          <a:fontRef idx="minor"/>
+        </p:style>
         <p:txBody>
-          <a:bodyPr tIns="91440" bIns="91440"/>
-          <a:p>
-            <a:pPr marL="457200" indent="-342720">
+          <a:bodyPr lIns="90000" rIns="90000" tIns="91440" bIns="91440"/>
+          <a:p>
+            <a:pPr marL="457200" indent="-342360">
               <a:lnSpc>
                 <a:spcPct val="115000"/>
               </a:lnSpc>
@@ -6925,20 +7371,20 @@
               </a:rPr>
               <a:t>We don’t have the training dataset so we cannot get the appropriate color values which can classify all the regions correctly for all types of images and Geometric Depth map heuristics.</a:t>
             </a:r>
-            <a:endParaRPr b="0" lang="en-IN" sz="1400" spc="-1" strike="noStrike">
-              <a:solidFill>
-                <a:srgbClr val="000000"/>
-              </a:solidFill>
-              <a:uFill>
-                <a:solidFill>
-                  <a:srgbClr val="ffffff"/>
-                </a:solidFill>
-              </a:uFill>
-              <a:latin typeface="Arial"/>
-            </a:endParaRPr>
-          </a:p>
-          <a:p>
-            <a:pPr marL="457200" indent="-342720">
+            <a:endParaRPr b="0" lang="en-IN" sz="1800" spc="-1" strike="noStrike">
+              <a:solidFill>
+                <a:srgbClr val="000000"/>
+              </a:solidFill>
+              <a:uFill>
+                <a:solidFill>
+                  <a:srgbClr val="ffffff"/>
+                </a:solidFill>
+              </a:uFill>
+              <a:latin typeface="Arial"/>
+            </a:endParaRPr>
+          </a:p>
+          <a:p>
+            <a:pPr marL="457200" indent="-342360">
               <a:lnSpc>
                 <a:spcPct val="100000"/>
               </a:lnSpc>
@@ -6963,7 +7409,7 @@
               </a:rPr>
               <a:t>Similarly we cannot get the appropriate k1 and k2 values which could classify the image correctly for any image.</a:t>
             </a:r>
-            <a:endParaRPr b="0" lang="en-IN" sz="1400" spc="-1" strike="noStrike">
+            <a:endParaRPr b="0" lang="en-IN" sz="1800" spc="-1" strike="noStrike">
               <a:solidFill>
                 <a:srgbClr val="000000"/>
               </a:solidFill>
@@ -6979,6 +7425,33 @@
       </p:sp>
     </p:spTree>
   </p:cSld>
+  <p:timing>
+    <p:tnLst>
+      <p:par>
+        <p:cTn id="47" dur="indefinite" restart="never" nodeType="tmRoot">
+          <p:childTnLst>
+            <p:seq>
+              <p:cTn id="48" nodeType="mainSeq"/>
+              <p:prevCondLst>
+                <p:cond delay="0" evt="onPrev">
+                  <p:tgtEl>
+                    <p:sldTgt/>
+                  </p:tgtEl>
+                </p:cond>
+              </p:prevCondLst>
+              <p:nextCondLst>
+                <p:cond delay="0" evt="onNext">
+                  <p:tgtEl>
+                    <p:sldTgt/>
+                  </p:tgtEl>
+                </p:cond>
+              </p:nextCondLst>
+            </p:seq>
+          </p:childTnLst>
+        </p:cTn>
+      </p:par>
+    </p:tnLst>
+  </p:timing>
 </p:sld>
 </file>
 
@@ -7001,7 +7474,7 @@
       </p:grpSpPr>
       <p:pic>
         <p:nvPicPr>
-          <p:cNvPr id="134" name="Shape 210" descr=""/>
+          <p:cNvPr id="132" name="Shape 210" descr=""/>
           <p:cNvPicPr/>
           <p:nvPr/>
         </p:nvPicPr>
@@ -7012,7 +7485,7 @@
         <p:spPr>
           <a:xfrm>
             <a:off x="1788840" y="624240"/>
-            <a:ext cx="5333760" cy="4000320"/>
+            <a:ext cx="5333400" cy="3999960"/>
           </a:xfrm>
           <a:prstGeom prst="rect">
             <a:avLst/>
@@ -7024,6 +7497,33 @@
       </p:pic>
     </p:spTree>
   </p:cSld>
+  <p:timing>
+    <p:tnLst>
+      <p:par>
+        <p:cTn id="49" dur="indefinite" restart="never" nodeType="tmRoot">
+          <p:childTnLst>
+            <p:seq>
+              <p:cTn id="50" nodeType="mainSeq"/>
+              <p:prevCondLst>
+                <p:cond delay="0" evt="onPrev">
+                  <p:tgtEl>
+                    <p:sldTgt/>
+                  </p:tgtEl>
+                </p:cond>
+              </p:prevCondLst>
+              <p:nextCondLst>
+                <p:cond delay="0" evt="onNext">
+                  <p:tgtEl>
+                    <p:sldTgt/>
+                  </p:tgtEl>
+                </p:cond>
+              </p:nextCondLst>
+            </p:seq>
+          </p:childTnLst>
+        </p:cTn>
+      </p:par>
+    </p:tnLst>
+  </p:timing>
 </p:sld>
 </file>
 
@@ -7046,7 +7546,7 @@
       </p:grpSpPr>
       <p:pic>
         <p:nvPicPr>
-          <p:cNvPr id="135" name="Shape 215" descr=""/>
+          <p:cNvPr id="133" name="Shape 215" descr=""/>
           <p:cNvPicPr/>
           <p:nvPr/>
         </p:nvPicPr>
@@ -7057,7 +7557,7 @@
         <p:spPr>
           <a:xfrm>
             <a:off x="1778760" y="571680"/>
-            <a:ext cx="5333760" cy="4000320"/>
+            <a:ext cx="5333400" cy="3999960"/>
           </a:xfrm>
           <a:prstGeom prst="rect">
             <a:avLst/>
@@ -7069,6 +7569,33 @@
       </p:pic>
     </p:spTree>
   </p:cSld>
+  <p:timing>
+    <p:tnLst>
+      <p:par>
+        <p:cTn id="51" dur="indefinite" restart="never" nodeType="tmRoot">
+          <p:childTnLst>
+            <p:seq>
+              <p:cTn id="52" nodeType="mainSeq"/>
+              <p:prevCondLst>
+                <p:cond delay="0" evt="onPrev">
+                  <p:tgtEl>
+                    <p:sldTgt/>
+                  </p:tgtEl>
+                </p:cond>
+              </p:prevCondLst>
+              <p:nextCondLst>
+                <p:cond delay="0" evt="onNext">
+                  <p:tgtEl>
+                    <p:sldTgt/>
+                  </p:tgtEl>
+                </p:cond>
+              </p:nextCondLst>
+            </p:seq>
+          </p:childTnLst>
+        </p:cTn>
+      </p:par>
+    </p:tnLst>
+  </p:timing>
 </p:sld>
 </file>
 
@@ -7091,14 +7618,14 @@
       </p:grpSpPr>
       <p:sp>
         <p:nvSpPr>
-          <p:cNvPr id="78" name="TextShape 1"/>
-          <p:cNvSpPr txBox="1"/>
+          <p:cNvPr id="76" name="CustomShape 1"/>
+          <p:cNvSpPr/>
           <p:nvPr/>
         </p:nvSpPr>
         <p:spPr>
           <a:xfrm>
             <a:off x="311760" y="444960"/>
-            <a:ext cx="8520120" cy="572400"/>
+            <a:ext cx="8519760" cy="572040"/>
           </a:xfrm>
           <a:prstGeom prst="rect">
             <a:avLst/>
@@ -7108,8 +7635,14 @@
             <a:noFill/>
           </a:ln>
         </p:spPr>
+        <p:style>
+          <a:lnRef idx="0"/>
+          <a:fillRef idx="0"/>
+          <a:effectRef idx="0"/>
+          <a:fontRef idx="minor"/>
+        </p:style>
         <p:txBody>
-          <a:bodyPr tIns="91440" bIns="91440"/>
+          <a:bodyPr lIns="90000" rIns="90000" tIns="91440" bIns="91440"/>
           <a:p>
             <a:pPr>
               <a:lnSpc>
@@ -7131,7 +7664,7 @@
               </a:rPr>
               <a:t>Description</a:t>
             </a:r>
-            <a:endParaRPr b="0" lang="en-IN" sz="1400" spc="-1" strike="noStrike">
+            <a:endParaRPr b="0" lang="en-IN" sz="1800" spc="-1" strike="noStrike">
               <a:solidFill>
                 <a:srgbClr val="000000"/>
               </a:solidFill>
@@ -7147,14 +7680,14 @@
       </p:sp>
       <p:sp>
         <p:nvSpPr>
-          <p:cNvPr id="79" name="TextShape 2"/>
-          <p:cNvSpPr txBox="1"/>
+          <p:cNvPr id="77" name="CustomShape 2"/>
+          <p:cNvSpPr/>
           <p:nvPr/>
         </p:nvSpPr>
         <p:spPr>
           <a:xfrm>
             <a:off x="311760" y="1152360"/>
-            <a:ext cx="8520120" cy="3416040"/>
+            <a:ext cx="8519760" cy="3415680"/>
           </a:xfrm>
           <a:prstGeom prst="rect">
             <a:avLst/>
@@ -7164,10 +7697,16 @@
             <a:noFill/>
           </a:ln>
         </p:spPr>
+        <p:style>
+          <a:lnRef idx="0"/>
+          <a:fillRef idx="0"/>
+          <a:effectRef idx="0"/>
+          <a:fontRef idx="minor"/>
+        </p:style>
         <p:txBody>
-          <a:bodyPr tIns="91440" bIns="91440"/>
-          <a:p>
-            <a:pPr marL="457200" indent="-342720">
+          <a:bodyPr lIns="90000" rIns="90000" tIns="91440" bIns="91440"/>
+          <a:p>
+            <a:pPr marL="457200" indent="-342360">
               <a:lnSpc>
                 <a:spcPct val="200000"/>
               </a:lnSpc>
@@ -7192,20 +7731,20 @@
               </a:rPr>
               <a:t>To estimate depth information from a single view of rgb image.</a:t>
             </a:r>
-            <a:endParaRPr b="0" lang="en-IN" sz="1400" spc="-1" strike="noStrike">
-              <a:solidFill>
-                <a:srgbClr val="000000"/>
-              </a:solidFill>
-              <a:uFill>
-                <a:solidFill>
-                  <a:srgbClr val="ffffff"/>
-                </a:solidFill>
-              </a:uFill>
-              <a:latin typeface="Arial"/>
-            </a:endParaRPr>
-          </a:p>
-          <a:p>
-            <a:pPr marL="457200" indent="-342720">
+            <a:endParaRPr b="0" lang="en-IN" sz="1800" spc="-1" strike="noStrike">
+              <a:solidFill>
+                <a:srgbClr val="000000"/>
+              </a:solidFill>
+              <a:uFill>
+                <a:solidFill>
+                  <a:srgbClr val="ffffff"/>
+                </a:solidFill>
+              </a:uFill>
+              <a:latin typeface="Arial"/>
+            </a:endParaRPr>
+          </a:p>
+          <a:p>
+            <a:pPr marL="457200" indent="-342360">
               <a:lnSpc>
                 <a:spcPct val="150000"/>
               </a:lnSpc>
@@ -7230,20 +7769,20 @@
               </a:rPr>
               <a:t>This method is based on the new view of image classification technique, which is able to classify the images into outdoor without geometric elements, outdoor with geometric elements or indoor.</a:t>
             </a:r>
-            <a:endParaRPr b="0" lang="en-IN" sz="1400" spc="-1" strike="noStrike">
-              <a:solidFill>
-                <a:srgbClr val="000000"/>
-              </a:solidFill>
-              <a:uFill>
-                <a:solidFill>
-                  <a:srgbClr val="ffffff"/>
-                </a:solidFill>
-              </a:uFill>
-              <a:latin typeface="Arial"/>
-            </a:endParaRPr>
-          </a:p>
-          <a:p>
-            <a:pPr marL="457200" indent="-342720">
+            <a:endParaRPr b="0" lang="en-IN" sz="1800" spc="-1" strike="noStrike">
+              <a:solidFill>
+                <a:srgbClr val="000000"/>
+              </a:solidFill>
+              <a:uFill>
+                <a:solidFill>
+                  <a:srgbClr val="ffffff"/>
+                </a:solidFill>
+              </a:uFill>
+              <a:latin typeface="Arial"/>
+            </a:endParaRPr>
+          </a:p>
+          <a:p>
+            <a:pPr marL="457200" indent="-342360">
               <a:lnSpc>
                 <a:spcPct val="200000"/>
               </a:lnSpc>
@@ -7268,7 +7807,7 @@
               </a:rPr>
               <a:t>This method requires less computational effort.</a:t>
             </a:r>
-            <a:endParaRPr b="0" lang="en-IN" sz="1400" spc="-1" strike="noStrike">
+            <a:endParaRPr b="0" lang="en-IN" sz="1800" spc="-1" strike="noStrike">
               <a:solidFill>
                 <a:srgbClr val="000000"/>
               </a:solidFill>
@@ -7286,7 +7825,7 @@
                 <a:spcPct val="100000"/>
               </a:lnSpc>
             </a:pPr>
-            <a:endParaRPr b="0" lang="en-IN" sz="1400" spc="-1" strike="noStrike">
+            <a:endParaRPr b="0" lang="en-IN" sz="1800" spc="-1" strike="noStrike">
               <a:solidFill>
                 <a:srgbClr val="000000"/>
               </a:solidFill>
@@ -7351,14 +7890,14 @@
       </p:grpSpPr>
       <p:sp>
         <p:nvSpPr>
-          <p:cNvPr id="80" name="TextShape 1"/>
-          <p:cNvSpPr txBox="1"/>
+          <p:cNvPr id="78" name="CustomShape 1"/>
+          <p:cNvSpPr/>
           <p:nvPr/>
         </p:nvSpPr>
         <p:spPr>
           <a:xfrm>
             <a:off x="311760" y="444960"/>
-            <a:ext cx="8520120" cy="572400"/>
+            <a:ext cx="8519760" cy="572040"/>
           </a:xfrm>
           <a:prstGeom prst="rect">
             <a:avLst/>
@@ -7368,8 +7907,14 @@
             <a:noFill/>
           </a:ln>
         </p:spPr>
+        <p:style>
+          <a:lnRef idx="0"/>
+          <a:fillRef idx="0"/>
+          <a:effectRef idx="0"/>
+          <a:fontRef idx="minor"/>
+        </p:style>
         <p:txBody>
-          <a:bodyPr tIns="91440" bIns="91440"/>
+          <a:bodyPr lIns="90000" rIns="90000" tIns="91440" bIns="91440"/>
           <a:p>
             <a:pPr>
               <a:lnSpc>
@@ -7391,7 +7936,7 @@
               </a:rPr>
               <a:t>Procedure:</a:t>
             </a:r>
-            <a:endParaRPr b="0" lang="en-IN" sz="1400" spc="-1" strike="noStrike">
+            <a:endParaRPr b="0" lang="en-IN" sz="1800" spc="-1" strike="noStrike">
               <a:solidFill>
                 <a:srgbClr val="000000"/>
               </a:solidFill>
@@ -7407,14 +7952,14 @@
       </p:sp>
       <p:sp>
         <p:nvSpPr>
-          <p:cNvPr id="81" name="TextShape 2"/>
-          <p:cNvSpPr txBox="1"/>
+          <p:cNvPr id="79" name="CustomShape 2"/>
+          <p:cNvSpPr/>
           <p:nvPr/>
         </p:nvSpPr>
         <p:spPr>
           <a:xfrm>
             <a:off x="311760" y="1152360"/>
-            <a:ext cx="8520120" cy="3416040"/>
+            <a:ext cx="8519760" cy="3415680"/>
           </a:xfrm>
           <a:prstGeom prst="rect">
             <a:avLst/>
@@ -7424,10 +7969,16 @@
             <a:noFill/>
           </a:ln>
         </p:spPr>
+        <p:style>
+          <a:lnRef idx="0"/>
+          <a:fillRef idx="0"/>
+          <a:effectRef idx="0"/>
+          <a:fontRef idx="minor"/>
+        </p:style>
         <p:txBody>
-          <a:bodyPr tIns="91440" bIns="91440"/>
-          <a:p>
-            <a:pPr marL="457200" indent="-342720">
+          <a:bodyPr lIns="90000" rIns="90000" tIns="91440" bIns="91440"/>
+          <a:p>
+            <a:pPr marL="457200" indent="-342360">
               <a:lnSpc>
                 <a:spcPct val="100000"/>
               </a:lnSpc>
@@ -7452,20 +8003,20 @@
               </a:rPr>
               <a:t>Color Based Segmentation </a:t>
             </a:r>
-            <a:endParaRPr b="0" lang="en-IN" sz="1400" spc="-1" strike="noStrike">
-              <a:solidFill>
-                <a:srgbClr val="000000"/>
-              </a:solidFill>
-              <a:uFill>
-                <a:solidFill>
-                  <a:srgbClr val="ffffff"/>
-                </a:solidFill>
-              </a:uFill>
-              <a:latin typeface="Arial"/>
-            </a:endParaRPr>
-          </a:p>
-          <a:p>
-            <a:pPr marL="457200" indent="-342720">
+            <a:endParaRPr b="0" lang="en-IN" sz="1800" spc="-1" strike="noStrike">
+              <a:solidFill>
+                <a:srgbClr val="000000"/>
+              </a:solidFill>
+              <a:uFill>
+                <a:solidFill>
+                  <a:srgbClr val="ffffff"/>
+                </a:solidFill>
+              </a:uFill>
+              <a:latin typeface="Arial"/>
+            </a:endParaRPr>
+          </a:p>
+          <a:p>
+            <a:pPr marL="457200" indent="-342360">
               <a:lnSpc>
                 <a:spcPct val="100000"/>
               </a:lnSpc>
@@ -7490,20 +8041,20 @@
               </a:rPr>
               <a:t>Region Detection</a:t>
             </a:r>
-            <a:endParaRPr b="0" lang="en-IN" sz="1400" spc="-1" strike="noStrike">
-              <a:solidFill>
-                <a:srgbClr val="000000"/>
-              </a:solidFill>
-              <a:uFill>
-                <a:solidFill>
-                  <a:srgbClr val="ffffff"/>
-                </a:solidFill>
-              </a:uFill>
-              <a:latin typeface="Arial"/>
-            </a:endParaRPr>
-          </a:p>
-          <a:p>
-            <a:pPr marL="457200" indent="-342720">
+            <a:endParaRPr b="0" lang="en-IN" sz="1800" spc="-1" strike="noStrike">
+              <a:solidFill>
+                <a:srgbClr val="000000"/>
+              </a:solidFill>
+              <a:uFill>
+                <a:solidFill>
+                  <a:srgbClr val="ffffff"/>
+                </a:solidFill>
+              </a:uFill>
+              <a:latin typeface="Arial"/>
+            </a:endParaRPr>
+          </a:p>
+          <a:p>
+            <a:pPr marL="457200" indent="-342360">
               <a:lnSpc>
                 <a:spcPct val="100000"/>
               </a:lnSpc>
@@ -7528,20 +8079,20 @@
               </a:rPr>
               <a:t>Image Classification</a:t>
             </a:r>
-            <a:endParaRPr b="0" lang="en-IN" sz="1400" spc="-1" strike="noStrike">
-              <a:solidFill>
-                <a:srgbClr val="000000"/>
-              </a:solidFill>
-              <a:uFill>
-                <a:solidFill>
-                  <a:srgbClr val="ffffff"/>
-                </a:solidFill>
-              </a:uFill>
-              <a:latin typeface="Arial"/>
-            </a:endParaRPr>
-          </a:p>
-          <a:p>
-            <a:pPr marL="457200" indent="-342720">
+            <a:endParaRPr b="0" lang="en-IN" sz="1800" spc="-1" strike="noStrike">
+              <a:solidFill>
+                <a:srgbClr val="000000"/>
+              </a:solidFill>
+              <a:uFill>
+                <a:solidFill>
+                  <a:srgbClr val="ffffff"/>
+                </a:solidFill>
+              </a:uFill>
+              <a:latin typeface="Arial"/>
+            </a:endParaRPr>
+          </a:p>
+          <a:p>
+            <a:pPr marL="457200" indent="-342360">
               <a:lnSpc>
                 <a:spcPct val="100000"/>
               </a:lnSpc>
@@ -7566,20 +8117,20 @@
               </a:rPr>
               <a:t>Geometric depth map Generation</a:t>
             </a:r>
-            <a:endParaRPr b="0" lang="en-IN" sz="1400" spc="-1" strike="noStrike">
-              <a:solidFill>
-                <a:srgbClr val="000000"/>
-              </a:solidFill>
-              <a:uFill>
-                <a:solidFill>
-                  <a:srgbClr val="ffffff"/>
-                </a:solidFill>
-              </a:uFill>
-              <a:latin typeface="Arial"/>
-            </a:endParaRPr>
-          </a:p>
-          <a:p>
-            <a:pPr marL="457200" indent="-342720">
+            <a:endParaRPr b="0" lang="en-IN" sz="1800" spc="-1" strike="noStrike">
+              <a:solidFill>
+                <a:srgbClr val="000000"/>
+              </a:solidFill>
+              <a:uFill>
+                <a:solidFill>
+                  <a:srgbClr val="ffffff"/>
+                </a:solidFill>
+              </a:uFill>
+              <a:latin typeface="Arial"/>
+            </a:endParaRPr>
+          </a:p>
+          <a:p>
+            <a:pPr marL="457200" indent="-342360">
               <a:lnSpc>
                 <a:spcPct val="100000"/>
               </a:lnSpc>
@@ -7604,7 +8155,7 @@
               </a:rPr>
               <a:t>Depth Map Generation by Fusion</a:t>
             </a:r>
-            <a:endParaRPr b="0" lang="en-IN" sz="1400" spc="-1" strike="noStrike">
+            <a:endParaRPr b="0" lang="en-IN" sz="1800" spc="-1" strike="noStrike">
               <a:solidFill>
                 <a:srgbClr val="000000"/>
               </a:solidFill>
@@ -7669,14 +8220,14 @@
       </p:grpSpPr>
       <p:sp>
         <p:nvSpPr>
-          <p:cNvPr id="82" name="TextShape 1"/>
-          <p:cNvSpPr txBox="1"/>
+          <p:cNvPr id="80" name="CustomShape 1"/>
+          <p:cNvSpPr/>
           <p:nvPr/>
         </p:nvSpPr>
         <p:spPr>
           <a:xfrm>
             <a:off x="311760" y="444960"/>
-            <a:ext cx="8520120" cy="572400"/>
+            <a:ext cx="8519760" cy="572040"/>
           </a:xfrm>
           <a:prstGeom prst="rect">
             <a:avLst/>
@@ -7686,8 +8237,14 @@
             <a:noFill/>
           </a:ln>
         </p:spPr>
+        <p:style>
+          <a:lnRef idx="0"/>
+          <a:fillRef idx="0"/>
+          <a:effectRef idx="0"/>
+          <a:fontRef idx="minor"/>
+        </p:style>
         <p:txBody>
-          <a:bodyPr tIns="91440" bIns="91440"/>
+          <a:bodyPr lIns="90000" rIns="90000" tIns="91440" bIns="91440"/>
           <a:p>
             <a:pPr>
               <a:lnSpc>
@@ -7709,7 +8266,7 @@
               </a:rPr>
               <a:t>Color Based Segmentation</a:t>
             </a:r>
-            <a:endParaRPr b="0" lang="en-IN" sz="1400" spc="-1" strike="noStrike">
+            <a:endParaRPr b="0" lang="en-IN" sz="1800" spc="-1" strike="noStrike">
               <a:solidFill>
                 <a:srgbClr val="000000"/>
               </a:solidFill>
@@ -7725,14 +8282,14 @@
       </p:sp>
       <p:sp>
         <p:nvSpPr>
-          <p:cNvPr id="83" name="TextShape 2"/>
-          <p:cNvSpPr txBox="1"/>
+          <p:cNvPr id="81" name="CustomShape 2"/>
+          <p:cNvSpPr/>
           <p:nvPr/>
         </p:nvSpPr>
         <p:spPr>
           <a:xfrm>
             <a:off x="311760" y="1152360"/>
-            <a:ext cx="8520120" cy="3416040"/>
+            <a:ext cx="8519760" cy="3415680"/>
           </a:xfrm>
           <a:prstGeom prst="rect">
             <a:avLst/>
@@ -7742,8 +8299,14 @@
             <a:noFill/>
           </a:ln>
         </p:spPr>
+        <p:style>
+          <a:lnRef idx="0"/>
+          <a:fillRef idx="0"/>
+          <a:effectRef idx="0"/>
+          <a:fontRef idx="minor"/>
+        </p:style>
         <p:txBody>
-          <a:bodyPr tIns="91440" bIns="91440"/>
+          <a:bodyPr lIns="90000" rIns="90000" tIns="91440" bIns="91440"/>
           <a:p>
             <a:pPr>
               <a:lnSpc>
@@ -7765,7 +8328,7 @@
               </a:rPr>
               <a:t>Here we used mean shift algorithm to segment the image based on color.</a:t>
             </a:r>
-            <a:endParaRPr b="0" lang="en-IN" sz="1400" spc="-1" strike="noStrike">
+            <a:endParaRPr b="0" lang="en-IN" sz="1800" spc="-1" strike="noStrike">
               <a:solidFill>
                 <a:srgbClr val="000000"/>
               </a:solidFill>
@@ -7783,7 +8346,7 @@
                 <a:spcPct val="100000"/>
               </a:lnSpc>
             </a:pPr>
-            <a:endParaRPr b="0" lang="en-IN" sz="1400" spc="-1" strike="noStrike">
+            <a:endParaRPr b="0" lang="en-IN" sz="1800" spc="-1" strike="noStrike">
               <a:solidFill>
                 <a:srgbClr val="000000"/>
               </a:solidFill>
@@ -7799,7 +8362,7 @@
       </p:sp>
       <p:pic>
         <p:nvPicPr>
-          <p:cNvPr id="84" name="Shape 80" descr=""/>
+          <p:cNvPr id="82" name="Shape 80" descr=""/>
           <p:cNvPicPr/>
           <p:nvPr/>
         </p:nvPicPr>
@@ -7810,7 +8373,7 @@
         <p:spPr>
           <a:xfrm>
             <a:off x="456480" y="1755720"/>
-            <a:ext cx="4107960" cy="3314520"/>
+            <a:ext cx="4107600" cy="3314160"/>
           </a:xfrm>
           <a:prstGeom prst="rect">
             <a:avLst/>
@@ -7822,7 +8385,7 @@
       </p:pic>
       <p:pic>
         <p:nvPicPr>
-          <p:cNvPr id="85" name="Shape 81" descr=""/>
+          <p:cNvPr id="83" name="Shape 81" descr=""/>
           <p:cNvPicPr/>
           <p:nvPr/>
         </p:nvPicPr>
@@ -7833,7 +8396,7 @@
         <p:spPr>
           <a:xfrm>
             <a:off x="4733280" y="1755720"/>
-            <a:ext cx="4107960" cy="3220560"/>
+            <a:ext cx="4107600" cy="3220200"/>
           </a:xfrm>
           <a:prstGeom prst="rect">
             <a:avLst/>
@@ -7894,14 +8457,14 @@
       </p:grpSpPr>
       <p:sp>
         <p:nvSpPr>
-          <p:cNvPr id="86" name="TextShape 1"/>
-          <p:cNvSpPr txBox="1"/>
+          <p:cNvPr id="84" name="CustomShape 1"/>
+          <p:cNvSpPr/>
           <p:nvPr/>
         </p:nvSpPr>
         <p:spPr>
           <a:xfrm>
             <a:off x="311760" y="259920"/>
-            <a:ext cx="8520120" cy="572400"/>
+            <a:ext cx="8519760" cy="572040"/>
           </a:xfrm>
           <a:prstGeom prst="rect">
             <a:avLst/>
@@ -7911,8 +8474,14 @@
             <a:noFill/>
           </a:ln>
         </p:spPr>
+        <p:style>
+          <a:lnRef idx="0"/>
+          <a:fillRef idx="0"/>
+          <a:effectRef idx="0"/>
+          <a:fontRef idx="minor"/>
+        </p:style>
         <p:txBody>
-          <a:bodyPr tIns="91440" bIns="91440"/>
+          <a:bodyPr lIns="90000" rIns="90000" tIns="91440" bIns="91440"/>
           <a:p>
             <a:pPr>
               <a:lnSpc>
@@ -7934,7 +8503,7 @@
               </a:rPr>
               <a:t>Region Detection:</a:t>
             </a:r>
-            <a:endParaRPr b="0" lang="en-IN" sz="1400" spc="-1" strike="noStrike">
+            <a:endParaRPr b="0" lang="en-IN" sz="1800" spc="-1" strike="noStrike">
               <a:solidFill>
                 <a:srgbClr val="000000"/>
               </a:solidFill>
@@ -7950,14 +8519,14 @@
       </p:sp>
       <p:sp>
         <p:nvSpPr>
-          <p:cNvPr id="87" name="TextShape 2"/>
-          <p:cNvSpPr txBox="1"/>
+          <p:cNvPr id="85" name="CustomShape 2"/>
+          <p:cNvSpPr/>
           <p:nvPr/>
         </p:nvSpPr>
         <p:spPr>
           <a:xfrm>
             <a:off x="311760" y="832680"/>
-            <a:ext cx="8520120" cy="4190760"/>
+            <a:ext cx="8519760" cy="4190400"/>
           </a:xfrm>
           <a:prstGeom prst="rect">
             <a:avLst/>
@@ -7967,8 +8536,14 @@
             <a:noFill/>
           </a:ln>
         </p:spPr>
+        <p:style>
+          <a:lnRef idx="0"/>
+          <a:fillRef idx="0"/>
+          <a:effectRef idx="0"/>
+          <a:fontRef idx="minor"/>
+        </p:style>
         <p:txBody>
-          <a:bodyPr tIns="91440" bIns="91440"/>
+          <a:bodyPr lIns="90000" rIns="90000" tIns="91440" bIns="91440"/>
           <a:p>
             <a:pPr>
               <a:lnSpc>
@@ -7990,7 +8565,7 @@
               </a:rPr>
               <a:t>The semantic region detection can be based on color-based rules aimed to characterize specific regions such as: Sky, Far Mountain, Near Mountain, Land and Other.</a:t>
             </a:r>
-            <a:endParaRPr b="0" lang="en-IN" sz="1400" spc="-1" strike="noStrike">
+            <a:endParaRPr b="0" lang="en-IN" sz="1800" spc="-1" strike="noStrike">
               <a:solidFill>
                 <a:srgbClr val="000000"/>
               </a:solidFill>
@@ -8023,20 +8598,20 @@
               </a:rPr>
               <a:t>For this we need to perform the following steps:</a:t>
             </a:r>
-            <a:endParaRPr b="0" lang="en-IN" sz="1400" spc="-1" strike="noStrike">
-              <a:solidFill>
-                <a:srgbClr val="000000"/>
-              </a:solidFill>
-              <a:uFill>
-                <a:solidFill>
-                  <a:srgbClr val="ffffff"/>
-                </a:solidFill>
-              </a:uFill>
-              <a:latin typeface="Arial"/>
-            </a:endParaRPr>
-          </a:p>
-          <a:p>
-            <a:pPr marL="457200" indent="-317160">
+            <a:endParaRPr b="0" lang="en-IN" sz="1800" spc="-1" strike="noStrike">
+              <a:solidFill>
+                <a:srgbClr val="000000"/>
+              </a:solidFill>
+              <a:uFill>
+                <a:solidFill>
+                  <a:srgbClr val="ffffff"/>
+                </a:solidFill>
+              </a:uFill>
+              <a:latin typeface="Arial"/>
+            </a:endParaRPr>
+          </a:p>
+          <a:p>
+            <a:pPr marL="457200" indent="-316800">
               <a:lnSpc>
                 <a:spcPct val="130000"/>
               </a:lnSpc>
@@ -8061,20 +8636,20 @@
               </a:rPr>
               <a:t>Apply a 5X5 median filter to the segmented image</a:t>
             </a:r>
-            <a:endParaRPr b="0" lang="en-IN" sz="1400" spc="-1" strike="noStrike">
-              <a:solidFill>
-                <a:srgbClr val="000000"/>
-              </a:solidFill>
-              <a:uFill>
-                <a:solidFill>
-                  <a:srgbClr val="ffffff"/>
-                </a:solidFill>
-              </a:uFill>
-              <a:latin typeface="Arial"/>
-            </a:endParaRPr>
-          </a:p>
-          <a:p>
-            <a:pPr marL="457200" indent="-317160">
+            <a:endParaRPr b="0" lang="en-IN" sz="1800" spc="-1" strike="noStrike">
+              <a:solidFill>
+                <a:srgbClr val="000000"/>
+              </a:solidFill>
+              <a:uFill>
+                <a:solidFill>
+                  <a:srgbClr val="ffffff"/>
+                </a:solidFill>
+              </a:uFill>
+              <a:latin typeface="Arial"/>
+            </a:endParaRPr>
+          </a:p>
+          <a:p>
+            <a:pPr marL="457200" indent="-316800">
               <a:lnSpc>
                 <a:spcPct val="130000"/>
               </a:lnSpc>
@@ -8099,20 +8674,20 @@
               </a:rPr>
               <a:t>Compute HSV image from segmented image</a:t>
             </a:r>
-            <a:endParaRPr b="0" lang="en-IN" sz="1400" spc="-1" strike="noStrike">
-              <a:solidFill>
-                <a:srgbClr val="000000"/>
-              </a:solidFill>
-              <a:uFill>
-                <a:solidFill>
-                  <a:srgbClr val="ffffff"/>
-                </a:solidFill>
-              </a:uFill>
-              <a:latin typeface="Arial"/>
-            </a:endParaRPr>
-          </a:p>
-          <a:p>
-            <a:pPr marL="457200" indent="-317160">
+            <a:endParaRPr b="0" lang="en-IN" sz="1800" spc="-1" strike="noStrike">
+              <a:solidFill>
+                <a:srgbClr val="000000"/>
+              </a:solidFill>
+              <a:uFill>
+                <a:solidFill>
+                  <a:srgbClr val="ffffff"/>
+                </a:solidFill>
+              </a:uFill>
+              <a:latin typeface="Arial"/>
+            </a:endParaRPr>
+          </a:p>
+          <a:p>
+            <a:pPr marL="457200" indent="-316800">
               <a:lnSpc>
                 <a:spcPct val="130000"/>
               </a:lnSpc>
@@ -8137,20 +8712,20 @@
               </a:rPr>
               <a:t>The above specific regions are detected by following color-based rules. These rules are made by experimenting with specific set of images.(Actually, the paper has implemented these by training on a data set, which we don’t have access to)</a:t>
             </a:r>
-            <a:endParaRPr b="0" lang="en-IN" sz="1400" spc="-1" strike="noStrike">
-              <a:solidFill>
-                <a:srgbClr val="000000"/>
-              </a:solidFill>
-              <a:uFill>
-                <a:solidFill>
-                  <a:srgbClr val="ffffff"/>
-                </a:solidFill>
-              </a:uFill>
-              <a:latin typeface="Arial"/>
-            </a:endParaRPr>
-          </a:p>
-          <a:p>
-            <a:pPr marL="457200" indent="-317160">
+            <a:endParaRPr b="0" lang="en-IN" sz="1800" spc="-1" strike="noStrike">
+              <a:solidFill>
+                <a:srgbClr val="000000"/>
+              </a:solidFill>
+              <a:uFill>
+                <a:solidFill>
+                  <a:srgbClr val="ffffff"/>
+                </a:solidFill>
+              </a:uFill>
+              <a:latin typeface="Arial"/>
+            </a:endParaRPr>
+          </a:p>
+          <a:p>
+            <a:pPr marL="457200" indent="-316800">
               <a:lnSpc>
                 <a:spcPct val="130000"/>
               </a:lnSpc>
@@ -8175,7 +8750,7 @@
               </a:rPr>
               <a:t>After this , each region is assigned a specific gray value based on following order:</a:t>
             </a:r>
-            <a:endParaRPr b="0" lang="en-IN" sz="1400" spc="-1" strike="noStrike">
+            <a:endParaRPr b="0" lang="en-IN" sz="1800" spc="-1" strike="noStrike">
               <a:solidFill>
                 <a:srgbClr val="000000"/>
               </a:solidFill>
@@ -8193,7 +8768,7 @@
                 <a:spcPct val="130000"/>
               </a:lnSpc>
             </a:pPr>
-            <a:endParaRPr b="0" lang="en-IN" sz="1400" spc="-1" strike="noStrike">
+            <a:endParaRPr b="0" lang="en-IN" sz="1800" spc="-1" strike="noStrike">
               <a:solidFill>
                 <a:srgbClr val="000000"/>
               </a:solidFill>
@@ -8226,7 +8801,7 @@
               </a:rPr>
               <a:t>Gray(Other) &gt; Gray(Land) &gt; Gray(Near Mountain) &gt; Gray(Far Mountain) &gt; Gray(Sky) </a:t>
             </a:r>
-            <a:endParaRPr b="0" lang="en-IN" sz="1400" spc="-1" strike="noStrike">
+            <a:endParaRPr b="0" lang="en-IN" sz="1800" spc="-1" strike="noStrike">
               <a:solidFill>
                 <a:srgbClr val="000000"/>
               </a:solidFill>
@@ -8244,7 +8819,7 @@
                 <a:spcPct val="130000"/>
               </a:lnSpc>
             </a:pPr>
-            <a:endParaRPr b="0" lang="en-IN" sz="1400" spc="-1" strike="noStrike">
+            <a:endParaRPr b="0" lang="en-IN" sz="1800" spc="-1" strike="noStrike">
               <a:solidFill>
                 <a:srgbClr val="000000"/>
               </a:solidFill>
@@ -8277,7 +8852,7 @@
               </a:rPr>
               <a:t>5)  Apply median filter again to remove the outliers in the above classified image.</a:t>
             </a:r>
-            <a:endParaRPr b="0" lang="en-IN" sz="1400" spc="-1" strike="noStrike">
+            <a:endParaRPr b="0" lang="en-IN" sz="1800" spc="-1" strike="noStrike">
               <a:solidFill>
                 <a:srgbClr val="000000"/>
               </a:solidFill>
@@ -8342,14 +8917,14 @@
       </p:grpSpPr>
       <p:sp>
         <p:nvSpPr>
-          <p:cNvPr id="88" name="TextShape 1"/>
-          <p:cNvSpPr txBox="1"/>
+          <p:cNvPr id="86" name="CustomShape 1"/>
+          <p:cNvSpPr/>
           <p:nvPr/>
         </p:nvSpPr>
         <p:spPr>
           <a:xfrm>
             <a:off x="311760" y="444960"/>
-            <a:ext cx="8520120" cy="572400"/>
+            <a:ext cx="8519760" cy="572040"/>
           </a:xfrm>
           <a:prstGeom prst="rect">
             <a:avLst/>
@@ -8359,8 +8934,14 @@
             <a:noFill/>
           </a:ln>
         </p:spPr>
+        <p:style>
+          <a:lnRef idx="0"/>
+          <a:fillRef idx="0"/>
+          <a:effectRef idx="0"/>
+          <a:fontRef idx="minor"/>
+        </p:style>
         <p:txBody>
-          <a:bodyPr tIns="91440" bIns="91440"/>
+          <a:bodyPr lIns="90000" rIns="90000" tIns="91440" bIns="91440"/>
           <a:p>
             <a:pPr>
               <a:lnSpc>
@@ -8382,7 +8963,7 @@
               </a:rPr>
               <a:t>Results:</a:t>
             </a:r>
-            <a:endParaRPr b="0" lang="en-IN" sz="1400" spc="-1" strike="noStrike">
+            <a:endParaRPr b="0" lang="en-IN" sz="1800" spc="-1" strike="noStrike">
               <a:solidFill>
                 <a:srgbClr val="000000"/>
               </a:solidFill>
@@ -8398,14 +8979,14 @@
       </p:sp>
       <p:sp>
         <p:nvSpPr>
-          <p:cNvPr id="89" name="TextShape 2"/>
-          <p:cNvSpPr txBox="1"/>
+          <p:cNvPr id="87" name="CustomShape 2"/>
+          <p:cNvSpPr/>
           <p:nvPr/>
         </p:nvSpPr>
         <p:spPr>
           <a:xfrm>
             <a:off x="311760" y="1152360"/>
-            <a:ext cx="8520120" cy="3416040"/>
+            <a:ext cx="8519760" cy="3415680"/>
           </a:xfrm>
           <a:prstGeom prst="rect">
             <a:avLst/>
@@ -8415,26 +8996,16 @@
             <a:noFill/>
           </a:ln>
         </p:spPr>
-        <p:txBody>
-          <a:bodyPr tIns="91440" bIns="91440"/>
-          <a:p>
-            <a:endParaRPr b="0" lang="en-IN" sz="1400" spc="-1" strike="noStrike">
-              <a:solidFill>
-                <a:srgbClr val="000000"/>
-              </a:solidFill>
-              <a:uFill>
-                <a:solidFill>
-                  <a:srgbClr val="ffffff"/>
-                </a:solidFill>
-              </a:uFill>
-              <a:latin typeface="Arial"/>
-            </a:endParaRPr>
-          </a:p>
-        </p:txBody>
+        <p:style>
+          <a:lnRef idx="0"/>
+          <a:fillRef idx="0"/>
+          <a:effectRef idx="0"/>
+          <a:fontRef idx="minor"/>
+        </p:style>
       </p:sp>
       <p:pic>
         <p:nvPicPr>
-          <p:cNvPr id="90" name="Shape 94" descr=""/>
+          <p:cNvPr id="88" name="Shape 94" descr=""/>
           <p:cNvPicPr/>
           <p:nvPr/>
         </p:nvPicPr>
@@ -8445,7 +9016,7 @@
         <p:spPr>
           <a:xfrm>
             <a:off x="356400" y="1152360"/>
-            <a:ext cx="4041000" cy="3416040"/>
+            <a:ext cx="4040640" cy="3415680"/>
           </a:xfrm>
           <a:prstGeom prst="rect">
             <a:avLst/>
@@ -8457,7 +9028,7 @@
       </p:pic>
       <p:pic>
         <p:nvPicPr>
-          <p:cNvPr id="91" name="Shape 95" descr=""/>
+          <p:cNvPr id="89" name="Shape 95" descr=""/>
           <p:cNvPicPr/>
           <p:nvPr/>
         </p:nvPicPr>
@@ -8468,7 +9039,7 @@
         <p:spPr>
           <a:xfrm>
             <a:off x="4790880" y="1193760"/>
-            <a:ext cx="4041000" cy="3333960"/>
+            <a:ext cx="4040640" cy="3333600"/>
           </a:xfrm>
           <a:prstGeom prst="rect">
             <a:avLst/>
@@ -8529,14 +9100,14 @@
       </p:grpSpPr>
       <p:sp>
         <p:nvSpPr>
-          <p:cNvPr id="92" name="TextShape 1"/>
-          <p:cNvSpPr txBox="1"/>
+          <p:cNvPr id="90" name="CustomShape 1"/>
+          <p:cNvSpPr/>
           <p:nvPr/>
         </p:nvSpPr>
         <p:spPr>
           <a:xfrm>
             <a:off x="311760" y="1152360"/>
-            <a:ext cx="8520120" cy="3416040"/>
+            <a:ext cx="8519760" cy="3415680"/>
           </a:xfrm>
           <a:prstGeom prst="rect">
             <a:avLst/>
@@ -8546,26 +9117,16 @@
             <a:noFill/>
           </a:ln>
         </p:spPr>
-        <p:txBody>
-          <a:bodyPr tIns="91440" bIns="91440"/>
-          <a:p>
-            <a:endParaRPr b="0" lang="en-IN" sz="1400" spc="-1" strike="noStrike">
-              <a:solidFill>
-                <a:srgbClr val="000000"/>
-              </a:solidFill>
-              <a:uFill>
-                <a:solidFill>
-                  <a:srgbClr val="ffffff"/>
-                </a:solidFill>
-              </a:uFill>
-              <a:latin typeface="Arial"/>
-            </a:endParaRPr>
-          </a:p>
-        </p:txBody>
+        <p:style>
+          <a:lnRef idx="0"/>
+          <a:fillRef idx="0"/>
+          <a:effectRef idx="0"/>
+          <a:fontRef idx="minor"/>
+        </p:style>
       </p:sp>
       <p:pic>
         <p:nvPicPr>
-          <p:cNvPr id="93" name="Shape 101" descr=""/>
+          <p:cNvPr id="91" name="Shape 101" descr=""/>
           <p:cNvPicPr/>
           <p:nvPr/>
         </p:nvPicPr>
@@ -8576,7 +9137,7 @@
         <p:spPr>
           <a:xfrm>
             <a:off x="311760" y="1152360"/>
-            <a:ext cx="4085640" cy="3416040"/>
+            <a:ext cx="4085280" cy="3415680"/>
           </a:xfrm>
           <a:prstGeom prst="rect">
             <a:avLst/>
@@ -8588,7 +9149,7 @@
       </p:pic>
       <p:pic>
         <p:nvPicPr>
-          <p:cNvPr id="94" name="Shape 102" descr=""/>
+          <p:cNvPr id="92" name="Shape 102" descr=""/>
           <p:cNvPicPr/>
           <p:nvPr/>
         </p:nvPicPr>
@@ -8599,7 +9160,7 @@
         <p:spPr>
           <a:xfrm>
             <a:off x="4653720" y="1152360"/>
-            <a:ext cx="4178160" cy="3416040"/>
+            <a:ext cx="4177800" cy="3415680"/>
           </a:xfrm>
           <a:prstGeom prst="rect">
             <a:avLst/>
@@ -8611,6 +9172,33 @@
       </p:pic>
     </p:spTree>
   </p:cSld>
+  <p:timing>
+    <p:tnLst>
+      <p:par>
+        <p:cTn id="15" dur="indefinite" restart="never" nodeType="tmRoot">
+          <p:childTnLst>
+            <p:seq>
+              <p:cTn id="16" nodeType="mainSeq"/>
+              <p:prevCondLst>
+                <p:cond delay="0" evt="onPrev">
+                  <p:tgtEl>
+                    <p:sldTgt/>
+                  </p:tgtEl>
+                </p:cond>
+              </p:prevCondLst>
+              <p:nextCondLst>
+                <p:cond delay="0" evt="onNext">
+                  <p:tgtEl>
+                    <p:sldTgt/>
+                  </p:tgtEl>
+                </p:cond>
+              </p:nextCondLst>
+            </p:seq>
+          </p:childTnLst>
+        </p:cTn>
+      </p:par>
+    </p:tnLst>
+  </p:timing>
 </p:sld>
 </file>
 
@@ -8633,14 +9221,14 @@
       </p:grpSpPr>
       <p:sp>
         <p:nvSpPr>
-          <p:cNvPr id="95" name="TextShape 1"/>
-          <p:cNvSpPr txBox="1"/>
+          <p:cNvPr id="93" name="CustomShape 1"/>
+          <p:cNvSpPr/>
           <p:nvPr/>
         </p:nvSpPr>
         <p:spPr>
           <a:xfrm>
             <a:off x="311760" y="444960"/>
-            <a:ext cx="8520120" cy="572400"/>
+            <a:ext cx="8519760" cy="572040"/>
           </a:xfrm>
           <a:prstGeom prst="rect">
             <a:avLst/>
@@ -8650,8 +9238,14 @@
             <a:noFill/>
           </a:ln>
         </p:spPr>
+        <p:style>
+          <a:lnRef idx="0"/>
+          <a:fillRef idx="0"/>
+          <a:effectRef idx="0"/>
+          <a:fontRef idx="minor"/>
+        </p:style>
         <p:txBody>
-          <a:bodyPr tIns="91440" bIns="91440"/>
+          <a:bodyPr lIns="90000" rIns="90000" tIns="91440" bIns="91440"/>
           <a:p>
             <a:pPr>
               <a:lnSpc>
@@ -8673,7 +9267,7 @@
               </a:rPr>
               <a:t>Image Classification:</a:t>
             </a:r>
-            <a:endParaRPr b="0" lang="en-IN" sz="1400" spc="-1" strike="noStrike">
+            <a:endParaRPr b="0" lang="en-IN" sz="1800" spc="-1" strike="noStrike">
               <a:solidFill>
                 <a:srgbClr val="000000"/>
               </a:solidFill>
@@ -8689,14 +9283,14 @@
       </p:sp>
       <p:sp>
         <p:nvSpPr>
-          <p:cNvPr id="96" name="TextShape 2"/>
-          <p:cNvSpPr txBox="1"/>
+          <p:cNvPr id="94" name="CustomShape 2"/>
+          <p:cNvSpPr/>
           <p:nvPr/>
         </p:nvSpPr>
         <p:spPr>
           <a:xfrm>
             <a:off x="311760" y="1017720"/>
-            <a:ext cx="8520120" cy="4125600"/>
+            <a:ext cx="8519760" cy="4125240"/>
           </a:xfrm>
           <a:prstGeom prst="rect">
             <a:avLst/>
@@ -8706,8 +9300,14 @@
             <a:noFill/>
           </a:ln>
         </p:spPr>
+        <p:style>
+          <a:lnRef idx="0"/>
+          <a:fillRef idx="0"/>
+          <a:effectRef idx="0"/>
+          <a:fontRef idx="minor"/>
+        </p:style>
         <p:txBody>
-          <a:bodyPr tIns="91440" bIns="91440"/>
+          <a:bodyPr lIns="90000" rIns="90000" tIns="91440" bIns="91440"/>
           <a:p>
             <a:pPr>
               <a:lnSpc>
@@ -8729,20 +9329,20 @@
               </a:rPr>
               <a:t>We need to classify the image into outdoor without geometric elements, outdoor with geometric elements or indoor.</a:t>
             </a:r>
-            <a:endParaRPr b="0" lang="en-IN" sz="1400" spc="-1" strike="noStrike">
-              <a:solidFill>
-                <a:srgbClr val="000000"/>
-              </a:solidFill>
-              <a:uFill>
-                <a:solidFill>
-                  <a:srgbClr val="ffffff"/>
-                </a:solidFill>
-              </a:uFill>
-              <a:latin typeface="Arial"/>
-            </a:endParaRPr>
-          </a:p>
-          <a:p>
-            <a:pPr marL="457200" indent="-342720">
+            <a:endParaRPr b="0" lang="en-IN" sz="1800" spc="-1" strike="noStrike">
+              <a:solidFill>
+                <a:srgbClr val="000000"/>
+              </a:solidFill>
+              <a:uFill>
+                <a:solidFill>
+                  <a:srgbClr val="ffffff"/>
+                </a:solidFill>
+              </a:uFill>
+              <a:latin typeface="Arial"/>
+            </a:endParaRPr>
+          </a:p>
+          <a:p>
+            <a:pPr marL="457200" indent="-342360">
               <a:lnSpc>
                 <a:spcPct val="100000"/>
               </a:lnSpc>
@@ -8767,20 +9367,20 @@
               </a:rPr>
               <a:t>We select some column regions from the above obtained qualitative depth map </a:t>
             </a:r>
-            <a:endParaRPr b="0" lang="en-IN" sz="1400" spc="-1" strike="noStrike">
-              <a:solidFill>
-                <a:srgbClr val="000000"/>
-              </a:solidFill>
-              <a:uFill>
-                <a:solidFill>
-                  <a:srgbClr val="ffffff"/>
-                </a:solidFill>
-              </a:uFill>
-              <a:latin typeface="Arial"/>
-            </a:endParaRPr>
-          </a:p>
-          <a:p>
-            <a:pPr marL="457200" indent="-342720">
+            <a:endParaRPr b="0" lang="en-IN" sz="1800" spc="-1" strike="noStrike">
+              <a:solidFill>
+                <a:srgbClr val="000000"/>
+              </a:solidFill>
+              <a:uFill>
+                <a:solidFill>
+                  <a:srgbClr val="ffffff"/>
+                </a:solidFill>
+              </a:uFill>
+              <a:latin typeface="Arial"/>
+            </a:endParaRPr>
+          </a:p>
+          <a:p>
+            <a:pPr marL="457200" indent="-342360">
               <a:lnSpc>
                 <a:spcPct val="100000"/>
               </a:lnSpc>
@@ -8805,20 +9405,20 @@
               </a:rPr>
               <a:t>Find the number of region changes while we traverse the column from top to bottom</a:t>
             </a:r>
-            <a:endParaRPr b="0" lang="en-IN" sz="1400" spc="-1" strike="noStrike">
-              <a:solidFill>
-                <a:srgbClr val="000000"/>
-              </a:solidFill>
-              <a:uFill>
-                <a:solidFill>
-                  <a:srgbClr val="ffffff"/>
-                </a:solidFill>
-              </a:uFill>
-              <a:latin typeface="Arial"/>
-            </a:endParaRPr>
-          </a:p>
-          <a:p>
-            <a:pPr marL="457200" indent="-342720">
+            <a:endParaRPr b="0" lang="en-IN" sz="1800" spc="-1" strike="noStrike">
+              <a:solidFill>
+                <a:srgbClr val="000000"/>
+              </a:solidFill>
+              <a:uFill>
+                <a:solidFill>
+                  <a:srgbClr val="ffffff"/>
+                </a:solidFill>
+              </a:uFill>
+              <a:latin typeface="Arial"/>
+            </a:endParaRPr>
+          </a:p>
+          <a:p>
+            <a:pPr marL="457200" indent="-342360">
               <a:lnSpc>
                 <a:spcPct val="100000"/>
               </a:lnSpc>
@@ -8843,20 +9443,20 @@
               </a:rPr>
               <a:t>If the top region is sky and if the number of region changes are less than a particular threshold, we increment the count of R by 1 or else if the sky is top region we increment the count of R2 by 1 </a:t>
             </a:r>
-            <a:endParaRPr b="0" lang="en-IN" sz="1400" spc="-1" strike="noStrike">
-              <a:solidFill>
-                <a:srgbClr val="000000"/>
-              </a:solidFill>
-              <a:uFill>
-                <a:solidFill>
-                  <a:srgbClr val="ffffff"/>
-                </a:solidFill>
-              </a:uFill>
-              <a:latin typeface="Arial"/>
-            </a:endParaRPr>
-          </a:p>
-          <a:p>
-            <a:pPr marL="457200" indent="-342720">
+            <a:endParaRPr b="0" lang="en-IN" sz="1800" spc="-1" strike="noStrike">
+              <a:solidFill>
+                <a:srgbClr val="000000"/>
+              </a:solidFill>
+              <a:uFill>
+                <a:solidFill>
+                  <a:srgbClr val="ffffff"/>
+                </a:solidFill>
+              </a:uFill>
+              <a:latin typeface="Arial"/>
+            </a:endParaRPr>
+          </a:p>
+          <a:p>
+            <a:pPr marL="457200" indent="-342360">
               <a:lnSpc>
                 <a:spcPct val="100000"/>
               </a:lnSpc>
@@ -8881,7 +9481,7 @@
               </a:rPr>
               <a:t>If the R value is greater than K1*N, where N is the number of analyzed column regions and K1 is a threshold in (0,1), we classify the image as outdoor without geometric elements.</a:t>
             </a:r>
-            <a:endParaRPr b="0" lang="en-IN" sz="1400" spc="-1" strike="noStrike">
+            <a:endParaRPr b="0" lang="en-IN" sz="1800" spc="-1" strike="noStrike">
               <a:solidFill>
                 <a:srgbClr val="000000"/>
               </a:solidFill>
@@ -8897,6 +9497,33 @@
       </p:sp>
     </p:spTree>
   </p:cSld>
+  <p:timing>
+    <p:tnLst>
+      <p:par>
+        <p:cTn id="17" dur="indefinite" restart="never" nodeType="tmRoot">
+          <p:childTnLst>
+            <p:seq>
+              <p:cTn id="18" nodeType="mainSeq"/>
+              <p:prevCondLst>
+                <p:cond delay="0" evt="onPrev">
+                  <p:tgtEl>
+                    <p:sldTgt/>
+                  </p:tgtEl>
+                </p:cond>
+              </p:prevCondLst>
+              <p:nextCondLst>
+                <p:cond delay="0" evt="onNext">
+                  <p:tgtEl>
+                    <p:sldTgt/>
+                  </p:tgtEl>
+                </p:cond>
+              </p:nextCondLst>
+            </p:seq>
+          </p:childTnLst>
+        </p:cTn>
+      </p:par>
+    </p:tnLst>
+  </p:timing>
 </p:sld>
 </file>
 
